--- a/Docker.pptx
+++ b/Docker.pptx
@@ -2,26 +2,28 @@
 <file path=ppt/presentation.xml><?xml version="1.0" encoding="utf-8"?>
 <p:presentation xmlns:a="http://schemas.openxmlformats.org/drawingml/2006/main" xmlns:r="http://schemas.openxmlformats.org/officeDocument/2006/relationships" xmlns:p="http://schemas.openxmlformats.org/presentationml/2006/main" saveSubsetFonts="1">
   <p:sldMasterIdLst>
-    <p:sldMasterId id="2147483648" r:id="rId1"/>
+    <p:sldMasterId id="2147483660" r:id="rId1"/>
   </p:sldMasterIdLst>
   <p:sldIdLst>
     <p:sldId id="256" r:id="rId2"/>
     <p:sldId id="257" r:id="rId3"/>
     <p:sldId id="258" r:id="rId4"/>
     <p:sldId id="259" r:id="rId5"/>
-    <p:sldId id="260" r:id="rId6"/>
-    <p:sldId id="264" r:id="rId7"/>
-    <p:sldId id="261" r:id="rId8"/>
-    <p:sldId id="262" r:id="rId9"/>
-    <p:sldId id="263" r:id="rId10"/>
+    <p:sldId id="266" r:id="rId6"/>
+    <p:sldId id="260" r:id="rId7"/>
+    <p:sldId id="265" r:id="rId8"/>
+    <p:sldId id="264" r:id="rId9"/>
+    <p:sldId id="261" r:id="rId10"/>
+    <p:sldId id="262" r:id="rId11"/>
+    <p:sldId id="263" r:id="rId12"/>
   </p:sldIdLst>
   <p:sldSz cx="12192000" cy="6858000"/>
   <p:notesSz cx="6858000" cy="9144000"/>
   <p:defaultTextStyle>
     <a:defPPr>
-      <a:defRPr lang="da-DK"/>
+      <a:defRPr lang="en-US"/>
     </a:defPPr>
-    <a:lvl1pPr marL="0" algn="l" defTabSz="914400" rtl="0" eaLnBrk="1" latinLnBrk="0" hangingPunct="1">
+    <a:lvl1pPr marL="0" algn="l" defTabSz="457200" rtl="0" eaLnBrk="1" latinLnBrk="0" hangingPunct="1">
       <a:defRPr sz="1800" kern="1200">
         <a:solidFill>
           <a:schemeClr val="tx1"/>
@@ -31,7 +33,7 @@
         <a:cs typeface="+mn-cs"/>
       </a:defRPr>
     </a:lvl1pPr>
-    <a:lvl2pPr marL="457200" algn="l" defTabSz="914400" rtl="0" eaLnBrk="1" latinLnBrk="0" hangingPunct="1">
+    <a:lvl2pPr marL="457200" algn="l" defTabSz="457200" rtl="0" eaLnBrk="1" latinLnBrk="0" hangingPunct="1">
       <a:defRPr sz="1800" kern="1200">
         <a:solidFill>
           <a:schemeClr val="tx1"/>
@@ -41,7 +43,7 @@
         <a:cs typeface="+mn-cs"/>
       </a:defRPr>
     </a:lvl2pPr>
-    <a:lvl3pPr marL="914400" algn="l" defTabSz="914400" rtl="0" eaLnBrk="1" latinLnBrk="0" hangingPunct="1">
+    <a:lvl3pPr marL="914400" algn="l" defTabSz="457200" rtl="0" eaLnBrk="1" latinLnBrk="0" hangingPunct="1">
       <a:defRPr sz="1800" kern="1200">
         <a:solidFill>
           <a:schemeClr val="tx1"/>
@@ -51,7 +53,7 @@
         <a:cs typeface="+mn-cs"/>
       </a:defRPr>
     </a:lvl3pPr>
-    <a:lvl4pPr marL="1371600" algn="l" defTabSz="914400" rtl="0" eaLnBrk="1" latinLnBrk="0" hangingPunct="1">
+    <a:lvl4pPr marL="1371600" algn="l" defTabSz="457200" rtl="0" eaLnBrk="1" latinLnBrk="0" hangingPunct="1">
       <a:defRPr sz="1800" kern="1200">
         <a:solidFill>
           <a:schemeClr val="tx1"/>
@@ -61,7 +63,7 @@
         <a:cs typeface="+mn-cs"/>
       </a:defRPr>
     </a:lvl4pPr>
-    <a:lvl5pPr marL="1828800" algn="l" defTabSz="914400" rtl="0" eaLnBrk="1" latinLnBrk="0" hangingPunct="1">
+    <a:lvl5pPr marL="1828800" algn="l" defTabSz="457200" rtl="0" eaLnBrk="1" latinLnBrk="0" hangingPunct="1">
       <a:defRPr sz="1800" kern="1200">
         <a:solidFill>
           <a:schemeClr val="tx1"/>
@@ -71,7 +73,7 @@
         <a:cs typeface="+mn-cs"/>
       </a:defRPr>
     </a:lvl5pPr>
-    <a:lvl6pPr marL="2286000" algn="l" defTabSz="914400" rtl="0" eaLnBrk="1" latinLnBrk="0" hangingPunct="1">
+    <a:lvl6pPr marL="2286000" algn="l" defTabSz="457200" rtl="0" eaLnBrk="1" latinLnBrk="0" hangingPunct="1">
       <a:defRPr sz="1800" kern="1200">
         <a:solidFill>
           <a:schemeClr val="tx1"/>
@@ -81,7 +83,7 @@
         <a:cs typeface="+mn-cs"/>
       </a:defRPr>
     </a:lvl6pPr>
-    <a:lvl7pPr marL="2743200" algn="l" defTabSz="914400" rtl="0" eaLnBrk="1" latinLnBrk="0" hangingPunct="1">
+    <a:lvl7pPr marL="2743200" algn="l" defTabSz="457200" rtl="0" eaLnBrk="1" latinLnBrk="0" hangingPunct="1">
       <a:defRPr sz="1800" kern="1200">
         <a:solidFill>
           <a:schemeClr val="tx1"/>
@@ -91,7 +93,7 @@
         <a:cs typeface="+mn-cs"/>
       </a:defRPr>
     </a:lvl7pPr>
-    <a:lvl8pPr marL="3200400" algn="l" defTabSz="914400" rtl="0" eaLnBrk="1" latinLnBrk="0" hangingPunct="1">
+    <a:lvl8pPr marL="3200400" algn="l" defTabSz="457200" rtl="0" eaLnBrk="1" latinLnBrk="0" hangingPunct="1">
       <a:defRPr sz="1800" kern="1200">
         <a:solidFill>
           <a:schemeClr val="tx1"/>
@@ -101,7 +103,7 @@
         <a:cs typeface="+mn-cs"/>
       </a:defRPr>
     </a:lvl8pPr>
-    <a:lvl9pPr marL="3657600" algn="l" defTabSz="914400" rtl="0" eaLnBrk="1" latinLnBrk="0" hangingPunct="1">
+    <a:lvl9pPr marL="3657600" algn="l" defTabSz="457200" rtl="0" eaLnBrk="1" latinLnBrk="0" hangingPunct="1">
       <a:defRPr sz="1800" kern="1200">
         <a:solidFill>
           <a:schemeClr val="tx1"/>
@@ -112,6 +114,11 @@
       </a:defRPr>
     </a:lvl9pPr>
   </p:defaultTextStyle>
+  <p:extLst>
+    <p:ext uri="{EFAFB233-063F-42B5-8137-9DF3F51BA10A}">
+      <p15:sldGuideLst xmlns:p15="http://schemas.microsoft.com/office/powerpoint/2012/main"/>
+    </p:ext>
+  </p:extLst>
 </p:presentation>
 </file>
 
@@ -134,13 +141,7 @@
       </p:grpSpPr>
       <p:sp>
         <p:nvSpPr>
-          <p:cNvPr id="2" name="Titel 1">
-            <a:extLst>
-              <a:ext uri="{FF2B5EF4-FFF2-40B4-BE49-F238E27FC236}">
-                <a16:creationId xmlns:a16="http://schemas.microsoft.com/office/drawing/2014/main" id="{CD85AA27-92CC-A1F9-878F-490018B6AA25}"/>
-              </a:ext>
-            </a:extLst>
-          </p:cNvPr>
+          <p:cNvPr id="2" name="Title 1"/>
           <p:cNvSpPr>
             <a:spLocks noGrp="1"/>
           </p:cNvSpPr>
@@ -150,15 +151,32 @@
         </p:nvSpPr>
         <p:spPr>
           <a:xfrm>
-            <a:off x="1524000" y="1122363"/>
-            <a:ext cx="9144000" cy="2387600"/>
+            <a:off x="1751012" y="609601"/>
+            <a:ext cx="8676222" cy="3200400"/>
           </a:xfrm>
         </p:spPr>
         <p:txBody>
-          <a:bodyPr anchor="b"/>
+          <a:bodyPr anchor="b">
+            <a:normAutofit/>
+          </a:bodyPr>
           <a:lstStyle>
             <a:lvl1pPr algn="ctr">
-              <a:defRPr sz="6000"/>
+              <a:defRPr sz="4800">
+                <a:effectLst>
+                  <a:glow rad="38100">
+                    <a:schemeClr val="bg1">
+                      <a:lumMod val="65000"/>
+                      <a:lumOff val="35000"/>
+                      <a:alpha val="50000"/>
+                    </a:schemeClr>
+                  </a:glow>
+                  <a:outerShdw blurRad="28575" dist="31750" dir="13200000" algn="tl" rotWithShape="0">
+                    <a:srgbClr val="000000">
+                      <a:alpha val="25000"/>
+                    </a:srgbClr>
+                  </a:outerShdw>
+                </a:effectLst>
+              </a:defRPr>
             </a:lvl1pPr>
           </a:lstStyle>
           <a:p>
@@ -166,18 +184,13 @@
               <a:rPr lang="da-DK"/>
               <a:t>Klik for at redigere titeltypografien i masteren</a:t>
             </a:r>
-          </a:p>
-        </p:txBody>
-      </p:sp>
-      <p:sp>
-        <p:nvSpPr>
-          <p:cNvPr id="3" name="Undertitel 2">
-            <a:extLst>
-              <a:ext uri="{FF2B5EF4-FFF2-40B4-BE49-F238E27FC236}">
-                <a16:creationId xmlns:a16="http://schemas.microsoft.com/office/drawing/2014/main" id="{8BC241B8-014A-62E5-4E21-AA4269B04ABA}"/>
-              </a:ext>
-            </a:extLst>
-          </p:cNvPr>
+            <a:endParaRPr lang="en-US" dirty="0"/>
+          </a:p>
+        </p:txBody>
+      </p:sp>
+      <p:sp>
+        <p:nvSpPr>
+          <p:cNvPr id="3" name="Subtitle 2"/>
           <p:cNvSpPr>
             <a:spLocks noGrp="1"/>
           </p:cNvSpPr>
@@ -187,48 +200,113 @@
         </p:nvSpPr>
         <p:spPr>
           <a:xfrm>
-            <a:off x="1524000" y="3602038"/>
-            <a:ext cx="9144000" cy="1655762"/>
+            <a:off x="1751012" y="3886200"/>
+            <a:ext cx="8676222" cy="1905000"/>
           </a:xfrm>
         </p:spPr>
         <p:txBody>
-          <a:bodyPr/>
+          <a:bodyPr anchor="t">
+            <a:normAutofit/>
+          </a:bodyPr>
           <a:lstStyle>
             <a:lvl1pPr marL="0" indent="0" algn="ctr">
               <a:buNone/>
-              <a:defRPr sz="2400"/>
+              <a:defRPr sz="2100">
+                <a:gradFill flip="none" rotWithShape="1">
+                  <a:gsLst>
+                    <a:gs pos="0">
+                      <a:schemeClr val="tx1"/>
+                    </a:gs>
+                    <a:gs pos="100000">
+                      <a:schemeClr val="tx1">
+                        <a:lumMod val="75000"/>
+                      </a:schemeClr>
+                    </a:gs>
+                  </a:gsLst>
+                  <a:lin ang="5400000" scaled="0"/>
+                  <a:tileRect/>
+                </a:gradFill>
+              </a:defRPr>
             </a:lvl1pPr>
             <a:lvl2pPr marL="457200" indent="0" algn="ctr">
               <a:buNone/>
-              <a:defRPr sz="2000"/>
+              <a:defRPr>
+                <a:solidFill>
+                  <a:schemeClr val="tx1">
+                    <a:tint val="75000"/>
+                  </a:schemeClr>
+                </a:solidFill>
+              </a:defRPr>
             </a:lvl2pPr>
             <a:lvl3pPr marL="914400" indent="0" algn="ctr">
               <a:buNone/>
-              <a:defRPr sz="1800"/>
+              <a:defRPr>
+                <a:solidFill>
+                  <a:schemeClr val="tx1">
+                    <a:tint val="75000"/>
+                  </a:schemeClr>
+                </a:solidFill>
+              </a:defRPr>
             </a:lvl3pPr>
             <a:lvl4pPr marL="1371600" indent="0" algn="ctr">
               <a:buNone/>
-              <a:defRPr sz="1600"/>
+              <a:defRPr>
+                <a:solidFill>
+                  <a:schemeClr val="tx1">
+                    <a:tint val="75000"/>
+                  </a:schemeClr>
+                </a:solidFill>
+              </a:defRPr>
             </a:lvl4pPr>
             <a:lvl5pPr marL="1828800" indent="0" algn="ctr">
               <a:buNone/>
-              <a:defRPr sz="1600"/>
+              <a:defRPr>
+                <a:solidFill>
+                  <a:schemeClr val="tx1">
+                    <a:tint val="75000"/>
+                  </a:schemeClr>
+                </a:solidFill>
+              </a:defRPr>
             </a:lvl5pPr>
             <a:lvl6pPr marL="2286000" indent="0" algn="ctr">
               <a:buNone/>
-              <a:defRPr sz="1600"/>
+              <a:defRPr>
+                <a:solidFill>
+                  <a:schemeClr val="tx1">
+                    <a:tint val="75000"/>
+                  </a:schemeClr>
+                </a:solidFill>
+              </a:defRPr>
             </a:lvl6pPr>
             <a:lvl7pPr marL="2743200" indent="0" algn="ctr">
               <a:buNone/>
-              <a:defRPr sz="1600"/>
+              <a:defRPr>
+                <a:solidFill>
+                  <a:schemeClr val="tx1">
+                    <a:tint val="75000"/>
+                  </a:schemeClr>
+                </a:solidFill>
+              </a:defRPr>
             </a:lvl7pPr>
             <a:lvl8pPr marL="3200400" indent="0" algn="ctr">
               <a:buNone/>
-              <a:defRPr sz="1600"/>
+              <a:defRPr>
+                <a:solidFill>
+                  <a:schemeClr val="tx1">
+                    <a:tint val="75000"/>
+                  </a:schemeClr>
+                </a:solidFill>
+              </a:defRPr>
             </a:lvl8pPr>
             <a:lvl9pPr marL="3657600" indent="0" algn="ctr">
               <a:buNone/>
-              <a:defRPr sz="1600"/>
+              <a:defRPr>
+                <a:solidFill>
+                  <a:schemeClr val="tx1">
+                    <a:tint val="75000"/>
+                  </a:schemeClr>
+                </a:solidFill>
+              </a:defRPr>
             </a:lvl9pPr>
           </a:lstStyle>
           <a:p>
@@ -236,18 +314,13 @@
               <a:rPr lang="da-DK"/>
               <a:t>Klik for at redigere undertiteltypografien i masteren</a:t>
             </a:r>
-          </a:p>
-        </p:txBody>
-      </p:sp>
-      <p:sp>
-        <p:nvSpPr>
-          <p:cNvPr id="4" name="Pladsholder til dato 3">
-            <a:extLst>
-              <a:ext uri="{FF2B5EF4-FFF2-40B4-BE49-F238E27FC236}">
-                <a16:creationId xmlns:a16="http://schemas.microsoft.com/office/drawing/2014/main" id="{0F70209B-B9D6-1E3D-88C4-64FD79CFC331}"/>
-              </a:ext>
-            </a:extLst>
-          </p:cNvPr>
+            <a:endParaRPr lang="en-US" dirty="0"/>
+          </a:p>
+        </p:txBody>
+      </p:sp>
+      <p:sp>
+        <p:nvSpPr>
+          <p:cNvPr id="4" name="Date Placeholder 3"/>
           <p:cNvSpPr>
             <a:spLocks noGrp="1"/>
           </p:cNvSpPr>
@@ -270,13 +343,7 @@
       </p:sp>
       <p:sp>
         <p:nvSpPr>
-          <p:cNvPr id="5" name="Pladsholder til sidefod 4">
-            <a:extLst>
-              <a:ext uri="{FF2B5EF4-FFF2-40B4-BE49-F238E27FC236}">
-                <a16:creationId xmlns:a16="http://schemas.microsoft.com/office/drawing/2014/main" id="{B9272702-7C66-9992-B798-2BF1DB455D30}"/>
-              </a:ext>
-            </a:extLst>
-          </p:cNvPr>
+          <p:cNvPr id="5" name="Footer Placeholder 4"/>
           <p:cNvSpPr>
             <a:spLocks noGrp="1"/>
           </p:cNvSpPr>
@@ -295,13 +362,7 @@
       </p:sp>
       <p:sp>
         <p:nvSpPr>
-          <p:cNvPr id="6" name="Pladsholder til slidenummer 5">
-            <a:extLst>
-              <a:ext uri="{FF2B5EF4-FFF2-40B4-BE49-F238E27FC236}">
-                <a16:creationId xmlns:a16="http://schemas.microsoft.com/office/drawing/2014/main" id="{67C740F9-2717-8C51-68FD-EF7607EE0A85}"/>
-              </a:ext>
-            </a:extLst>
-          </p:cNvPr>
+          <p:cNvPr id="6" name="Slide Number Placeholder 5"/>
           <p:cNvSpPr>
             <a:spLocks noGrp="1"/>
           </p:cNvSpPr>
@@ -325,7 +386,7 @@
     </p:spTree>
     <p:extLst>
       <p:ext uri="{BB962C8B-B14F-4D97-AF65-F5344CB8AC3E}">
-        <p14:creationId xmlns:p14="http://schemas.microsoft.com/office/powerpoint/2010/main" val="31085203"/>
+        <p14:creationId xmlns:p14="http://schemas.microsoft.com/office/powerpoint/2010/main" val="596011075"/>
       </p:ext>
     </p:extLst>
   </p:cSld>
@@ -336,6 +397,2113 @@
 </file>
 
 <file path=ppt/slideLayouts/slideLayout10.xml><?xml version="1.0" encoding="utf-8"?>
+<p:sldLayout xmlns:a="http://schemas.openxmlformats.org/drawingml/2006/main" xmlns:r="http://schemas.openxmlformats.org/officeDocument/2006/relationships" xmlns:p="http://schemas.openxmlformats.org/presentationml/2006/main" preserve="1">
+  <p:cSld name="Panoramisk billede med billedtekst">
+    <p:spTree>
+      <p:nvGrpSpPr>
+        <p:cNvPr id="1" name=""/>
+        <p:cNvGrpSpPr/>
+        <p:nvPr/>
+      </p:nvGrpSpPr>
+      <p:grpSpPr>
+        <a:xfrm>
+          <a:off x="0" y="0"/>
+          <a:ext cx="0" cy="0"/>
+          <a:chOff x="0" y="0"/>
+          <a:chExt cx="0" cy="0"/>
+        </a:xfrm>
+      </p:grpSpPr>
+      <p:sp>
+        <p:nvSpPr>
+          <p:cNvPr id="2" name="Title 1"/>
+          <p:cNvSpPr>
+            <a:spLocks noGrp="1"/>
+          </p:cNvSpPr>
+          <p:nvPr>
+            <p:ph type="title"/>
+          </p:nvPr>
+        </p:nvSpPr>
+        <p:spPr>
+          <a:xfrm>
+            <a:off x="1141413" y="4732865"/>
+            <a:ext cx="9906000" cy="566738"/>
+          </a:xfrm>
+        </p:spPr>
+        <p:txBody>
+          <a:bodyPr anchor="b">
+            <a:normAutofit/>
+          </a:bodyPr>
+          <a:lstStyle>
+            <a:lvl1pPr algn="l">
+              <a:defRPr sz="2400" b="0"/>
+            </a:lvl1pPr>
+          </a:lstStyle>
+          <a:p>
+            <a:r>
+              <a:rPr lang="da-DK"/>
+              <a:t>Klik for at redigere titeltypografien i masteren</a:t>
+            </a:r>
+            <a:endParaRPr lang="en-US" dirty="0"/>
+          </a:p>
+        </p:txBody>
+      </p:sp>
+      <p:sp>
+        <p:nvSpPr>
+          <p:cNvPr id="3" name="Picture Placeholder 2"/>
+          <p:cNvSpPr>
+            <a:spLocks noGrp="1" noChangeAspect="1"/>
+          </p:cNvSpPr>
+          <p:nvPr>
+            <p:ph type="pic" idx="1"/>
+          </p:nvPr>
+        </p:nvSpPr>
+        <p:spPr>
+          <a:xfrm>
+            <a:off x="1979612" y="932112"/>
+            <a:ext cx="8225944" cy="3164976"/>
+          </a:xfrm>
+          <a:prstGeom prst="roundRect">
+            <a:avLst>
+              <a:gd name="adj" fmla="val 4380"/>
+            </a:avLst>
+          </a:prstGeom>
+          <a:ln w="38100">
+            <a:gradFill flip="none" rotWithShape="1">
+              <a:gsLst>
+                <a:gs pos="0">
+                  <a:schemeClr val="bg2"/>
+                </a:gs>
+                <a:gs pos="100000">
+                  <a:schemeClr val="bg2">
+                    <a:lumMod val="75000"/>
+                  </a:schemeClr>
+                </a:gs>
+              </a:gsLst>
+              <a:lin ang="5400000" scaled="0"/>
+              <a:tileRect/>
+            </a:gradFill>
+          </a:ln>
+          <a:effectLst>
+            <a:innerShdw blurRad="57150" dist="38100" dir="14460000">
+              <a:srgbClr val="000000">
+                <a:alpha val="70000"/>
+              </a:srgbClr>
+            </a:innerShdw>
+          </a:effectLst>
+        </p:spPr>
+        <p:txBody>
+          <a:bodyPr anchor="t">
+            <a:normAutofit/>
+          </a:bodyPr>
+          <a:lstStyle>
+            <a:lvl1pPr marL="0" indent="0" algn="ctr">
+              <a:buNone/>
+              <a:defRPr sz="1600"/>
+            </a:lvl1pPr>
+            <a:lvl2pPr marL="457200" indent="0">
+              <a:buNone/>
+              <a:defRPr sz="1600"/>
+            </a:lvl2pPr>
+            <a:lvl3pPr marL="914400" indent="0">
+              <a:buNone/>
+              <a:defRPr sz="1600"/>
+            </a:lvl3pPr>
+            <a:lvl4pPr marL="1371600" indent="0">
+              <a:buNone/>
+              <a:defRPr sz="1600"/>
+            </a:lvl4pPr>
+            <a:lvl5pPr marL="1828800" indent="0">
+              <a:buNone/>
+              <a:defRPr sz="1600"/>
+            </a:lvl5pPr>
+            <a:lvl6pPr marL="2286000" indent="0">
+              <a:buNone/>
+              <a:defRPr sz="1600"/>
+            </a:lvl6pPr>
+            <a:lvl7pPr marL="2743200" indent="0">
+              <a:buNone/>
+              <a:defRPr sz="1600"/>
+            </a:lvl7pPr>
+            <a:lvl8pPr marL="3200400" indent="0">
+              <a:buNone/>
+              <a:defRPr sz="1600"/>
+            </a:lvl8pPr>
+            <a:lvl9pPr marL="3657600" indent="0">
+              <a:buNone/>
+              <a:defRPr sz="1600"/>
+            </a:lvl9pPr>
+          </a:lstStyle>
+          <a:p>
+            <a:r>
+              <a:rPr lang="da-DK"/>
+              <a:t>Klik på ikonet for at tilføje et billede</a:t>
+            </a:r>
+            <a:endParaRPr lang="en-US" dirty="0"/>
+          </a:p>
+        </p:txBody>
+      </p:sp>
+      <p:sp>
+        <p:nvSpPr>
+          <p:cNvPr id="4" name="Text Placeholder 3"/>
+          <p:cNvSpPr>
+            <a:spLocks noGrp="1"/>
+          </p:cNvSpPr>
+          <p:nvPr>
+            <p:ph type="body" sz="half" idx="2"/>
+          </p:nvPr>
+        </p:nvSpPr>
+        <p:spPr>
+          <a:xfrm>
+            <a:off x="1141413" y="5299603"/>
+            <a:ext cx="9906000" cy="493712"/>
+          </a:xfrm>
+        </p:spPr>
+        <p:txBody>
+          <a:bodyPr>
+            <a:normAutofit/>
+          </a:bodyPr>
+          <a:lstStyle>
+            <a:lvl1pPr marL="0" indent="0">
+              <a:buNone/>
+              <a:defRPr sz="1400"/>
+            </a:lvl1pPr>
+            <a:lvl2pPr marL="457200" indent="0">
+              <a:buNone/>
+              <a:defRPr sz="1200"/>
+            </a:lvl2pPr>
+            <a:lvl3pPr marL="914400" indent="0">
+              <a:buNone/>
+              <a:defRPr sz="1000"/>
+            </a:lvl3pPr>
+            <a:lvl4pPr marL="1371600" indent="0">
+              <a:buNone/>
+              <a:defRPr sz="900"/>
+            </a:lvl4pPr>
+            <a:lvl5pPr marL="1828800" indent="0">
+              <a:buNone/>
+              <a:defRPr sz="900"/>
+            </a:lvl5pPr>
+            <a:lvl6pPr marL="2286000" indent="0">
+              <a:buNone/>
+              <a:defRPr sz="900"/>
+            </a:lvl6pPr>
+            <a:lvl7pPr marL="2743200" indent="0">
+              <a:buNone/>
+              <a:defRPr sz="900"/>
+            </a:lvl7pPr>
+            <a:lvl8pPr marL="3200400" indent="0">
+              <a:buNone/>
+              <a:defRPr sz="900"/>
+            </a:lvl8pPr>
+            <a:lvl9pPr marL="3657600" indent="0">
+              <a:buNone/>
+              <a:defRPr sz="900"/>
+            </a:lvl9pPr>
+          </a:lstStyle>
+          <a:p>
+            <a:pPr lvl="0"/>
+            <a:r>
+              <a:rPr lang="da-DK"/>
+              <a:t>Klik for at redigere teksttypografierne i masteren</a:t>
+            </a:r>
+          </a:p>
+        </p:txBody>
+      </p:sp>
+      <p:sp>
+        <p:nvSpPr>
+          <p:cNvPr id="5" name="Date Placeholder 4"/>
+          <p:cNvSpPr>
+            <a:spLocks noGrp="1"/>
+          </p:cNvSpPr>
+          <p:nvPr>
+            <p:ph type="dt" sz="half" idx="10"/>
+          </p:nvPr>
+        </p:nvSpPr>
+        <p:spPr/>
+        <p:txBody>
+          <a:bodyPr/>
+          <a:lstStyle/>
+          <a:p>
+            <a:fld id="{E234AFEB-DA5F-4046-9E4D-A0FBEAC3B098}" type="datetimeFigureOut">
+              <a:rPr lang="da-DK" smtClean="0"/>
+              <a:t>06-11-2025</a:t>
+            </a:fld>
+            <a:endParaRPr lang="da-DK"/>
+          </a:p>
+        </p:txBody>
+      </p:sp>
+      <p:sp>
+        <p:nvSpPr>
+          <p:cNvPr id="6" name="Footer Placeholder 5"/>
+          <p:cNvSpPr>
+            <a:spLocks noGrp="1"/>
+          </p:cNvSpPr>
+          <p:nvPr>
+            <p:ph type="ftr" sz="quarter" idx="11"/>
+          </p:nvPr>
+        </p:nvSpPr>
+        <p:spPr/>
+        <p:txBody>
+          <a:bodyPr/>
+          <a:lstStyle/>
+          <a:p>
+            <a:endParaRPr lang="da-DK"/>
+          </a:p>
+        </p:txBody>
+      </p:sp>
+      <p:sp>
+        <p:nvSpPr>
+          <p:cNvPr id="7" name="Slide Number Placeholder 6"/>
+          <p:cNvSpPr>
+            <a:spLocks noGrp="1"/>
+          </p:cNvSpPr>
+          <p:nvPr>
+            <p:ph type="sldNum" sz="quarter" idx="12"/>
+          </p:nvPr>
+        </p:nvSpPr>
+        <p:spPr/>
+        <p:txBody>
+          <a:bodyPr/>
+          <a:lstStyle/>
+          <a:p>
+            <a:fld id="{2C537BCE-94B3-4B93-9CE0-26E3173DE105}" type="slidenum">
+              <a:rPr lang="da-DK" smtClean="0"/>
+              <a:t>‹nr.›</a:t>
+            </a:fld>
+            <a:endParaRPr lang="da-DK"/>
+          </a:p>
+        </p:txBody>
+      </p:sp>
+    </p:spTree>
+    <p:extLst>
+      <p:ext uri="{BB962C8B-B14F-4D97-AF65-F5344CB8AC3E}">
+        <p14:creationId xmlns:p14="http://schemas.microsoft.com/office/powerpoint/2010/main" val="2184468570"/>
+      </p:ext>
+    </p:extLst>
+  </p:cSld>
+  <p:clrMapOvr>
+    <a:masterClrMapping/>
+  </p:clrMapOvr>
+</p:sldLayout>
+</file>
+
+<file path=ppt/slideLayouts/slideLayout11.xml><?xml version="1.0" encoding="utf-8"?>
+<p:sldLayout xmlns:a="http://schemas.openxmlformats.org/drawingml/2006/main" xmlns:r="http://schemas.openxmlformats.org/officeDocument/2006/relationships" xmlns:p="http://schemas.openxmlformats.org/presentationml/2006/main" preserve="1">
+  <p:cSld name="Titel og billedtekst">
+    <p:spTree>
+      <p:nvGrpSpPr>
+        <p:cNvPr id="1" name=""/>
+        <p:cNvGrpSpPr/>
+        <p:nvPr/>
+      </p:nvGrpSpPr>
+      <p:grpSpPr>
+        <a:xfrm>
+          <a:off x="0" y="0"/>
+          <a:ext cx="0" cy="0"/>
+          <a:chOff x="0" y="0"/>
+          <a:chExt cx="0" cy="0"/>
+        </a:xfrm>
+      </p:grpSpPr>
+      <p:sp>
+        <p:nvSpPr>
+          <p:cNvPr id="2" name="Title 1"/>
+          <p:cNvSpPr>
+            <a:spLocks noGrp="1"/>
+          </p:cNvSpPr>
+          <p:nvPr>
+            <p:ph type="title"/>
+          </p:nvPr>
+        </p:nvSpPr>
+        <p:spPr>
+          <a:xfrm>
+            <a:off x="1141412" y="609601"/>
+            <a:ext cx="9905999" cy="3124199"/>
+          </a:xfrm>
+        </p:spPr>
+        <p:txBody>
+          <a:bodyPr anchor="ctr">
+            <a:normAutofit/>
+          </a:bodyPr>
+          <a:lstStyle>
+            <a:lvl1pPr algn="l">
+              <a:defRPr sz="3200" b="0" cap="all"/>
+            </a:lvl1pPr>
+          </a:lstStyle>
+          <a:p>
+            <a:r>
+              <a:rPr lang="da-DK"/>
+              <a:t>Klik for at redigere titeltypografien i masteren</a:t>
+            </a:r>
+            <a:endParaRPr lang="en-US" dirty="0"/>
+          </a:p>
+        </p:txBody>
+      </p:sp>
+      <p:sp>
+        <p:nvSpPr>
+          <p:cNvPr id="3" name="Text Placeholder 2"/>
+          <p:cNvSpPr>
+            <a:spLocks noGrp="1"/>
+          </p:cNvSpPr>
+          <p:nvPr>
+            <p:ph type="body" idx="1"/>
+          </p:nvPr>
+        </p:nvSpPr>
+        <p:spPr>
+          <a:xfrm>
+            <a:off x="1141411" y="4343400"/>
+            <a:ext cx="9906000" cy="1447800"/>
+          </a:xfrm>
+        </p:spPr>
+        <p:txBody>
+          <a:bodyPr anchor="ctr">
+            <a:normAutofit/>
+          </a:bodyPr>
+          <a:lstStyle>
+            <a:lvl1pPr marL="0" indent="0" algn="l">
+              <a:buNone/>
+              <a:defRPr sz="2000">
+                <a:gradFill flip="none" rotWithShape="1">
+                  <a:gsLst>
+                    <a:gs pos="0">
+                      <a:schemeClr val="tx1"/>
+                    </a:gs>
+                    <a:gs pos="100000">
+                      <a:schemeClr val="tx1">
+                        <a:lumMod val="75000"/>
+                      </a:schemeClr>
+                    </a:gs>
+                  </a:gsLst>
+                  <a:lin ang="5400000" scaled="0"/>
+                  <a:tileRect/>
+                </a:gradFill>
+              </a:defRPr>
+            </a:lvl1pPr>
+            <a:lvl2pPr marL="457200" indent="0">
+              <a:buNone/>
+              <a:defRPr sz="1800">
+                <a:solidFill>
+                  <a:schemeClr val="tx1">
+                    <a:tint val="75000"/>
+                  </a:schemeClr>
+                </a:solidFill>
+              </a:defRPr>
+            </a:lvl2pPr>
+            <a:lvl3pPr marL="914400" indent="0">
+              <a:buNone/>
+              <a:defRPr sz="1600">
+                <a:solidFill>
+                  <a:schemeClr val="tx1">
+                    <a:tint val="75000"/>
+                  </a:schemeClr>
+                </a:solidFill>
+              </a:defRPr>
+            </a:lvl3pPr>
+            <a:lvl4pPr marL="1371600" indent="0">
+              <a:buNone/>
+              <a:defRPr sz="1400">
+                <a:solidFill>
+                  <a:schemeClr val="tx1">
+                    <a:tint val="75000"/>
+                  </a:schemeClr>
+                </a:solidFill>
+              </a:defRPr>
+            </a:lvl4pPr>
+            <a:lvl5pPr marL="1828800" indent="0">
+              <a:buNone/>
+              <a:defRPr sz="1400">
+                <a:solidFill>
+                  <a:schemeClr val="tx1">
+                    <a:tint val="75000"/>
+                  </a:schemeClr>
+                </a:solidFill>
+              </a:defRPr>
+            </a:lvl5pPr>
+            <a:lvl6pPr marL="2286000" indent="0">
+              <a:buNone/>
+              <a:defRPr sz="1400">
+                <a:solidFill>
+                  <a:schemeClr val="tx1">
+                    <a:tint val="75000"/>
+                  </a:schemeClr>
+                </a:solidFill>
+              </a:defRPr>
+            </a:lvl6pPr>
+            <a:lvl7pPr marL="2743200" indent="0">
+              <a:buNone/>
+              <a:defRPr sz="1400">
+                <a:solidFill>
+                  <a:schemeClr val="tx1">
+                    <a:tint val="75000"/>
+                  </a:schemeClr>
+                </a:solidFill>
+              </a:defRPr>
+            </a:lvl7pPr>
+            <a:lvl8pPr marL="3200400" indent="0">
+              <a:buNone/>
+              <a:defRPr sz="1400">
+                <a:solidFill>
+                  <a:schemeClr val="tx1">
+                    <a:tint val="75000"/>
+                  </a:schemeClr>
+                </a:solidFill>
+              </a:defRPr>
+            </a:lvl8pPr>
+            <a:lvl9pPr marL="3657600" indent="0">
+              <a:buNone/>
+              <a:defRPr sz="1400">
+                <a:solidFill>
+                  <a:schemeClr val="tx1">
+                    <a:tint val="75000"/>
+                  </a:schemeClr>
+                </a:solidFill>
+              </a:defRPr>
+            </a:lvl9pPr>
+          </a:lstStyle>
+          <a:p>
+            <a:pPr lvl="0"/>
+            <a:r>
+              <a:rPr lang="da-DK"/>
+              <a:t>Klik for at redigere teksttypografierne i masteren</a:t>
+            </a:r>
+          </a:p>
+        </p:txBody>
+      </p:sp>
+      <p:sp>
+        <p:nvSpPr>
+          <p:cNvPr id="4" name="Date Placeholder 3"/>
+          <p:cNvSpPr>
+            <a:spLocks noGrp="1"/>
+          </p:cNvSpPr>
+          <p:nvPr>
+            <p:ph type="dt" sz="half" idx="10"/>
+          </p:nvPr>
+        </p:nvSpPr>
+        <p:spPr/>
+        <p:txBody>
+          <a:bodyPr/>
+          <a:lstStyle/>
+          <a:p>
+            <a:fld id="{E234AFEB-DA5F-4046-9E4D-A0FBEAC3B098}" type="datetimeFigureOut">
+              <a:rPr lang="da-DK" smtClean="0"/>
+              <a:t>06-11-2025</a:t>
+            </a:fld>
+            <a:endParaRPr lang="da-DK"/>
+          </a:p>
+        </p:txBody>
+      </p:sp>
+      <p:sp>
+        <p:nvSpPr>
+          <p:cNvPr id="5" name="Footer Placeholder 4"/>
+          <p:cNvSpPr>
+            <a:spLocks noGrp="1"/>
+          </p:cNvSpPr>
+          <p:nvPr>
+            <p:ph type="ftr" sz="quarter" idx="11"/>
+          </p:nvPr>
+        </p:nvSpPr>
+        <p:spPr/>
+        <p:txBody>
+          <a:bodyPr/>
+          <a:lstStyle/>
+          <a:p>
+            <a:endParaRPr lang="da-DK"/>
+          </a:p>
+        </p:txBody>
+      </p:sp>
+      <p:sp>
+        <p:nvSpPr>
+          <p:cNvPr id="6" name="Slide Number Placeholder 5"/>
+          <p:cNvSpPr>
+            <a:spLocks noGrp="1"/>
+          </p:cNvSpPr>
+          <p:nvPr>
+            <p:ph type="sldNum" sz="quarter" idx="12"/>
+          </p:nvPr>
+        </p:nvSpPr>
+        <p:spPr/>
+        <p:txBody>
+          <a:bodyPr/>
+          <a:lstStyle/>
+          <a:p>
+            <a:fld id="{2C537BCE-94B3-4B93-9CE0-26E3173DE105}" type="slidenum">
+              <a:rPr lang="da-DK" smtClean="0"/>
+              <a:t>‹nr.›</a:t>
+            </a:fld>
+            <a:endParaRPr lang="da-DK"/>
+          </a:p>
+        </p:txBody>
+      </p:sp>
+    </p:spTree>
+    <p:extLst>
+      <p:ext uri="{BB962C8B-B14F-4D97-AF65-F5344CB8AC3E}">
+        <p14:creationId xmlns:p14="http://schemas.microsoft.com/office/powerpoint/2010/main" val="1103436975"/>
+      </p:ext>
+    </p:extLst>
+  </p:cSld>
+  <p:clrMapOvr>
+    <a:masterClrMapping/>
+  </p:clrMapOvr>
+</p:sldLayout>
+</file>
+
+<file path=ppt/slideLayouts/slideLayout12.xml><?xml version="1.0" encoding="utf-8"?>
+<p:sldLayout xmlns:a="http://schemas.openxmlformats.org/drawingml/2006/main" xmlns:r="http://schemas.openxmlformats.org/officeDocument/2006/relationships" xmlns:p="http://schemas.openxmlformats.org/presentationml/2006/main" preserve="1">
+  <p:cSld name="Citat med billedtekst">
+    <p:spTree>
+      <p:nvGrpSpPr>
+        <p:cNvPr id="1" name=""/>
+        <p:cNvGrpSpPr/>
+        <p:nvPr/>
+      </p:nvGrpSpPr>
+      <p:grpSpPr>
+        <a:xfrm>
+          <a:off x="0" y="0"/>
+          <a:ext cx="0" cy="0"/>
+          <a:chOff x="0" y="0"/>
+          <a:chExt cx="0" cy="0"/>
+        </a:xfrm>
+      </p:grpSpPr>
+      <p:sp>
+        <p:nvSpPr>
+          <p:cNvPr id="14" name="TextBox 13"/>
+          <p:cNvSpPr txBox="1"/>
+          <p:nvPr/>
+        </p:nvSpPr>
+        <p:spPr>
+          <a:xfrm>
+            <a:off x="836612" y="786824"/>
+            <a:ext cx="609600" cy="584776"/>
+          </a:xfrm>
+          <a:prstGeom prst="rect">
+            <a:avLst/>
+          </a:prstGeom>
+        </p:spPr>
+        <p:txBody>
+          <a:bodyPr vert="horz" lIns="91440" tIns="45720" rIns="91440" bIns="45720" rtlCol="0" anchor="ctr">
+            <a:noAutofit/>
+          </a:bodyPr>
+          <a:lstStyle>
+            <a:lvl1pPr>
+              <a:spcBef>
+                <a:spcPct val="0"/>
+              </a:spcBef>
+              <a:buNone/>
+              <a:defRPr sz="3200" b="0" cap="all">
+                <a:ln w="3175" cmpd="sng">
+                  <a:noFill/>
+                </a:ln>
+                <a:effectLst>
+                  <a:glow rad="38100">
+                    <a:schemeClr val="bg1">
+                      <a:lumMod val="65000"/>
+                      <a:lumOff val="35000"/>
+                      <a:alpha val="40000"/>
+                    </a:schemeClr>
+                  </a:glow>
+                  <a:outerShdw blurRad="28575" dist="38100" dir="14040000" algn="tl" rotWithShape="0">
+                    <a:srgbClr val="000000">
+                      <a:alpha val="25000"/>
+                    </a:srgbClr>
+                  </a:outerShdw>
+                </a:effectLst>
+              </a:defRPr>
+            </a:lvl1pPr>
+            <a:lvl2pPr>
+              <a:defRPr>
+                <a:solidFill>
+                  <a:schemeClr val="tx2"/>
+                </a:solidFill>
+              </a:defRPr>
+            </a:lvl2pPr>
+            <a:lvl3pPr>
+              <a:defRPr>
+                <a:solidFill>
+                  <a:schemeClr val="tx2"/>
+                </a:solidFill>
+              </a:defRPr>
+            </a:lvl3pPr>
+            <a:lvl4pPr>
+              <a:defRPr>
+                <a:solidFill>
+                  <a:schemeClr val="tx2"/>
+                </a:solidFill>
+              </a:defRPr>
+            </a:lvl4pPr>
+            <a:lvl5pPr>
+              <a:defRPr>
+                <a:solidFill>
+                  <a:schemeClr val="tx2"/>
+                </a:solidFill>
+              </a:defRPr>
+            </a:lvl5pPr>
+            <a:lvl6pPr>
+              <a:defRPr>
+                <a:solidFill>
+                  <a:schemeClr val="tx2"/>
+                </a:solidFill>
+              </a:defRPr>
+            </a:lvl6pPr>
+            <a:lvl7pPr>
+              <a:defRPr>
+                <a:solidFill>
+                  <a:schemeClr val="tx2"/>
+                </a:solidFill>
+              </a:defRPr>
+            </a:lvl7pPr>
+            <a:lvl8pPr>
+              <a:defRPr>
+                <a:solidFill>
+                  <a:schemeClr val="tx2"/>
+                </a:solidFill>
+              </a:defRPr>
+            </a:lvl8pPr>
+            <a:lvl9pPr>
+              <a:defRPr>
+                <a:solidFill>
+                  <a:schemeClr val="tx2"/>
+                </a:solidFill>
+              </a:defRPr>
+            </a:lvl9pPr>
+          </a:lstStyle>
+          <a:p>
+            <a:pPr lvl="0"/>
+            <a:r>
+              <a:rPr lang="en-US" sz="8000" dirty="0">
+                <a:solidFill>
+                  <a:schemeClr val="accent1"/>
+                </a:solidFill>
+              </a:rPr>
+              <a:t>“</a:t>
+            </a:r>
+          </a:p>
+        </p:txBody>
+      </p:sp>
+      <p:sp>
+        <p:nvSpPr>
+          <p:cNvPr id="15" name="TextBox 14"/>
+          <p:cNvSpPr txBox="1"/>
+          <p:nvPr/>
+        </p:nvSpPr>
+        <p:spPr>
+          <a:xfrm>
+            <a:off x="10437812" y="2743200"/>
+            <a:ext cx="609600" cy="584776"/>
+          </a:xfrm>
+          <a:prstGeom prst="rect">
+            <a:avLst/>
+          </a:prstGeom>
+        </p:spPr>
+        <p:txBody>
+          <a:bodyPr vert="horz" lIns="91440" tIns="45720" rIns="91440" bIns="45720" rtlCol="0" anchor="ctr">
+            <a:noAutofit/>
+          </a:bodyPr>
+          <a:lstStyle>
+            <a:lvl1pPr>
+              <a:spcBef>
+                <a:spcPct val="0"/>
+              </a:spcBef>
+              <a:buNone/>
+              <a:defRPr sz="3200" b="0" cap="all">
+                <a:ln w="3175" cmpd="sng">
+                  <a:noFill/>
+                </a:ln>
+                <a:effectLst>
+                  <a:glow rad="38100">
+                    <a:schemeClr val="bg1">
+                      <a:lumMod val="65000"/>
+                      <a:lumOff val="35000"/>
+                      <a:alpha val="40000"/>
+                    </a:schemeClr>
+                  </a:glow>
+                  <a:outerShdw blurRad="28575" dist="38100" dir="14040000" algn="tl" rotWithShape="0">
+                    <a:srgbClr val="000000">
+                      <a:alpha val="25000"/>
+                    </a:srgbClr>
+                  </a:outerShdw>
+                </a:effectLst>
+              </a:defRPr>
+            </a:lvl1pPr>
+            <a:lvl2pPr>
+              <a:defRPr>
+                <a:solidFill>
+                  <a:schemeClr val="tx2"/>
+                </a:solidFill>
+              </a:defRPr>
+            </a:lvl2pPr>
+            <a:lvl3pPr>
+              <a:defRPr>
+                <a:solidFill>
+                  <a:schemeClr val="tx2"/>
+                </a:solidFill>
+              </a:defRPr>
+            </a:lvl3pPr>
+            <a:lvl4pPr>
+              <a:defRPr>
+                <a:solidFill>
+                  <a:schemeClr val="tx2"/>
+                </a:solidFill>
+              </a:defRPr>
+            </a:lvl4pPr>
+            <a:lvl5pPr>
+              <a:defRPr>
+                <a:solidFill>
+                  <a:schemeClr val="tx2"/>
+                </a:solidFill>
+              </a:defRPr>
+            </a:lvl5pPr>
+            <a:lvl6pPr>
+              <a:defRPr>
+                <a:solidFill>
+                  <a:schemeClr val="tx2"/>
+                </a:solidFill>
+              </a:defRPr>
+            </a:lvl6pPr>
+            <a:lvl7pPr>
+              <a:defRPr>
+                <a:solidFill>
+                  <a:schemeClr val="tx2"/>
+                </a:solidFill>
+              </a:defRPr>
+            </a:lvl7pPr>
+            <a:lvl8pPr>
+              <a:defRPr>
+                <a:solidFill>
+                  <a:schemeClr val="tx2"/>
+                </a:solidFill>
+              </a:defRPr>
+            </a:lvl8pPr>
+            <a:lvl9pPr>
+              <a:defRPr>
+                <a:solidFill>
+                  <a:schemeClr val="tx2"/>
+                </a:solidFill>
+              </a:defRPr>
+            </a:lvl9pPr>
+          </a:lstStyle>
+          <a:p>
+            <a:pPr lvl="0" algn="r"/>
+            <a:r>
+              <a:rPr lang="en-US" sz="8000" dirty="0">
+                <a:solidFill>
+                  <a:schemeClr val="accent1"/>
+                </a:solidFill>
+              </a:rPr>
+              <a:t>”</a:t>
+            </a:r>
+          </a:p>
+        </p:txBody>
+      </p:sp>
+      <p:sp>
+        <p:nvSpPr>
+          <p:cNvPr id="2" name="Title 1"/>
+          <p:cNvSpPr>
+            <a:spLocks noGrp="1"/>
+          </p:cNvSpPr>
+          <p:nvPr>
+            <p:ph type="title"/>
+          </p:nvPr>
+        </p:nvSpPr>
+        <p:spPr>
+          <a:xfrm>
+            <a:off x="1446213" y="609601"/>
+            <a:ext cx="9296398" cy="2743199"/>
+          </a:xfrm>
+        </p:spPr>
+        <p:txBody>
+          <a:bodyPr anchor="ctr">
+            <a:normAutofit/>
+          </a:bodyPr>
+          <a:lstStyle>
+            <a:lvl1pPr algn="l">
+              <a:defRPr sz="3200" b="0" cap="all">
+                <a:solidFill>
+                  <a:schemeClr val="tx1"/>
+                </a:solidFill>
+              </a:defRPr>
+            </a:lvl1pPr>
+          </a:lstStyle>
+          <a:p>
+            <a:r>
+              <a:rPr lang="da-DK"/>
+              <a:t>Klik for at redigere titeltypografien i masteren</a:t>
+            </a:r>
+            <a:endParaRPr lang="en-US" dirty="0"/>
+          </a:p>
+        </p:txBody>
+      </p:sp>
+      <p:sp>
+        <p:nvSpPr>
+          <p:cNvPr id="10" name="Text Placeholder 9"/>
+          <p:cNvSpPr>
+            <a:spLocks noGrp="1"/>
+          </p:cNvSpPr>
+          <p:nvPr>
+            <p:ph type="body" sz="quarter" idx="13"/>
+          </p:nvPr>
+        </p:nvSpPr>
+        <p:spPr>
+          <a:xfrm>
+            <a:off x="1674812" y="3352800"/>
+            <a:ext cx="8839202" cy="381000"/>
+          </a:xfrm>
+        </p:spPr>
+        <p:txBody>
+          <a:bodyPr anchor="ctr"/>
+          <a:lstStyle>
+            <a:lvl1pPr marL="0" indent="0">
+              <a:buFontTx/>
+              <a:buNone/>
+              <a:defRPr/>
+            </a:lvl1pPr>
+            <a:lvl2pPr marL="457200" indent="0">
+              <a:buFontTx/>
+              <a:buNone/>
+              <a:defRPr/>
+            </a:lvl2pPr>
+            <a:lvl3pPr marL="914400" indent="0">
+              <a:buFontTx/>
+              <a:buNone/>
+              <a:defRPr/>
+            </a:lvl3pPr>
+            <a:lvl4pPr marL="1371600" indent="0">
+              <a:buFontTx/>
+              <a:buNone/>
+              <a:defRPr/>
+            </a:lvl4pPr>
+            <a:lvl5pPr marL="1828800" indent="0">
+              <a:buFontTx/>
+              <a:buNone/>
+              <a:defRPr/>
+            </a:lvl5pPr>
+          </a:lstStyle>
+          <a:p>
+            <a:pPr lvl="0"/>
+            <a:r>
+              <a:rPr lang="da-DK"/>
+              <a:t>Klik for at redigere teksttypografierne i masteren</a:t>
+            </a:r>
+          </a:p>
+        </p:txBody>
+      </p:sp>
+      <p:sp>
+        <p:nvSpPr>
+          <p:cNvPr id="3" name="Text Placeholder 2"/>
+          <p:cNvSpPr>
+            <a:spLocks noGrp="1"/>
+          </p:cNvSpPr>
+          <p:nvPr>
+            <p:ph type="body" idx="1"/>
+          </p:nvPr>
+        </p:nvSpPr>
+        <p:spPr>
+          <a:xfrm>
+            <a:off x="1141411" y="4343400"/>
+            <a:ext cx="9906000" cy="1447800"/>
+          </a:xfrm>
+        </p:spPr>
+        <p:txBody>
+          <a:bodyPr vert="horz" lIns="91440" tIns="45720" rIns="91440" bIns="45720" rtlCol="0" anchor="ctr">
+            <a:normAutofit/>
+          </a:bodyPr>
+          <a:lstStyle>
+            <a:lvl1pPr>
+              <a:buNone/>
+              <a:defRPr lang="en-US" sz="2000">
+                <a:gradFill flip="none" rotWithShape="1">
+                  <a:gsLst>
+                    <a:gs pos="0">
+                      <a:schemeClr val="tx1"/>
+                    </a:gs>
+                    <a:gs pos="100000">
+                      <a:schemeClr val="tx1">
+                        <a:lumMod val="75000"/>
+                      </a:schemeClr>
+                    </a:gs>
+                  </a:gsLst>
+                  <a:lin ang="5400000" scaled="0"/>
+                  <a:tileRect/>
+                </a:gradFill>
+              </a:defRPr>
+            </a:lvl1pPr>
+          </a:lstStyle>
+          <a:p>
+            <a:pPr marL="0" lvl="0" indent="0">
+              <a:buNone/>
+            </a:pPr>
+            <a:r>
+              <a:rPr lang="da-DK"/>
+              <a:t>Klik for at redigere teksttypografierne i masteren</a:t>
+            </a:r>
+          </a:p>
+        </p:txBody>
+      </p:sp>
+      <p:sp>
+        <p:nvSpPr>
+          <p:cNvPr id="4" name="Date Placeholder 3"/>
+          <p:cNvSpPr>
+            <a:spLocks noGrp="1"/>
+          </p:cNvSpPr>
+          <p:nvPr>
+            <p:ph type="dt" sz="half" idx="10"/>
+          </p:nvPr>
+        </p:nvSpPr>
+        <p:spPr/>
+        <p:txBody>
+          <a:bodyPr/>
+          <a:lstStyle/>
+          <a:p>
+            <a:fld id="{E234AFEB-DA5F-4046-9E4D-A0FBEAC3B098}" type="datetimeFigureOut">
+              <a:rPr lang="da-DK" smtClean="0"/>
+              <a:t>06-11-2025</a:t>
+            </a:fld>
+            <a:endParaRPr lang="da-DK"/>
+          </a:p>
+        </p:txBody>
+      </p:sp>
+      <p:sp>
+        <p:nvSpPr>
+          <p:cNvPr id="5" name="Footer Placeholder 4"/>
+          <p:cNvSpPr>
+            <a:spLocks noGrp="1"/>
+          </p:cNvSpPr>
+          <p:nvPr>
+            <p:ph type="ftr" sz="quarter" idx="11"/>
+          </p:nvPr>
+        </p:nvSpPr>
+        <p:spPr/>
+        <p:txBody>
+          <a:bodyPr/>
+          <a:lstStyle/>
+          <a:p>
+            <a:endParaRPr lang="da-DK"/>
+          </a:p>
+        </p:txBody>
+      </p:sp>
+      <p:sp>
+        <p:nvSpPr>
+          <p:cNvPr id="6" name="Slide Number Placeholder 5"/>
+          <p:cNvSpPr>
+            <a:spLocks noGrp="1"/>
+          </p:cNvSpPr>
+          <p:nvPr>
+            <p:ph type="sldNum" sz="quarter" idx="12"/>
+          </p:nvPr>
+        </p:nvSpPr>
+        <p:spPr/>
+        <p:txBody>
+          <a:bodyPr/>
+          <a:lstStyle/>
+          <a:p>
+            <a:fld id="{2C537BCE-94B3-4B93-9CE0-26E3173DE105}" type="slidenum">
+              <a:rPr lang="da-DK" smtClean="0"/>
+              <a:t>‹nr.›</a:t>
+            </a:fld>
+            <a:endParaRPr lang="da-DK"/>
+          </a:p>
+        </p:txBody>
+      </p:sp>
+    </p:spTree>
+    <p:extLst>
+      <p:ext uri="{BB962C8B-B14F-4D97-AF65-F5344CB8AC3E}">
+        <p14:creationId xmlns:p14="http://schemas.microsoft.com/office/powerpoint/2010/main" val="3910555374"/>
+      </p:ext>
+    </p:extLst>
+  </p:cSld>
+  <p:clrMapOvr>
+    <a:masterClrMapping/>
+  </p:clrMapOvr>
+</p:sldLayout>
+</file>
+
+<file path=ppt/slideLayouts/slideLayout13.xml><?xml version="1.0" encoding="utf-8"?>
+<p:sldLayout xmlns:a="http://schemas.openxmlformats.org/drawingml/2006/main" xmlns:r="http://schemas.openxmlformats.org/officeDocument/2006/relationships" xmlns:p="http://schemas.openxmlformats.org/presentationml/2006/main" preserve="1">
+  <p:cSld name="Navnekort">
+    <p:spTree>
+      <p:nvGrpSpPr>
+        <p:cNvPr id="1" name=""/>
+        <p:cNvGrpSpPr/>
+        <p:nvPr/>
+      </p:nvGrpSpPr>
+      <p:grpSpPr>
+        <a:xfrm>
+          <a:off x="0" y="0"/>
+          <a:ext cx="0" cy="0"/>
+          <a:chOff x="0" y="0"/>
+          <a:chExt cx="0" cy="0"/>
+        </a:xfrm>
+      </p:grpSpPr>
+      <p:sp>
+        <p:nvSpPr>
+          <p:cNvPr id="2" name="Title 1"/>
+          <p:cNvSpPr>
+            <a:spLocks noGrp="1"/>
+          </p:cNvSpPr>
+          <p:nvPr>
+            <p:ph type="title"/>
+          </p:nvPr>
+        </p:nvSpPr>
+        <p:spPr>
+          <a:xfrm>
+            <a:off x="1141412" y="3308581"/>
+            <a:ext cx="9906000" cy="1468800"/>
+          </a:xfrm>
+        </p:spPr>
+        <p:txBody>
+          <a:bodyPr anchor="b">
+            <a:normAutofit/>
+          </a:bodyPr>
+          <a:lstStyle>
+            <a:lvl1pPr algn="l">
+              <a:defRPr sz="3200" b="0" cap="all"/>
+            </a:lvl1pPr>
+          </a:lstStyle>
+          <a:p>
+            <a:r>
+              <a:rPr lang="da-DK"/>
+              <a:t>Klik for at redigere titeltypografien i masteren</a:t>
+            </a:r>
+            <a:endParaRPr lang="en-US" dirty="0"/>
+          </a:p>
+        </p:txBody>
+      </p:sp>
+      <p:sp>
+        <p:nvSpPr>
+          <p:cNvPr id="3" name="Text Placeholder 2"/>
+          <p:cNvSpPr>
+            <a:spLocks noGrp="1"/>
+          </p:cNvSpPr>
+          <p:nvPr>
+            <p:ph type="body" idx="1"/>
+          </p:nvPr>
+        </p:nvSpPr>
+        <p:spPr>
+          <a:xfrm>
+            <a:off x="1141410" y="4777381"/>
+            <a:ext cx="9906001" cy="860400"/>
+          </a:xfrm>
+        </p:spPr>
+        <p:txBody>
+          <a:bodyPr vert="horz" lIns="91440" tIns="45720" rIns="91440" bIns="45720" rtlCol="0" anchor="t">
+            <a:normAutofit/>
+          </a:bodyPr>
+          <a:lstStyle>
+            <a:lvl1pPr>
+              <a:defRPr lang="en-US" sz="2000">
+                <a:gradFill flip="none" rotWithShape="1">
+                  <a:gsLst>
+                    <a:gs pos="0">
+                      <a:schemeClr val="tx1"/>
+                    </a:gs>
+                    <a:gs pos="100000">
+                      <a:schemeClr val="tx1">
+                        <a:lumMod val="75000"/>
+                      </a:schemeClr>
+                    </a:gs>
+                  </a:gsLst>
+                  <a:lin ang="5400000" scaled="0"/>
+                  <a:tileRect/>
+                </a:gradFill>
+              </a:defRPr>
+            </a:lvl1pPr>
+          </a:lstStyle>
+          <a:p>
+            <a:pPr marL="0" lvl="0" indent="0">
+              <a:buNone/>
+            </a:pPr>
+            <a:r>
+              <a:rPr lang="da-DK"/>
+              <a:t>Klik for at redigere teksttypografierne i masteren</a:t>
+            </a:r>
+          </a:p>
+        </p:txBody>
+      </p:sp>
+      <p:sp>
+        <p:nvSpPr>
+          <p:cNvPr id="4" name="Date Placeholder 3"/>
+          <p:cNvSpPr>
+            <a:spLocks noGrp="1"/>
+          </p:cNvSpPr>
+          <p:nvPr>
+            <p:ph type="dt" sz="half" idx="10"/>
+          </p:nvPr>
+        </p:nvSpPr>
+        <p:spPr/>
+        <p:txBody>
+          <a:bodyPr/>
+          <a:lstStyle/>
+          <a:p>
+            <a:fld id="{E234AFEB-DA5F-4046-9E4D-A0FBEAC3B098}" type="datetimeFigureOut">
+              <a:rPr lang="da-DK" smtClean="0"/>
+              <a:t>06-11-2025</a:t>
+            </a:fld>
+            <a:endParaRPr lang="da-DK"/>
+          </a:p>
+        </p:txBody>
+      </p:sp>
+      <p:sp>
+        <p:nvSpPr>
+          <p:cNvPr id="5" name="Footer Placeholder 4"/>
+          <p:cNvSpPr>
+            <a:spLocks noGrp="1"/>
+          </p:cNvSpPr>
+          <p:nvPr>
+            <p:ph type="ftr" sz="quarter" idx="11"/>
+          </p:nvPr>
+        </p:nvSpPr>
+        <p:spPr/>
+        <p:txBody>
+          <a:bodyPr/>
+          <a:lstStyle/>
+          <a:p>
+            <a:endParaRPr lang="da-DK"/>
+          </a:p>
+        </p:txBody>
+      </p:sp>
+      <p:sp>
+        <p:nvSpPr>
+          <p:cNvPr id="6" name="Slide Number Placeholder 5"/>
+          <p:cNvSpPr>
+            <a:spLocks noGrp="1"/>
+          </p:cNvSpPr>
+          <p:nvPr>
+            <p:ph type="sldNum" sz="quarter" idx="12"/>
+          </p:nvPr>
+        </p:nvSpPr>
+        <p:spPr/>
+        <p:txBody>
+          <a:bodyPr/>
+          <a:lstStyle/>
+          <a:p>
+            <a:fld id="{2C537BCE-94B3-4B93-9CE0-26E3173DE105}" type="slidenum">
+              <a:rPr lang="da-DK" smtClean="0"/>
+              <a:t>‹nr.›</a:t>
+            </a:fld>
+            <a:endParaRPr lang="da-DK"/>
+          </a:p>
+        </p:txBody>
+      </p:sp>
+    </p:spTree>
+    <p:extLst>
+      <p:ext uri="{BB962C8B-B14F-4D97-AF65-F5344CB8AC3E}">
+        <p14:creationId xmlns:p14="http://schemas.microsoft.com/office/powerpoint/2010/main" val="4203114633"/>
+      </p:ext>
+    </p:extLst>
+  </p:cSld>
+  <p:clrMapOvr>
+    <a:masterClrMapping/>
+  </p:clrMapOvr>
+</p:sldLayout>
+</file>
+
+<file path=ppt/slideLayouts/slideLayout14.xml><?xml version="1.0" encoding="utf-8"?>
+<p:sldLayout xmlns:a="http://schemas.openxmlformats.org/drawingml/2006/main" xmlns:r="http://schemas.openxmlformats.org/officeDocument/2006/relationships" xmlns:p="http://schemas.openxmlformats.org/presentationml/2006/main" preserve="1">
+  <p:cSld name="Kort med citat og navn">
+    <p:spTree>
+      <p:nvGrpSpPr>
+        <p:cNvPr id="1" name=""/>
+        <p:cNvGrpSpPr/>
+        <p:nvPr/>
+      </p:nvGrpSpPr>
+      <p:grpSpPr>
+        <a:xfrm>
+          <a:off x="0" y="0"/>
+          <a:ext cx="0" cy="0"/>
+          <a:chOff x="0" y="0"/>
+          <a:chExt cx="0" cy="0"/>
+        </a:xfrm>
+      </p:grpSpPr>
+      <p:sp>
+        <p:nvSpPr>
+          <p:cNvPr id="14" name="TextBox 13"/>
+          <p:cNvSpPr txBox="1"/>
+          <p:nvPr/>
+        </p:nvSpPr>
+        <p:spPr>
+          <a:xfrm>
+            <a:off x="836612" y="786824"/>
+            <a:ext cx="609600" cy="584776"/>
+          </a:xfrm>
+          <a:prstGeom prst="rect">
+            <a:avLst/>
+          </a:prstGeom>
+        </p:spPr>
+        <p:txBody>
+          <a:bodyPr vert="horz" lIns="91440" tIns="45720" rIns="91440" bIns="45720" rtlCol="0" anchor="ctr">
+            <a:noAutofit/>
+          </a:bodyPr>
+          <a:lstStyle>
+            <a:lvl1pPr>
+              <a:spcBef>
+                <a:spcPct val="0"/>
+              </a:spcBef>
+              <a:buNone/>
+              <a:defRPr sz="3200" b="0" cap="all">
+                <a:ln w="3175" cmpd="sng">
+                  <a:noFill/>
+                </a:ln>
+                <a:effectLst>
+                  <a:glow rad="38100">
+                    <a:schemeClr val="bg1">
+                      <a:lumMod val="65000"/>
+                      <a:lumOff val="35000"/>
+                      <a:alpha val="40000"/>
+                    </a:schemeClr>
+                  </a:glow>
+                  <a:outerShdw blurRad="28575" dist="38100" dir="14040000" algn="tl" rotWithShape="0">
+                    <a:srgbClr val="000000">
+                      <a:alpha val="25000"/>
+                    </a:srgbClr>
+                  </a:outerShdw>
+                </a:effectLst>
+              </a:defRPr>
+            </a:lvl1pPr>
+            <a:lvl2pPr>
+              <a:defRPr>
+                <a:solidFill>
+                  <a:schemeClr val="tx2"/>
+                </a:solidFill>
+              </a:defRPr>
+            </a:lvl2pPr>
+            <a:lvl3pPr>
+              <a:defRPr>
+                <a:solidFill>
+                  <a:schemeClr val="tx2"/>
+                </a:solidFill>
+              </a:defRPr>
+            </a:lvl3pPr>
+            <a:lvl4pPr>
+              <a:defRPr>
+                <a:solidFill>
+                  <a:schemeClr val="tx2"/>
+                </a:solidFill>
+              </a:defRPr>
+            </a:lvl4pPr>
+            <a:lvl5pPr>
+              <a:defRPr>
+                <a:solidFill>
+                  <a:schemeClr val="tx2"/>
+                </a:solidFill>
+              </a:defRPr>
+            </a:lvl5pPr>
+            <a:lvl6pPr>
+              <a:defRPr>
+                <a:solidFill>
+                  <a:schemeClr val="tx2"/>
+                </a:solidFill>
+              </a:defRPr>
+            </a:lvl6pPr>
+            <a:lvl7pPr>
+              <a:defRPr>
+                <a:solidFill>
+                  <a:schemeClr val="tx2"/>
+                </a:solidFill>
+              </a:defRPr>
+            </a:lvl7pPr>
+            <a:lvl8pPr>
+              <a:defRPr>
+                <a:solidFill>
+                  <a:schemeClr val="tx2"/>
+                </a:solidFill>
+              </a:defRPr>
+            </a:lvl8pPr>
+            <a:lvl9pPr>
+              <a:defRPr>
+                <a:solidFill>
+                  <a:schemeClr val="tx2"/>
+                </a:solidFill>
+              </a:defRPr>
+            </a:lvl9pPr>
+          </a:lstStyle>
+          <a:p>
+            <a:pPr lvl="0"/>
+            <a:r>
+              <a:rPr lang="en-US" sz="8000" dirty="0">
+                <a:solidFill>
+                  <a:schemeClr val="accent1"/>
+                </a:solidFill>
+              </a:rPr>
+              <a:t>“</a:t>
+            </a:r>
+          </a:p>
+        </p:txBody>
+      </p:sp>
+      <p:sp>
+        <p:nvSpPr>
+          <p:cNvPr id="15" name="TextBox 14"/>
+          <p:cNvSpPr txBox="1"/>
+          <p:nvPr/>
+        </p:nvSpPr>
+        <p:spPr>
+          <a:xfrm>
+            <a:off x="10437812" y="2743200"/>
+            <a:ext cx="609600" cy="584776"/>
+          </a:xfrm>
+          <a:prstGeom prst="rect">
+            <a:avLst/>
+          </a:prstGeom>
+        </p:spPr>
+        <p:txBody>
+          <a:bodyPr vert="horz" lIns="91440" tIns="45720" rIns="91440" bIns="45720" rtlCol="0" anchor="ctr">
+            <a:noAutofit/>
+          </a:bodyPr>
+          <a:lstStyle>
+            <a:lvl1pPr>
+              <a:spcBef>
+                <a:spcPct val="0"/>
+              </a:spcBef>
+              <a:buNone/>
+              <a:defRPr sz="3200" b="0" cap="all">
+                <a:ln w="3175" cmpd="sng">
+                  <a:noFill/>
+                </a:ln>
+                <a:effectLst>
+                  <a:glow rad="38100">
+                    <a:schemeClr val="bg1">
+                      <a:lumMod val="65000"/>
+                      <a:lumOff val="35000"/>
+                      <a:alpha val="40000"/>
+                    </a:schemeClr>
+                  </a:glow>
+                  <a:outerShdw blurRad="28575" dist="38100" dir="14040000" algn="tl" rotWithShape="0">
+                    <a:srgbClr val="000000">
+                      <a:alpha val="25000"/>
+                    </a:srgbClr>
+                  </a:outerShdw>
+                </a:effectLst>
+              </a:defRPr>
+            </a:lvl1pPr>
+            <a:lvl2pPr>
+              <a:defRPr>
+                <a:solidFill>
+                  <a:schemeClr val="tx2"/>
+                </a:solidFill>
+              </a:defRPr>
+            </a:lvl2pPr>
+            <a:lvl3pPr>
+              <a:defRPr>
+                <a:solidFill>
+                  <a:schemeClr val="tx2"/>
+                </a:solidFill>
+              </a:defRPr>
+            </a:lvl3pPr>
+            <a:lvl4pPr>
+              <a:defRPr>
+                <a:solidFill>
+                  <a:schemeClr val="tx2"/>
+                </a:solidFill>
+              </a:defRPr>
+            </a:lvl4pPr>
+            <a:lvl5pPr>
+              <a:defRPr>
+                <a:solidFill>
+                  <a:schemeClr val="tx2"/>
+                </a:solidFill>
+              </a:defRPr>
+            </a:lvl5pPr>
+            <a:lvl6pPr>
+              <a:defRPr>
+                <a:solidFill>
+                  <a:schemeClr val="tx2"/>
+                </a:solidFill>
+              </a:defRPr>
+            </a:lvl6pPr>
+            <a:lvl7pPr>
+              <a:defRPr>
+                <a:solidFill>
+                  <a:schemeClr val="tx2"/>
+                </a:solidFill>
+              </a:defRPr>
+            </a:lvl7pPr>
+            <a:lvl8pPr>
+              <a:defRPr>
+                <a:solidFill>
+                  <a:schemeClr val="tx2"/>
+                </a:solidFill>
+              </a:defRPr>
+            </a:lvl8pPr>
+            <a:lvl9pPr>
+              <a:defRPr>
+                <a:solidFill>
+                  <a:schemeClr val="tx2"/>
+                </a:solidFill>
+              </a:defRPr>
+            </a:lvl9pPr>
+          </a:lstStyle>
+          <a:p>
+            <a:pPr lvl="0" algn="r"/>
+            <a:r>
+              <a:rPr lang="en-US" sz="8000" dirty="0">
+                <a:solidFill>
+                  <a:schemeClr val="accent1"/>
+                </a:solidFill>
+              </a:rPr>
+              <a:t>”</a:t>
+            </a:r>
+          </a:p>
+        </p:txBody>
+      </p:sp>
+      <p:sp>
+        <p:nvSpPr>
+          <p:cNvPr id="2" name="Title 1"/>
+          <p:cNvSpPr>
+            <a:spLocks noGrp="1"/>
+          </p:cNvSpPr>
+          <p:nvPr>
+            <p:ph type="title"/>
+          </p:nvPr>
+        </p:nvSpPr>
+        <p:spPr>
+          <a:xfrm>
+            <a:off x="1446213" y="609601"/>
+            <a:ext cx="9296398" cy="2743199"/>
+          </a:xfrm>
+        </p:spPr>
+        <p:txBody>
+          <a:bodyPr anchor="ctr">
+            <a:normAutofit/>
+          </a:bodyPr>
+          <a:lstStyle>
+            <a:lvl1pPr algn="l">
+              <a:defRPr sz="3200" b="0" cap="all">
+                <a:gradFill flip="none" rotWithShape="1">
+                  <a:gsLst>
+                    <a:gs pos="0">
+                      <a:schemeClr val="tx1"/>
+                    </a:gs>
+                    <a:gs pos="100000">
+                      <a:schemeClr val="tx1">
+                        <a:lumMod val="75000"/>
+                      </a:schemeClr>
+                    </a:gs>
+                  </a:gsLst>
+                  <a:lin ang="5400000" scaled="0"/>
+                  <a:tileRect/>
+                </a:gradFill>
+              </a:defRPr>
+            </a:lvl1pPr>
+          </a:lstStyle>
+          <a:p>
+            <a:r>
+              <a:rPr lang="da-DK"/>
+              <a:t>Klik for at redigere titeltypografien i masteren</a:t>
+            </a:r>
+            <a:endParaRPr lang="en-US" dirty="0"/>
+          </a:p>
+        </p:txBody>
+      </p:sp>
+      <p:sp>
+        <p:nvSpPr>
+          <p:cNvPr id="10" name="Text Placeholder 9"/>
+          <p:cNvSpPr>
+            <a:spLocks noGrp="1"/>
+          </p:cNvSpPr>
+          <p:nvPr>
+            <p:ph type="body" sz="quarter" idx="13"/>
+          </p:nvPr>
+        </p:nvSpPr>
+        <p:spPr>
+          <a:xfrm>
+            <a:off x="1141412" y="3886200"/>
+            <a:ext cx="9906000" cy="889000"/>
+          </a:xfrm>
+        </p:spPr>
+        <p:txBody>
+          <a:bodyPr vert="horz" lIns="91440" tIns="45720" rIns="91440" bIns="45720" rtlCol="0" anchor="b">
+            <a:normAutofit/>
+          </a:bodyPr>
+          <a:lstStyle>
+            <a:lvl1pPr>
+              <a:buNone/>
+              <a:defRPr lang="en-US" sz="2400" b="0" cap="all" dirty="0">
+                <a:ln w="3175" cmpd="sng">
+                  <a:noFill/>
+                </a:ln>
+                <a:gradFill flip="none" rotWithShape="1">
+                  <a:gsLst>
+                    <a:gs pos="0">
+                      <a:schemeClr val="tx1"/>
+                    </a:gs>
+                    <a:gs pos="100000">
+                      <a:schemeClr val="tx1">
+                        <a:lumMod val="75000"/>
+                      </a:schemeClr>
+                    </a:gs>
+                  </a:gsLst>
+                  <a:lin ang="5400000" scaled="0"/>
+                  <a:tileRect/>
+                </a:gradFill>
+                <a:effectLst>
+                  <a:glow rad="38100">
+                    <a:schemeClr val="bg1">
+                      <a:lumMod val="65000"/>
+                      <a:lumOff val="35000"/>
+                      <a:alpha val="40000"/>
+                    </a:schemeClr>
+                  </a:glow>
+                  <a:outerShdw blurRad="28575" dist="38100" dir="14040000" algn="tl" rotWithShape="0">
+                    <a:srgbClr val="000000">
+                      <a:alpha val="25000"/>
+                    </a:srgbClr>
+                  </a:outerShdw>
+                </a:effectLst>
+              </a:defRPr>
+            </a:lvl1pPr>
+          </a:lstStyle>
+          <a:p>
+            <a:pPr marL="0" lvl="0">
+              <a:spcBef>
+                <a:spcPct val="0"/>
+              </a:spcBef>
+              <a:buNone/>
+            </a:pPr>
+            <a:r>
+              <a:rPr lang="da-DK"/>
+              <a:t>Klik for at redigere teksttypografierne i masteren</a:t>
+            </a:r>
+          </a:p>
+        </p:txBody>
+      </p:sp>
+      <p:sp>
+        <p:nvSpPr>
+          <p:cNvPr id="3" name="Text Placeholder 2"/>
+          <p:cNvSpPr>
+            <a:spLocks noGrp="1"/>
+          </p:cNvSpPr>
+          <p:nvPr>
+            <p:ph type="body" idx="1"/>
+          </p:nvPr>
+        </p:nvSpPr>
+        <p:spPr>
+          <a:xfrm>
+            <a:off x="1141411" y="4775200"/>
+            <a:ext cx="9906000" cy="1016000"/>
+          </a:xfrm>
+        </p:spPr>
+        <p:txBody>
+          <a:bodyPr anchor="t">
+            <a:normAutofit/>
+          </a:bodyPr>
+          <a:lstStyle>
+            <a:lvl1pPr marL="0" indent="0" algn="l">
+              <a:buNone/>
+              <a:defRPr sz="1800">
+                <a:gradFill flip="none" rotWithShape="1">
+                  <a:gsLst>
+                    <a:gs pos="0">
+                      <a:schemeClr val="tx1"/>
+                    </a:gs>
+                    <a:gs pos="100000">
+                      <a:schemeClr val="tx1">
+                        <a:lumMod val="75000"/>
+                      </a:schemeClr>
+                    </a:gs>
+                  </a:gsLst>
+                  <a:lin ang="5400000" scaled="0"/>
+                  <a:tileRect/>
+                </a:gradFill>
+              </a:defRPr>
+            </a:lvl1pPr>
+            <a:lvl2pPr marL="457200" indent="0">
+              <a:buNone/>
+              <a:defRPr sz="1800">
+                <a:solidFill>
+                  <a:schemeClr val="tx1">
+                    <a:tint val="75000"/>
+                  </a:schemeClr>
+                </a:solidFill>
+              </a:defRPr>
+            </a:lvl2pPr>
+            <a:lvl3pPr marL="914400" indent="0">
+              <a:buNone/>
+              <a:defRPr sz="1600">
+                <a:solidFill>
+                  <a:schemeClr val="tx1">
+                    <a:tint val="75000"/>
+                  </a:schemeClr>
+                </a:solidFill>
+              </a:defRPr>
+            </a:lvl3pPr>
+            <a:lvl4pPr marL="1371600" indent="0">
+              <a:buNone/>
+              <a:defRPr sz="1400">
+                <a:solidFill>
+                  <a:schemeClr val="tx1">
+                    <a:tint val="75000"/>
+                  </a:schemeClr>
+                </a:solidFill>
+              </a:defRPr>
+            </a:lvl4pPr>
+            <a:lvl5pPr marL="1828800" indent="0">
+              <a:buNone/>
+              <a:defRPr sz="1400">
+                <a:solidFill>
+                  <a:schemeClr val="tx1">
+                    <a:tint val="75000"/>
+                  </a:schemeClr>
+                </a:solidFill>
+              </a:defRPr>
+            </a:lvl5pPr>
+            <a:lvl6pPr marL="2286000" indent="0">
+              <a:buNone/>
+              <a:defRPr sz="1400">
+                <a:solidFill>
+                  <a:schemeClr val="tx1">
+                    <a:tint val="75000"/>
+                  </a:schemeClr>
+                </a:solidFill>
+              </a:defRPr>
+            </a:lvl6pPr>
+            <a:lvl7pPr marL="2743200" indent="0">
+              <a:buNone/>
+              <a:defRPr sz="1400">
+                <a:solidFill>
+                  <a:schemeClr val="tx1">
+                    <a:tint val="75000"/>
+                  </a:schemeClr>
+                </a:solidFill>
+              </a:defRPr>
+            </a:lvl7pPr>
+            <a:lvl8pPr marL="3200400" indent="0">
+              <a:buNone/>
+              <a:defRPr sz="1400">
+                <a:solidFill>
+                  <a:schemeClr val="tx1">
+                    <a:tint val="75000"/>
+                  </a:schemeClr>
+                </a:solidFill>
+              </a:defRPr>
+            </a:lvl8pPr>
+            <a:lvl9pPr marL="3657600" indent="0">
+              <a:buNone/>
+              <a:defRPr sz="1400">
+                <a:solidFill>
+                  <a:schemeClr val="tx1">
+                    <a:tint val="75000"/>
+                  </a:schemeClr>
+                </a:solidFill>
+              </a:defRPr>
+            </a:lvl9pPr>
+          </a:lstStyle>
+          <a:p>
+            <a:pPr lvl="0"/>
+            <a:r>
+              <a:rPr lang="da-DK"/>
+              <a:t>Klik for at redigere teksttypografierne i masteren</a:t>
+            </a:r>
+          </a:p>
+        </p:txBody>
+      </p:sp>
+      <p:sp>
+        <p:nvSpPr>
+          <p:cNvPr id="4" name="Date Placeholder 3"/>
+          <p:cNvSpPr>
+            <a:spLocks noGrp="1"/>
+          </p:cNvSpPr>
+          <p:nvPr>
+            <p:ph type="dt" sz="half" idx="10"/>
+          </p:nvPr>
+        </p:nvSpPr>
+        <p:spPr/>
+        <p:txBody>
+          <a:bodyPr/>
+          <a:lstStyle/>
+          <a:p>
+            <a:fld id="{E234AFEB-DA5F-4046-9E4D-A0FBEAC3B098}" type="datetimeFigureOut">
+              <a:rPr lang="da-DK" smtClean="0"/>
+              <a:t>06-11-2025</a:t>
+            </a:fld>
+            <a:endParaRPr lang="da-DK"/>
+          </a:p>
+        </p:txBody>
+      </p:sp>
+      <p:sp>
+        <p:nvSpPr>
+          <p:cNvPr id="5" name="Footer Placeholder 4"/>
+          <p:cNvSpPr>
+            <a:spLocks noGrp="1"/>
+          </p:cNvSpPr>
+          <p:nvPr>
+            <p:ph type="ftr" sz="quarter" idx="11"/>
+          </p:nvPr>
+        </p:nvSpPr>
+        <p:spPr/>
+        <p:txBody>
+          <a:bodyPr/>
+          <a:lstStyle/>
+          <a:p>
+            <a:endParaRPr lang="da-DK"/>
+          </a:p>
+        </p:txBody>
+      </p:sp>
+      <p:sp>
+        <p:nvSpPr>
+          <p:cNvPr id="6" name="Slide Number Placeholder 5"/>
+          <p:cNvSpPr>
+            <a:spLocks noGrp="1"/>
+          </p:cNvSpPr>
+          <p:nvPr>
+            <p:ph type="sldNum" sz="quarter" idx="12"/>
+          </p:nvPr>
+        </p:nvSpPr>
+        <p:spPr/>
+        <p:txBody>
+          <a:bodyPr/>
+          <a:lstStyle/>
+          <a:p>
+            <a:fld id="{2C537BCE-94B3-4B93-9CE0-26E3173DE105}" type="slidenum">
+              <a:rPr lang="da-DK" smtClean="0"/>
+              <a:t>‹nr.›</a:t>
+            </a:fld>
+            <a:endParaRPr lang="da-DK"/>
+          </a:p>
+        </p:txBody>
+      </p:sp>
+    </p:spTree>
+    <p:extLst>
+      <p:ext uri="{BB962C8B-B14F-4D97-AF65-F5344CB8AC3E}">
+        <p14:creationId xmlns:p14="http://schemas.microsoft.com/office/powerpoint/2010/main" val="1494997899"/>
+      </p:ext>
+    </p:extLst>
+  </p:cSld>
+  <p:clrMapOvr>
+    <a:masterClrMapping/>
+  </p:clrMapOvr>
+</p:sldLayout>
+</file>
+
+<file path=ppt/slideLayouts/slideLayout15.xml><?xml version="1.0" encoding="utf-8"?>
+<p:sldLayout xmlns:a="http://schemas.openxmlformats.org/drawingml/2006/main" xmlns:r="http://schemas.openxmlformats.org/officeDocument/2006/relationships" xmlns:p="http://schemas.openxmlformats.org/presentationml/2006/main" preserve="1">
+  <p:cSld name="Sandt eller falsk">
+    <p:spTree>
+      <p:nvGrpSpPr>
+        <p:cNvPr id="1" name=""/>
+        <p:cNvGrpSpPr/>
+        <p:nvPr/>
+      </p:nvGrpSpPr>
+      <p:grpSpPr>
+        <a:xfrm>
+          <a:off x="0" y="0"/>
+          <a:ext cx="0" cy="0"/>
+          <a:chOff x="0" y="0"/>
+          <a:chExt cx="0" cy="0"/>
+        </a:xfrm>
+      </p:grpSpPr>
+      <p:sp>
+        <p:nvSpPr>
+          <p:cNvPr id="2" name="Title 1"/>
+          <p:cNvSpPr>
+            <a:spLocks noGrp="1"/>
+          </p:cNvSpPr>
+          <p:nvPr>
+            <p:ph type="title"/>
+          </p:nvPr>
+        </p:nvSpPr>
+        <p:spPr>
+          <a:xfrm>
+            <a:off x="1141412" y="609601"/>
+            <a:ext cx="9905999" cy="2743199"/>
+          </a:xfrm>
+        </p:spPr>
+        <p:txBody>
+          <a:bodyPr vert="horz" lIns="91440" tIns="45720" rIns="91440" bIns="45720" rtlCol="0" anchor="ctr">
+            <a:normAutofit/>
+          </a:bodyPr>
+          <a:lstStyle>
+            <a:lvl1pPr>
+              <a:defRPr lang="en-US" b="0" dirty="0"/>
+            </a:lvl1pPr>
+          </a:lstStyle>
+          <a:p>
+            <a:pPr marL="0" lvl="0"/>
+            <a:r>
+              <a:rPr lang="da-DK"/>
+              <a:t>Klik for at redigere titeltypografien i masteren</a:t>
+            </a:r>
+            <a:endParaRPr lang="en-US" dirty="0"/>
+          </a:p>
+        </p:txBody>
+      </p:sp>
+      <p:sp>
+        <p:nvSpPr>
+          <p:cNvPr id="10" name="Text Placeholder 9"/>
+          <p:cNvSpPr>
+            <a:spLocks noGrp="1"/>
+          </p:cNvSpPr>
+          <p:nvPr>
+            <p:ph type="body" sz="quarter" idx="13"/>
+          </p:nvPr>
+        </p:nvSpPr>
+        <p:spPr>
+          <a:xfrm>
+            <a:off x="1141412" y="3505200"/>
+            <a:ext cx="9906000" cy="838200"/>
+          </a:xfrm>
+        </p:spPr>
+        <p:txBody>
+          <a:bodyPr vert="horz" lIns="91440" tIns="45720" rIns="91440" bIns="45720" rtlCol="0" anchor="b">
+            <a:normAutofit/>
+          </a:bodyPr>
+          <a:lstStyle>
+            <a:lvl1pPr>
+              <a:buNone/>
+              <a:defRPr lang="en-US" sz="2800" b="0" cap="all" dirty="0">
+                <a:ln w="3175" cmpd="sng">
+                  <a:noFill/>
+                </a:ln>
+                <a:gradFill flip="none" rotWithShape="1">
+                  <a:gsLst>
+                    <a:gs pos="0">
+                      <a:schemeClr val="tx1"/>
+                    </a:gs>
+                    <a:gs pos="100000">
+                      <a:schemeClr val="tx1">
+                        <a:lumMod val="75000"/>
+                      </a:schemeClr>
+                    </a:gs>
+                  </a:gsLst>
+                  <a:lin ang="5400000" scaled="0"/>
+                  <a:tileRect/>
+                </a:gradFill>
+                <a:effectLst>
+                  <a:glow rad="38100">
+                    <a:schemeClr val="bg1">
+                      <a:lumMod val="65000"/>
+                      <a:lumOff val="35000"/>
+                      <a:alpha val="40000"/>
+                    </a:schemeClr>
+                  </a:glow>
+                  <a:outerShdw blurRad="28575" dist="38100" dir="14040000" algn="tl" rotWithShape="0">
+                    <a:srgbClr val="000000">
+                      <a:alpha val="25000"/>
+                    </a:srgbClr>
+                  </a:outerShdw>
+                </a:effectLst>
+              </a:defRPr>
+            </a:lvl1pPr>
+          </a:lstStyle>
+          <a:p>
+            <a:pPr marL="0" lvl="0">
+              <a:spcBef>
+                <a:spcPct val="0"/>
+              </a:spcBef>
+              <a:buNone/>
+            </a:pPr>
+            <a:r>
+              <a:rPr lang="da-DK"/>
+              <a:t>Klik for at redigere teksttypografierne i masteren</a:t>
+            </a:r>
+          </a:p>
+        </p:txBody>
+      </p:sp>
+      <p:sp>
+        <p:nvSpPr>
+          <p:cNvPr id="3" name="Text Placeholder 2"/>
+          <p:cNvSpPr>
+            <a:spLocks noGrp="1"/>
+          </p:cNvSpPr>
+          <p:nvPr>
+            <p:ph type="body" idx="1"/>
+          </p:nvPr>
+        </p:nvSpPr>
+        <p:spPr>
+          <a:xfrm>
+            <a:off x="1141411" y="4343400"/>
+            <a:ext cx="9906000" cy="1447800"/>
+          </a:xfrm>
+        </p:spPr>
+        <p:txBody>
+          <a:bodyPr anchor="t">
+            <a:normAutofit/>
+          </a:bodyPr>
+          <a:lstStyle>
+            <a:lvl1pPr marL="0" indent="0" algn="l">
+              <a:buNone/>
+              <a:defRPr sz="1800">
+                <a:gradFill flip="none" rotWithShape="1">
+                  <a:gsLst>
+                    <a:gs pos="0">
+                      <a:schemeClr val="tx1"/>
+                    </a:gs>
+                    <a:gs pos="100000">
+                      <a:schemeClr val="tx1">
+                        <a:lumMod val="75000"/>
+                      </a:schemeClr>
+                    </a:gs>
+                  </a:gsLst>
+                  <a:lin ang="5400000" scaled="0"/>
+                  <a:tileRect/>
+                </a:gradFill>
+              </a:defRPr>
+            </a:lvl1pPr>
+            <a:lvl2pPr marL="457200" indent="0">
+              <a:buNone/>
+              <a:defRPr sz="1800">
+                <a:solidFill>
+                  <a:schemeClr val="tx1">
+                    <a:tint val="75000"/>
+                  </a:schemeClr>
+                </a:solidFill>
+              </a:defRPr>
+            </a:lvl2pPr>
+            <a:lvl3pPr marL="914400" indent="0">
+              <a:buNone/>
+              <a:defRPr sz="1600">
+                <a:solidFill>
+                  <a:schemeClr val="tx1">
+                    <a:tint val="75000"/>
+                  </a:schemeClr>
+                </a:solidFill>
+              </a:defRPr>
+            </a:lvl3pPr>
+            <a:lvl4pPr marL="1371600" indent="0">
+              <a:buNone/>
+              <a:defRPr sz="1400">
+                <a:solidFill>
+                  <a:schemeClr val="tx1">
+                    <a:tint val="75000"/>
+                  </a:schemeClr>
+                </a:solidFill>
+              </a:defRPr>
+            </a:lvl4pPr>
+            <a:lvl5pPr marL="1828800" indent="0">
+              <a:buNone/>
+              <a:defRPr sz="1400">
+                <a:solidFill>
+                  <a:schemeClr val="tx1">
+                    <a:tint val="75000"/>
+                  </a:schemeClr>
+                </a:solidFill>
+              </a:defRPr>
+            </a:lvl5pPr>
+            <a:lvl6pPr marL="2286000" indent="0">
+              <a:buNone/>
+              <a:defRPr sz="1400">
+                <a:solidFill>
+                  <a:schemeClr val="tx1">
+                    <a:tint val="75000"/>
+                  </a:schemeClr>
+                </a:solidFill>
+              </a:defRPr>
+            </a:lvl6pPr>
+            <a:lvl7pPr marL="2743200" indent="0">
+              <a:buNone/>
+              <a:defRPr sz="1400">
+                <a:solidFill>
+                  <a:schemeClr val="tx1">
+                    <a:tint val="75000"/>
+                  </a:schemeClr>
+                </a:solidFill>
+              </a:defRPr>
+            </a:lvl7pPr>
+            <a:lvl8pPr marL="3200400" indent="0">
+              <a:buNone/>
+              <a:defRPr sz="1400">
+                <a:solidFill>
+                  <a:schemeClr val="tx1">
+                    <a:tint val="75000"/>
+                  </a:schemeClr>
+                </a:solidFill>
+              </a:defRPr>
+            </a:lvl8pPr>
+            <a:lvl9pPr marL="3657600" indent="0">
+              <a:buNone/>
+              <a:defRPr sz="1400">
+                <a:solidFill>
+                  <a:schemeClr val="tx1">
+                    <a:tint val="75000"/>
+                  </a:schemeClr>
+                </a:solidFill>
+              </a:defRPr>
+            </a:lvl9pPr>
+          </a:lstStyle>
+          <a:p>
+            <a:pPr lvl="0"/>
+            <a:r>
+              <a:rPr lang="da-DK"/>
+              <a:t>Klik for at redigere teksttypografierne i masteren</a:t>
+            </a:r>
+          </a:p>
+        </p:txBody>
+      </p:sp>
+      <p:sp>
+        <p:nvSpPr>
+          <p:cNvPr id="4" name="Date Placeholder 3"/>
+          <p:cNvSpPr>
+            <a:spLocks noGrp="1"/>
+          </p:cNvSpPr>
+          <p:nvPr>
+            <p:ph type="dt" sz="half" idx="10"/>
+          </p:nvPr>
+        </p:nvSpPr>
+        <p:spPr/>
+        <p:txBody>
+          <a:bodyPr/>
+          <a:lstStyle/>
+          <a:p>
+            <a:fld id="{E234AFEB-DA5F-4046-9E4D-A0FBEAC3B098}" type="datetimeFigureOut">
+              <a:rPr lang="da-DK" smtClean="0"/>
+              <a:t>06-11-2025</a:t>
+            </a:fld>
+            <a:endParaRPr lang="da-DK"/>
+          </a:p>
+        </p:txBody>
+      </p:sp>
+      <p:sp>
+        <p:nvSpPr>
+          <p:cNvPr id="5" name="Footer Placeholder 4"/>
+          <p:cNvSpPr>
+            <a:spLocks noGrp="1"/>
+          </p:cNvSpPr>
+          <p:nvPr>
+            <p:ph type="ftr" sz="quarter" idx="11"/>
+          </p:nvPr>
+        </p:nvSpPr>
+        <p:spPr/>
+        <p:txBody>
+          <a:bodyPr/>
+          <a:lstStyle/>
+          <a:p>
+            <a:endParaRPr lang="da-DK"/>
+          </a:p>
+        </p:txBody>
+      </p:sp>
+      <p:sp>
+        <p:nvSpPr>
+          <p:cNvPr id="6" name="Slide Number Placeholder 5"/>
+          <p:cNvSpPr>
+            <a:spLocks noGrp="1"/>
+          </p:cNvSpPr>
+          <p:nvPr>
+            <p:ph type="sldNum" sz="quarter" idx="12"/>
+          </p:nvPr>
+        </p:nvSpPr>
+        <p:spPr/>
+        <p:txBody>
+          <a:bodyPr/>
+          <a:lstStyle/>
+          <a:p>
+            <a:fld id="{2C537BCE-94B3-4B93-9CE0-26E3173DE105}" type="slidenum">
+              <a:rPr lang="da-DK" smtClean="0"/>
+              <a:t>‹nr.›</a:t>
+            </a:fld>
+            <a:endParaRPr lang="da-DK"/>
+          </a:p>
+        </p:txBody>
+      </p:sp>
+    </p:spTree>
+    <p:extLst>
+      <p:ext uri="{BB962C8B-B14F-4D97-AF65-F5344CB8AC3E}">
+        <p14:creationId xmlns:p14="http://schemas.microsoft.com/office/powerpoint/2010/main" val="2664519219"/>
+      </p:ext>
+    </p:extLst>
+  </p:cSld>
+  <p:clrMapOvr>
+    <a:masterClrMapping/>
+  </p:clrMapOvr>
+</p:sldLayout>
+</file>
+
+<file path=ppt/slideLayouts/slideLayout16.xml><?xml version="1.0" encoding="utf-8"?>
 <p:sldLayout xmlns:a="http://schemas.openxmlformats.org/drawingml/2006/main" xmlns:r="http://schemas.openxmlformats.org/officeDocument/2006/relationships" xmlns:p="http://schemas.openxmlformats.org/presentationml/2006/main" type="vertTx" preserve="1">
   <p:cSld name="Titel og lodret tekst">
     <p:spTree>
@@ -354,13 +2522,7 @@
       </p:grpSpPr>
       <p:sp>
         <p:nvSpPr>
-          <p:cNvPr id="2" name="Titel 1">
-            <a:extLst>
-              <a:ext uri="{FF2B5EF4-FFF2-40B4-BE49-F238E27FC236}">
-                <a16:creationId xmlns:a16="http://schemas.microsoft.com/office/drawing/2014/main" id="{9E84C5C8-92E4-A51A-C0AD-833792FA3AB3}"/>
-              </a:ext>
-            </a:extLst>
-          </p:cNvPr>
+          <p:cNvPr id="7" name="Title 1"/>
           <p:cNvSpPr>
             <a:spLocks noGrp="1"/>
           </p:cNvSpPr>
@@ -368,37 +2530,37 @@
             <p:ph type="title"/>
           </p:nvPr>
         </p:nvSpPr>
+        <p:spPr>
+          <a:xfrm>
+            <a:off x="1141413" y="609600"/>
+            <a:ext cx="9905998" cy="1905000"/>
+          </a:xfrm>
+        </p:spPr>
+        <p:txBody>
+          <a:bodyPr/>
+          <a:lstStyle/>
+          <a:p>
+            <a:r>
+              <a:rPr lang="da-DK"/>
+              <a:t>Klik for at redigere titeltypografien i masteren</a:t>
+            </a:r>
+            <a:endParaRPr lang="en-US" dirty="0"/>
+          </a:p>
+        </p:txBody>
+      </p:sp>
+      <p:sp>
+        <p:nvSpPr>
+          <p:cNvPr id="3" name="Vertical Text Placeholder 2"/>
+          <p:cNvSpPr>
+            <a:spLocks noGrp="1"/>
+          </p:cNvSpPr>
+          <p:nvPr>
+            <p:ph type="body" orient="vert" idx="1"/>
+          </p:nvPr>
+        </p:nvSpPr>
         <p:spPr/>
         <p:txBody>
-          <a:bodyPr/>
-          <a:lstStyle/>
-          <a:p>
-            <a:r>
-              <a:rPr lang="da-DK"/>
-              <a:t>Klik for at redigere titeltypografien i masteren</a:t>
-            </a:r>
-          </a:p>
-        </p:txBody>
-      </p:sp>
-      <p:sp>
-        <p:nvSpPr>
-          <p:cNvPr id="3" name="Pladsholder til lodret titel 2">
-            <a:extLst>
-              <a:ext uri="{FF2B5EF4-FFF2-40B4-BE49-F238E27FC236}">
-                <a16:creationId xmlns:a16="http://schemas.microsoft.com/office/drawing/2014/main" id="{B072FEFC-326B-B968-2910-4B4DEB9025D5}"/>
-              </a:ext>
-            </a:extLst>
-          </p:cNvPr>
-          <p:cNvSpPr>
-            <a:spLocks noGrp="1"/>
-          </p:cNvSpPr>
-          <p:nvPr>
-            <p:ph type="body" orient="vert" idx="1"/>
-          </p:nvPr>
-        </p:nvSpPr>
-        <p:spPr/>
-        <p:txBody>
-          <a:bodyPr vert="eaVert"/>
+          <a:bodyPr vert="eaVert" anchor="t"/>
           <a:lstStyle/>
           <a:p>
             <a:pPr lvl="0"/>
@@ -434,18 +2596,13 @@
               <a:rPr lang="da-DK"/>
               <a:t>Femte niveau</a:t>
             </a:r>
-          </a:p>
-        </p:txBody>
-      </p:sp>
-      <p:sp>
-        <p:nvSpPr>
-          <p:cNvPr id="4" name="Pladsholder til dato 3">
-            <a:extLst>
-              <a:ext uri="{FF2B5EF4-FFF2-40B4-BE49-F238E27FC236}">
-                <a16:creationId xmlns:a16="http://schemas.microsoft.com/office/drawing/2014/main" id="{B832E66B-4963-D351-C8E9-65525737CB44}"/>
-              </a:ext>
-            </a:extLst>
-          </p:cNvPr>
+            <a:endParaRPr lang="en-US" dirty="0"/>
+          </a:p>
+        </p:txBody>
+      </p:sp>
+      <p:sp>
+        <p:nvSpPr>
+          <p:cNvPr id="4" name="Date Placeholder 3"/>
           <p:cNvSpPr>
             <a:spLocks noGrp="1"/>
           </p:cNvSpPr>
@@ -468,13 +2625,7 @@
       </p:sp>
       <p:sp>
         <p:nvSpPr>
-          <p:cNvPr id="5" name="Pladsholder til sidefod 4">
-            <a:extLst>
-              <a:ext uri="{FF2B5EF4-FFF2-40B4-BE49-F238E27FC236}">
-                <a16:creationId xmlns:a16="http://schemas.microsoft.com/office/drawing/2014/main" id="{6BD5F6EB-532F-AC9C-914B-B06B141947F8}"/>
-              </a:ext>
-            </a:extLst>
-          </p:cNvPr>
+          <p:cNvPr id="5" name="Footer Placeholder 4"/>
           <p:cNvSpPr>
             <a:spLocks noGrp="1"/>
           </p:cNvSpPr>
@@ -493,13 +2644,7 @@
       </p:sp>
       <p:sp>
         <p:nvSpPr>
-          <p:cNvPr id="6" name="Pladsholder til slidenummer 5">
-            <a:extLst>
-              <a:ext uri="{FF2B5EF4-FFF2-40B4-BE49-F238E27FC236}">
-                <a16:creationId xmlns:a16="http://schemas.microsoft.com/office/drawing/2014/main" id="{A5AC6009-6D1C-93DE-5390-92DF2F2E01B5}"/>
-              </a:ext>
-            </a:extLst>
-          </p:cNvPr>
+          <p:cNvPr id="6" name="Slide Number Placeholder 5"/>
           <p:cNvSpPr>
             <a:spLocks noGrp="1"/>
           </p:cNvSpPr>
@@ -523,7 +2668,7 @@
     </p:spTree>
     <p:extLst>
       <p:ext uri="{BB962C8B-B14F-4D97-AF65-F5344CB8AC3E}">
-        <p14:creationId xmlns:p14="http://schemas.microsoft.com/office/powerpoint/2010/main" val="2589639847"/>
+        <p14:creationId xmlns:p14="http://schemas.microsoft.com/office/powerpoint/2010/main" val="2377498634"/>
       </p:ext>
     </p:extLst>
   </p:cSld>
@@ -533,7 +2678,7 @@
 </p:sldLayout>
 </file>
 
-<file path=ppt/slideLayouts/slideLayout11.xml><?xml version="1.0" encoding="utf-8"?>
+<file path=ppt/slideLayouts/slideLayout17.xml><?xml version="1.0" encoding="utf-8"?>
 <p:sldLayout xmlns:a="http://schemas.openxmlformats.org/drawingml/2006/main" xmlns:r="http://schemas.openxmlformats.org/officeDocument/2006/relationships" xmlns:p="http://schemas.openxmlformats.org/presentationml/2006/main" type="vertTitleAndTx" preserve="1">
   <p:cSld name="Lodret titel og tekst">
     <p:spTree>
@@ -552,13 +2697,7 @@
       </p:grpSpPr>
       <p:sp>
         <p:nvSpPr>
-          <p:cNvPr id="2" name="Lodret titel 1">
-            <a:extLst>
-              <a:ext uri="{FF2B5EF4-FFF2-40B4-BE49-F238E27FC236}">
-                <a16:creationId xmlns:a16="http://schemas.microsoft.com/office/drawing/2014/main" id="{175ACAA5-91AA-2FB8-CA1E-A8D23CF379E4}"/>
-              </a:ext>
-            </a:extLst>
-          </p:cNvPr>
+          <p:cNvPr id="2" name="Vertical Title 1"/>
           <p:cNvSpPr>
             <a:spLocks noGrp="1"/>
           </p:cNvSpPr>
@@ -568,8 +2707,8 @@
         </p:nvSpPr>
         <p:spPr>
           <a:xfrm>
-            <a:off x="8724900" y="365125"/>
-            <a:ext cx="2628900" cy="5811838"/>
+            <a:off x="8836898" y="609599"/>
+            <a:ext cx="2210514" cy="5181601"/>
           </a:xfrm>
         </p:spPr>
         <p:txBody>
@@ -580,18 +2719,13 @@
               <a:rPr lang="da-DK"/>
               <a:t>Klik for at redigere titeltypografien i masteren</a:t>
             </a:r>
-          </a:p>
-        </p:txBody>
-      </p:sp>
-      <p:sp>
-        <p:nvSpPr>
-          <p:cNvPr id="3" name="Pladsholder til lodret titel 2">
-            <a:extLst>
-              <a:ext uri="{FF2B5EF4-FFF2-40B4-BE49-F238E27FC236}">
-                <a16:creationId xmlns:a16="http://schemas.microsoft.com/office/drawing/2014/main" id="{E472819C-60F6-A48D-439B-1FA90731ABC3}"/>
-              </a:ext>
-            </a:extLst>
-          </p:cNvPr>
+            <a:endParaRPr lang="en-US" dirty="0"/>
+          </a:p>
+        </p:txBody>
+      </p:sp>
+      <p:sp>
+        <p:nvSpPr>
+          <p:cNvPr id="3" name="Vertical Text Placeholder 2"/>
           <p:cNvSpPr>
             <a:spLocks noGrp="1"/>
           </p:cNvSpPr>
@@ -601,12 +2735,12 @@
         </p:nvSpPr>
         <p:spPr>
           <a:xfrm>
-            <a:off x="838200" y="365125"/>
-            <a:ext cx="7734300" cy="5811838"/>
+            <a:off x="1141412" y="609600"/>
+            <a:ext cx="7543800" cy="5181600"/>
           </a:xfrm>
         </p:spPr>
         <p:txBody>
-          <a:bodyPr vert="eaVert"/>
+          <a:bodyPr vert="eaVert" anchor="t"/>
           <a:lstStyle/>
           <a:p>
             <a:pPr lvl="0"/>
@@ -642,18 +2776,13 @@
               <a:rPr lang="da-DK"/>
               <a:t>Femte niveau</a:t>
             </a:r>
-          </a:p>
-        </p:txBody>
-      </p:sp>
-      <p:sp>
-        <p:nvSpPr>
-          <p:cNvPr id="4" name="Pladsholder til dato 3">
-            <a:extLst>
-              <a:ext uri="{FF2B5EF4-FFF2-40B4-BE49-F238E27FC236}">
-                <a16:creationId xmlns:a16="http://schemas.microsoft.com/office/drawing/2014/main" id="{42BBA819-97D9-2AAD-28EA-66A0703A6899}"/>
-              </a:ext>
-            </a:extLst>
-          </p:cNvPr>
+            <a:endParaRPr lang="en-US" dirty="0"/>
+          </a:p>
+        </p:txBody>
+      </p:sp>
+      <p:sp>
+        <p:nvSpPr>
+          <p:cNvPr id="4" name="Date Placeholder 3"/>
           <p:cNvSpPr>
             <a:spLocks noGrp="1"/>
           </p:cNvSpPr>
@@ -676,13 +2805,7 @@
       </p:sp>
       <p:sp>
         <p:nvSpPr>
-          <p:cNvPr id="5" name="Pladsholder til sidefod 4">
-            <a:extLst>
-              <a:ext uri="{FF2B5EF4-FFF2-40B4-BE49-F238E27FC236}">
-                <a16:creationId xmlns:a16="http://schemas.microsoft.com/office/drawing/2014/main" id="{1EC2B2AD-AB78-E39B-8EAB-41F0299207E4}"/>
-              </a:ext>
-            </a:extLst>
-          </p:cNvPr>
+          <p:cNvPr id="5" name="Footer Placeholder 4"/>
           <p:cNvSpPr>
             <a:spLocks noGrp="1"/>
           </p:cNvSpPr>
@@ -701,13 +2824,7 @@
       </p:sp>
       <p:sp>
         <p:nvSpPr>
-          <p:cNvPr id="6" name="Pladsholder til slidenummer 5">
-            <a:extLst>
-              <a:ext uri="{FF2B5EF4-FFF2-40B4-BE49-F238E27FC236}">
-                <a16:creationId xmlns:a16="http://schemas.microsoft.com/office/drawing/2014/main" id="{E8552384-75DA-AF8A-7A76-345213D1597E}"/>
-              </a:ext>
-            </a:extLst>
-          </p:cNvPr>
+          <p:cNvPr id="6" name="Slide Number Placeholder 5"/>
           <p:cNvSpPr>
             <a:spLocks noGrp="1"/>
           </p:cNvSpPr>
@@ -731,7 +2848,7 @@
     </p:spTree>
     <p:extLst>
       <p:ext uri="{BB962C8B-B14F-4D97-AF65-F5344CB8AC3E}">
-        <p14:creationId xmlns:p14="http://schemas.microsoft.com/office/powerpoint/2010/main" val="1259112391"/>
+        <p14:creationId xmlns:p14="http://schemas.microsoft.com/office/powerpoint/2010/main" val="1454259945"/>
       </p:ext>
     </p:extLst>
   </p:cSld>
@@ -760,13 +2877,7 @@
       </p:grpSpPr>
       <p:sp>
         <p:nvSpPr>
-          <p:cNvPr id="2" name="Titel 1">
-            <a:extLst>
-              <a:ext uri="{FF2B5EF4-FFF2-40B4-BE49-F238E27FC236}">
-                <a16:creationId xmlns:a16="http://schemas.microsoft.com/office/drawing/2014/main" id="{EB4175A9-DEDC-2897-47D3-EE807360701E}"/>
-              </a:ext>
-            </a:extLst>
-          </p:cNvPr>
+          <p:cNvPr id="2" name="Title 1"/>
           <p:cNvSpPr>
             <a:spLocks noGrp="1"/>
           </p:cNvSpPr>
@@ -783,18 +2894,13 @@
               <a:rPr lang="da-DK"/>
               <a:t>Klik for at redigere titeltypografien i masteren</a:t>
             </a:r>
-          </a:p>
-        </p:txBody>
-      </p:sp>
-      <p:sp>
-        <p:nvSpPr>
-          <p:cNvPr id="3" name="Pladsholder til indhold 2">
-            <a:extLst>
-              <a:ext uri="{FF2B5EF4-FFF2-40B4-BE49-F238E27FC236}">
-                <a16:creationId xmlns:a16="http://schemas.microsoft.com/office/drawing/2014/main" id="{5EEC009F-3D50-9FFF-E03B-34F69274517A}"/>
-              </a:ext>
-            </a:extLst>
-          </p:cNvPr>
+            <a:endParaRPr lang="en-US" dirty="0"/>
+          </a:p>
+        </p:txBody>
+      </p:sp>
+      <p:sp>
+        <p:nvSpPr>
+          <p:cNvPr id="3" name="Content Placeholder 2"/>
           <p:cNvSpPr>
             <a:spLocks noGrp="1"/>
           </p:cNvSpPr>
@@ -804,7 +2910,7 @@
         </p:nvSpPr>
         <p:spPr/>
         <p:txBody>
-          <a:bodyPr/>
+          <a:bodyPr anchor="ctr"/>
           <a:lstStyle/>
           <a:p>
             <a:pPr lvl="0"/>
@@ -840,18 +2946,13 @@
               <a:rPr lang="da-DK"/>
               <a:t>Femte niveau</a:t>
             </a:r>
-          </a:p>
-        </p:txBody>
-      </p:sp>
-      <p:sp>
-        <p:nvSpPr>
-          <p:cNvPr id="4" name="Pladsholder til dato 3">
-            <a:extLst>
-              <a:ext uri="{FF2B5EF4-FFF2-40B4-BE49-F238E27FC236}">
-                <a16:creationId xmlns:a16="http://schemas.microsoft.com/office/drawing/2014/main" id="{AA6B3FE5-D106-1F61-9C8A-09C9D0C10BF9}"/>
-              </a:ext>
-            </a:extLst>
-          </p:cNvPr>
+            <a:endParaRPr lang="en-US" dirty="0"/>
+          </a:p>
+        </p:txBody>
+      </p:sp>
+      <p:sp>
+        <p:nvSpPr>
+          <p:cNvPr id="4" name="Date Placeholder 3"/>
           <p:cNvSpPr>
             <a:spLocks noGrp="1"/>
           </p:cNvSpPr>
@@ -874,13 +2975,7 @@
       </p:sp>
       <p:sp>
         <p:nvSpPr>
-          <p:cNvPr id="5" name="Pladsholder til sidefod 4">
-            <a:extLst>
-              <a:ext uri="{FF2B5EF4-FFF2-40B4-BE49-F238E27FC236}">
-                <a16:creationId xmlns:a16="http://schemas.microsoft.com/office/drawing/2014/main" id="{35088C28-F285-410F-E5F0-7B2136483750}"/>
-              </a:ext>
-            </a:extLst>
-          </p:cNvPr>
+          <p:cNvPr id="5" name="Footer Placeholder 4"/>
           <p:cNvSpPr>
             <a:spLocks noGrp="1"/>
           </p:cNvSpPr>
@@ -899,13 +2994,7 @@
       </p:sp>
       <p:sp>
         <p:nvSpPr>
-          <p:cNvPr id="6" name="Pladsholder til slidenummer 5">
-            <a:extLst>
-              <a:ext uri="{FF2B5EF4-FFF2-40B4-BE49-F238E27FC236}">
-                <a16:creationId xmlns:a16="http://schemas.microsoft.com/office/drawing/2014/main" id="{AFFF3D2E-8295-4F64-7C45-4C0B9E6F35FC}"/>
-              </a:ext>
-            </a:extLst>
-          </p:cNvPr>
+          <p:cNvPr id="6" name="Slide Number Placeholder 5"/>
           <p:cNvSpPr>
             <a:spLocks noGrp="1"/>
           </p:cNvSpPr>
@@ -929,7 +3018,7 @@
     </p:spTree>
     <p:extLst>
       <p:ext uri="{BB962C8B-B14F-4D97-AF65-F5344CB8AC3E}">
-        <p14:creationId xmlns:p14="http://schemas.microsoft.com/office/powerpoint/2010/main" val="2610246261"/>
+        <p14:creationId xmlns:p14="http://schemas.microsoft.com/office/powerpoint/2010/main" val="1316380464"/>
       </p:ext>
     </p:extLst>
   </p:cSld>
@@ -958,13 +3047,7 @@
       </p:grpSpPr>
       <p:sp>
         <p:nvSpPr>
-          <p:cNvPr id="2" name="Titel 1">
-            <a:extLst>
-              <a:ext uri="{FF2B5EF4-FFF2-40B4-BE49-F238E27FC236}">
-                <a16:creationId xmlns:a16="http://schemas.microsoft.com/office/drawing/2014/main" id="{3B22A08A-C7AB-6BF3-3DD7-97181E21F411}"/>
-              </a:ext>
-            </a:extLst>
-          </p:cNvPr>
+          <p:cNvPr id="2" name="Title 1"/>
           <p:cNvSpPr>
             <a:spLocks noGrp="1"/>
           </p:cNvSpPr>
@@ -974,15 +3057,15 @@
         </p:nvSpPr>
         <p:spPr>
           <a:xfrm>
-            <a:off x="831850" y="1709738"/>
-            <a:ext cx="10515600" cy="2852737"/>
+            <a:off x="1751013" y="3308581"/>
+            <a:ext cx="8686800" cy="1468800"/>
           </a:xfrm>
         </p:spPr>
         <p:txBody>
           <a:bodyPr anchor="b"/>
           <a:lstStyle>
-            <a:lvl1pPr>
-              <a:defRPr sz="6000"/>
+            <a:lvl1pPr algn="r">
+              <a:defRPr sz="4000" b="0" cap="all"/>
             </a:lvl1pPr>
           </a:lstStyle>
           <a:p>
@@ -990,18 +3073,13 @@
               <a:rPr lang="da-DK"/>
               <a:t>Klik for at redigere titeltypografien i masteren</a:t>
             </a:r>
-          </a:p>
-        </p:txBody>
-      </p:sp>
-      <p:sp>
-        <p:nvSpPr>
-          <p:cNvPr id="3" name="Pladsholder til tekst 2">
-            <a:extLst>
-              <a:ext uri="{FF2B5EF4-FFF2-40B4-BE49-F238E27FC236}">
-                <a16:creationId xmlns:a16="http://schemas.microsoft.com/office/drawing/2014/main" id="{18673B49-2E35-1A6D-EF5B-C072FA594416}"/>
-              </a:ext>
-            </a:extLst>
-          </p:cNvPr>
+            <a:endParaRPr lang="en-US" dirty="0"/>
+          </a:p>
+        </p:txBody>
+      </p:sp>
+      <p:sp>
+        <p:nvSpPr>
+          <p:cNvPr id="3" name="Text Placeholder 2"/>
           <p:cNvSpPr>
             <a:spLocks noGrp="1"/>
           </p:cNvSpPr>
@@ -1011,99 +3089,110 @@
         </p:nvSpPr>
         <p:spPr>
           <a:xfrm>
-            <a:off x="831850" y="4589463"/>
-            <a:ext cx="10515600" cy="1500187"/>
+            <a:off x="1751011" y="4777381"/>
+            <a:ext cx="8686801" cy="860400"/>
           </a:xfrm>
         </p:spPr>
         <p:txBody>
-          <a:bodyPr/>
+          <a:bodyPr anchor="t">
+            <a:normAutofit/>
+          </a:bodyPr>
           <a:lstStyle>
-            <a:lvl1pPr marL="0" indent="0">
-              <a:buNone/>
-              <a:defRPr sz="2400">
-                <a:solidFill>
-                  <a:schemeClr val="tx1">
-                    <a:tint val="82000"/>
-                  </a:schemeClr>
-                </a:solidFill>
+            <a:lvl1pPr marL="0" indent="0" algn="r">
+              <a:buNone/>
+              <a:defRPr sz="2000">
+                <a:gradFill flip="none" rotWithShape="1">
+                  <a:gsLst>
+                    <a:gs pos="0">
+                      <a:schemeClr val="tx1"/>
+                    </a:gs>
+                    <a:gs pos="100000">
+                      <a:schemeClr val="tx1">
+                        <a:lumMod val="75000"/>
+                      </a:schemeClr>
+                    </a:gs>
+                  </a:gsLst>
+                  <a:lin ang="5400000" scaled="0"/>
+                  <a:tileRect/>
+                </a:gradFill>
               </a:defRPr>
             </a:lvl1pPr>
             <a:lvl2pPr marL="457200" indent="0">
               <a:buNone/>
-              <a:defRPr sz="2000">
+              <a:defRPr sz="1800">
                 <a:solidFill>
                   <a:schemeClr val="tx1">
-                    <a:tint val="82000"/>
+                    <a:tint val="75000"/>
                   </a:schemeClr>
                 </a:solidFill>
               </a:defRPr>
             </a:lvl2pPr>
             <a:lvl3pPr marL="914400" indent="0">
               <a:buNone/>
-              <a:defRPr sz="1800">
+              <a:defRPr sz="1600">
                 <a:solidFill>
                   <a:schemeClr val="tx1">
-                    <a:tint val="82000"/>
+                    <a:tint val="75000"/>
                   </a:schemeClr>
                 </a:solidFill>
               </a:defRPr>
             </a:lvl3pPr>
             <a:lvl4pPr marL="1371600" indent="0">
               <a:buNone/>
-              <a:defRPr sz="1600">
+              <a:defRPr sz="1400">
                 <a:solidFill>
                   <a:schemeClr val="tx1">
-                    <a:tint val="82000"/>
+                    <a:tint val="75000"/>
                   </a:schemeClr>
                 </a:solidFill>
               </a:defRPr>
             </a:lvl4pPr>
             <a:lvl5pPr marL="1828800" indent="0">
               <a:buNone/>
-              <a:defRPr sz="1600">
+              <a:defRPr sz="1400">
                 <a:solidFill>
                   <a:schemeClr val="tx1">
-                    <a:tint val="82000"/>
+                    <a:tint val="75000"/>
                   </a:schemeClr>
                 </a:solidFill>
               </a:defRPr>
             </a:lvl5pPr>
             <a:lvl6pPr marL="2286000" indent="0">
               <a:buNone/>
-              <a:defRPr sz="1600">
+              <a:defRPr sz="1400">
                 <a:solidFill>
                   <a:schemeClr val="tx1">
-                    <a:tint val="82000"/>
+                    <a:tint val="75000"/>
                   </a:schemeClr>
                 </a:solidFill>
               </a:defRPr>
             </a:lvl6pPr>
             <a:lvl7pPr marL="2743200" indent="0">
               <a:buNone/>
-              <a:defRPr sz="1600">
+              <a:defRPr sz="1400">
                 <a:solidFill>
                   <a:schemeClr val="tx1">
-                    <a:tint val="82000"/>
+                    <a:tint val="75000"/>
                   </a:schemeClr>
                 </a:solidFill>
               </a:defRPr>
             </a:lvl7pPr>
             <a:lvl8pPr marL="3200400" indent="0">
               <a:buNone/>
-              <a:defRPr sz="1600">
+              <a:defRPr sz="1400">
                 <a:solidFill>
                   <a:schemeClr val="tx1">
-                    <a:tint val="82000"/>
+                    <a:tint val="75000"/>
                   </a:schemeClr>
                 </a:solidFill>
               </a:defRPr>
             </a:lvl8pPr>
             <a:lvl9pPr marL="3657600" indent="0">
               <a:buNone/>
-              <a:defRPr sz="1600">
+              <a:defRPr sz="1400">
                 <a:solidFill>
                   <a:schemeClr val="tx1">
-                    <a:tint val="82000"/>
+                    <a:tint val="75000"/>
                   </a:schemeClr>
                 </a:solidFill>
               </a:defRPr>
@@ -1120,13 +3209,7 @@
       </p:sp>
       <p:sp>
         <p:nvSpPr>
-          <p:cNvPr id="4" name="Pladsholder til dato 3">
-            <a:extLst>
-              <a:ext uri="{FF2B5EF4-FFF2-40B4-BE49-F238E27FC236}">
-                <a16:creationId xmlns:a16="http://schemas.microsoft.com/office/drawing/2014/main" id="{427B452F-C300-36A0-C65C-A728B05E2FA6}"/>
-              </a:ext>
-            </a:extLst>
-          </p:cNvPr>
+          <p:cNvPr id="4" name="Date Placeholder 3"/>
           <p:cNvSpPr>
             <a:spLocks noGrp="1"/>
           </p:cNvSpPr>
@@ -1149,13 +3232,7 @@
       </p:sp>
       <p:sp>
         <p:nvSpPr>
-          <p:cNvPr id="5" name="Pladsholder til sidefod 4">
-            <a:extLst>
-              <a:ext uri="{FF2B5EF4-FFF2-40B4-BE49-F238E27FC236}">
-                <a16:creationId xmlns:a16="http://schemas.microsoft.com/office/drawing/2014/main" id="{5A6793AB-3CDD-19B5-C450-2E5E79ED39F6}"/>
-              </a:ext>
-            </a:extLst>
-          </p:cNvPr>
+          <p:cNvPr id="5" name="Footer Placeholder 4"/>
           <p:cNvSpPr>
             <a:spLocks noGrp="1"/>
           </p:cNvSpPr>
@@ -1174,13 +3251,7 @@
       </p:sp>
       <p:sp>
         <p:nvSpPr>
-          <p:cNvPr id="6" name="Pladsholder til slidenummer 5">
-            <a:extLst>
-              <a:ext uri="{FF2B5EF4-FFF2-40B4-BE49-F238E27FC236}">
-                <a16:creationId xmlns:a16="http://schemas.microsoft.com/office/drawing/2014/main" id="{6DA0627D-D563-C19F-D717-6D61379CC19B}"/>
-              </a:ext>
-            </a:extLst>
-          </p:cNvPr>
+          <p:cNvPr id="6" name="Slide Number Placeholder 5"/>
           <p:cNvSpPr>
             <a:spLocks noGrp="1"/>
           </p:cNvSpPr>
@@ -1204,7 +3275,7 @@
     </p:spTree>
     <p:extLst>
       <p:ext uri="{BB962C8B-B14F-4D97-AF65-F5344CB8AC3E}">
-        <p14:creationId xmlns:p14="http://schemas.microsoft.com/office/powerpoint/2010/main" val="3040566314"/>
+        <p14:creationId xmlns:p14="http://schemas.microsoft.com/office/powerpoint/2010/main" val="3092724902"/>
       </p:ext>
     </p:extLst>
   </p:cSld>
@@ -1233,13 +3304,7 @@
       </p:grpSpPr>
       <p:sp>
         <p:nvSpPr>
-          <p:cNvPr id="2" name="Titel 1">
-            <a:extLst>
-              <a:ext uri="{FF2B5EF4-FFF2-40B4-BE49-F238E27FC236}">
-                <a16:creationId xmlns:a16="http://schemas.microsoft.com/office/drawing/2014/main" id="{4CB5FB24-EC53-AAB9-C787-90EFB1EB7A39}"/>
-              </a:ext>
-            </a:extLst>
-          </p:cNvPr>
+          <p:cNvPr id="2" name="Title 1"/>
           <p:cNvSpPr>
             <a:spLocks noGrp="1"/>
           </p:cNvSpPr>
@@ -1256,18 +3321,13 @@
               <a:rPr lang="da-DK"/>
               <a:t>Klik for at redigere titeltypografien i masteren</a:t>
             </a:r>
-          </a:p>
-        </p:txBody>
-      </p:sp>
-      <p:sp>
-        <p:nvSpPr>
-          <p:cNvPr id="3" name="Pladsholder til indhold 2">
-            <a:extLst>
-              <a:ext uri="{FF2B5EF4-FFF2-40B4-BE49-F238E27FC236}">
-                <a16:creationId xmlns:a16="http://schemas.microsoft.com/office/drawing/2014/main" id="{256236F0-3941-DDF7-4462-ED0F87EE5E47}"/>
-              </a:ext>
-            </a:extLst>
-          </p:cNvPr>
+            <a:endParaRPr lang="en-US" dirty="0"/>
+          </a:p>
+        </p:txBody>
+      </p:sp>
+      <p:sp>
+        <p:nvSpPr>
+          <p:cNvPr id="3" name="Content Placeholder 2"/>
           <p:cNvSpPr>
             <a:spLocks noGrp="1"/>
           </p:cNvSpPr>
@@ -1277,13 +3337,43 @@
         </p:nvSpPr>
         <p:spPr>
           <a:xfrm>
-            <a:off x="838200" y="1825625"/>
-            <a:ext cx="5181600" cy="4351338"/>
+            <a:off x="1141412" y="2666999"/>
+            <a:ext cx="4876800" cy="3124201"/>
           </a:xfrm>
         </p:spPr>
         <p:txBody>
-          <a:bodyPr/>
-          <a:lstStyle/>
+          <a:bodyPr>
+            <a:normAutofit/>
+          </a:bodyPr>
+          <a:lstStyle>
+            <a:lvl1pPr>
+              <a:defRPr sz="1800"/>
+            </a:lvl1pPr>
+            <a:lvl2pPr>
+              <a:defRPr sz="1600"/>
+            </a:lvl2pPr>
+            <a:lvl3pPr>
+              <a:defRPr sz="1400"/>
+            </a:lvl3pPr>
+            <a:lvl4pPr>
+              <a:defRPr sz="1200"/>
+            </a:lvl4pPr>
+            <a:lvl5pPr>
+              <a:defRPr sz="1200"/>
+            </a:lvl5pPr>
+            <a:lvl6pPr>
+              <a:defRPr sz="1200"/>
+            </a:lvl6pPr>
+            <a:lvl7pPr>
+              <a:defRPr sz="1200"/>
+            </a:lvl7pPr>
+            <a:lvl8pPr>
+              <a:defRPr sz="1200"/>
+            </a:lvl8pPr>
+            <a:lvl9pPr>
+              <a:defRPr sz="1200"/>
+            </a:lvl9pPr>
+          </a:lstStyle>
           <a:p>
             <a:pPr lvl="0"/>
             <a:r>
@@ -1318,18 +3408,13 @@
               <a:rPr lang="da-DK"/>
               <a:t>Femte niveau</a:t>
             </a:r>
-          </a:p>
-        </p:txBody>
-      </p:sp>
-      <p:sp>
-        <p:nvSpPr>
-          <p:cNvPr id="4" name="Pladsholder til indhold 3">
-            <a:extLst>
-              <a:ext uri="{FF2B5EF4-FFF2-40B4-BE49-F238E27FC236}">
-                <a16:creationId xmlns:a16="http://schemas.microsoft.com/office/drawing/2014/main" id="{C828DDF4-D8FE-9621-531C-DB8D64E3B918}"/>
-              </a:ext>
-            </a:extLst>
-          </p:cNvPr>
+            <a:endParaRPr lang="en-US" dirty="0"/>
+          </a:p>
+        </p:txBody>
+      </p:sp>
+      <p:sp>
+        <p:nvSpPr>
+          <p:cNvPr id="4" name="Content Placeholder 3"/>
           <p:cNvSpPr>
             <a:spLocks noGrp="1"/>
           </p:cNvSpPr>
@@ -1339,13 +3424,43 @@
         </p:nvSpPr>
         <p:spPr>
           <a:xfrm>
-            <a:off x="6172200" y="1825625"/>
-            <a:ext cx="5181600" cy="4351338"/>
+            <a:off x="6170612" y="2667000"/>
+            <a:ext cx="4876800" cy="3124200"/>
           </a:xfrm>
         </p:spPr>
         <p:txBody>
-          <a:bodyPr/>
-          <a:lstStyle/>
+          <a:bodyPr>
+            <a:normAutofit/>
+          </a:bodyPr>
+          <a:lstStyle>
+            <a:lvl1pPr>
+              <a:defRPr sz="1800"/>
+            </a:lvl1pPr>
+            <a:lvl2pPr>
+              <a:defRPr sz="1600"/>
+            </a:lvl2pPr>
+            <a:lvl3pPr>
+              <a:defRPr sz="1400"/>
+            </a:lvl3pPr>
+            <a:lvl4pPr>
+              <a:defRPr sz="1200"/>
+            </a:lvl4pPr>
+            <a:lvl5pPr>
+              <a:defRPr sz="1200"/>
+            </a:lvl5pPr>
+            <a:lvl6pPr>
+              <a:defRPr sz="1200"/>
+            </a:lvl6pPr>
+            <a:lvl7pPr>
+              <a:defRPr sz="1200"/>
+            </a:lvl7pPr>
+            <a:lvl8pPr>
+              <a:defRPr sz="1200"/>
+            </a:lvl8pPr>
+            <a:lvl9pPr>
+              <a:defRPr sz="1200"/>
+            </a:lvl9pPr>
+          </a:lstStyle>
           <a:p>
             <a:pPr lvl="0"/>
             <a:r>
@@ -1380,18 +3495,13 @@
               <a:rPr lang="da-DK"/>
               <a:t>Femte niveau</a:t>
             </a:r>
-          </a:p>
-        </p:txBody>
-      </p:sp>
-      <p:sp>
-        <p:nvSpPr>
-          <p:cNvPr id="5" name="Pladsholder til dato 4">
-            <a:extLst>
-              <a:ext uri="{FF2B5EF4-FFF2-40B4-BE49-F238E27FC236}">
-                <a16:creationId xmlns:a16="http://schemas.microsoft.com/office/drawing/2014/main" id="{D7506EA3-EDA8-E9EB-E3BD-384077147480}"/>
-              </a:ext>
-            </a:extLst>
-          </p:cNvPr>
+            <a:endParaRPr lang="en-US" dirty="0"/>
+          </a:p>
+        </p:txBody>
+      </p:sp>
+      <p:sp>
+        <p:nvSpPr>
+          <p:cNvPr id="5" name="Date Placeholder 4"/>
           <p:cNvSpPr>
             <a:spLocks noGrp="1"/>
           </p:cNvSpPr>
@@ -1414,13 +3524,7 @@
       </p:sp>
       <p:sp>
         <p:nvSpPr>
-          <p:cNvPr id="6" name="Pladsholder til sidefod 5">
-            <a:extLst>
-              <a:ext uri="{FF2B5EF4-FFF2-40B4-BE49-F238E27FC236}">
-                <a16:creationId xmlns:a16="http://schemas.microsoft.com/office/drawing/2014/main" id="{F585F9EB-B525-48DD-FCC0-4A8CFF358542}"/>
-              </a:ext>
-            </a:extLst>
-          </p:cNvPr>
+          <p:cNvPr id="6" name="Footer Placeholder 5"/>
           <p:cNvSpPr>
             <a:spLocks noGrp="1"/>
           </p:cNvSpPr>
@@ -1439,13 +3543,7 @@
       </p:sp>
       <p:sp>
         <p:nvSpPr>
-          <p:cNvPr id="7" name="Pladsholder til slidenummer 6">
-            <a:extLst>
-              <a:ext uri="{FF2B5EF4-FFF2-40B4-BE49-F238E27FC236}">
-                <a16:creationId xmlns:a16="http://schemas.microsoft.com/office/drawing/2014/main" id="{B6CD0E17-0BA7-4D6D-06EC-61DE5C8ECE69}"/>
-              </a:ext>
-            </a:extLst>
-          </p:cNvPr>
+          <p:cNvPr id="7" name="Slide Number Placeholder 6"/>
           <p:cNvSpPr>
             <a:spLocks noGrp="1"/>
           </p:cNvSpPr>
@@ -1469,7 +3567,7 @@
     </p:spTree>
     <p:extLst>
       <p:ext uri="{BB962C8B-B14F-4D97-AF65-F5344CB8AC3E}">
-        <p14:creationId xmlns:p14="http://schemas.microsoft.com/office/powerpoint/2010/main" val="175571752"/>
+        <p14:creationId xmlns:p14="http://schemas.microsoft.com/office/powerpoint/2010/main" val="1894905751"/>
       </p:ext>
     </p:extLst>
   </p:cSld>
@@ -1498,65 +3596,55 @@
       </p:grpSpPr>
       <p:sp>
         <p:nvSpPr>
-          <p:cNvPr id="2" name="Titel 1">
-            <a:extLst>
-              <a:ext uri="{FF2B5EF4-FFF2-40B4-BE49-F238E27FC236}">
-                <a16:creationId xmlns:a16="http://schemas.microsoft.com/office/drawing/2014/main" id="{C38E0D4B-6428-4991-F8B2-9132BD8B79B9}"/>
-              </a:ext>
-            </a:extLst>
-          </p:cNvPr>
+          <p:cNvPr id="2" name="Title 1"/>
           <p:cNvSpPr>
             <a:spLocks noGrp="1"/>
           </p:cNvSpPr>
           <p:nvPr>
             <p:ph type="title"/>
+          </p:nvPr>
+        </p:nvSpPr>
+        <p:spPr/>
+        <p:txBody>
+          <a:bodyPr/>
+          <a:lstStyle>
+            <a:lvl1pPr>
+              <a:defRPr/>
+            </a:lvl1pPr>
+          </a:lstStyle>
+          <a:p>
+            <a:r>
+              <a:rPr lang="da-DK"/>
+              <a:t>Klik for at redigere titeltypografien i masteren</a:t>
+            </a:r>
+            <a:endParaRPr lang="en-US" dirty="0"/>
+          </a:p>
+        </p:txBody>
+      </p:sp>
+      <p:sp>
+        <p:nvSpPr>
+          <p:cNvPr id="3" name="Text Placeholder 2"/>
+          <p:cNvSpPr>
+            <a:spLocks noGrp="1"/>
+          </p:cNvSpPr>
+          <p:nvPr>
+            <p:ph type="body" idx="1"/>
           </p:nvPr>
         </p:nvSpPr>
         <p:spPr>
           <a:xfrm>
-            <a:off x="839788" y="365125"/>
-            <a:ext cx="10515600" cy="1325563"/>
+            <a:off x="1429280" y="2658533"/>
+            <a:ext cx="4588931" cy="576262"/>
           </a:xfrm>
         </p:spPr>
         <p:txBody>
-          <a:bodyPr/>
-          <a:lstStyle/>
-          <a:p>
-            <a:r>
-              <a:rPr lang="da-DK"/>
-              <a:t>Klik for at redigere titeltypografien i masteren</a:t>
-            </a:r>
-          </a:p>
-        </p:txBody>
-      </p:sp>
-      <p:sp>
-        <p:nvSpPr>
-          <p:cNvPr id="3" name="Pladsholder til tekst 2">
-            <a:extLst>
-              <a:ext uri="{FF2B5EF4-FFF2-40B4-BE49-F238E27FC236}">
-                <a16:creationId xmlns:a16="http://schemas.microsoft.com/office/drawing/2014/main" id="{E5458085-E1FC-D10E-B724-F9929F5953D1}"/>
-              </a:ext>
-            </a:extLst>
-          </p:cNvPr>
-          <p:cNvSpPr>
-            <a:spLocks noGrp="1"/>
-          </p:cNvSpPr>
-          <p:nvPr>
-            <p:ph type="body" idx="1"/>
-          </p:nvPr>
-        </p:nvSpPr>
-        <p:spPr>
-          <a:xfrm>
-            <a:off x="839788" y="1681163"/>
-            <a:ext cx="5157787" cy="823912"/>
-          </a:xfrm>
-        </p:spPr>
-        <p:txBody>
-          <a:bodyPr anchor="b"/>
+          <a:bodyPr anchor="b">
+            <a:noAutofit/>
+          </a:bodyPr>
           <a:lstStyle>
             <a:lvl1pPr marL="0" indent="0">
               <a:buNone/>
-              <a:defRPr sz="2400" b="1"/>
+              <a:defRPr sz="2800" b="0"/>
             </a:lvl1pPr>
             <a:lvl2pPr marL="457200" indent="0">
               <a:buNone/>
@@ -1602,13 +3690,7 @@
       </p:sp>
       <p:sp>
         <p:nvSpPr>
-          <p:cNvPr id="4" name="Pladsholder til indhold 3">
-            <a:extLst>
-              <a:ext uri="{FF2B5EF4-FFF2-40B4-BE49-F238E27FC236}">
-                <a16:creationId xmlns:a16="http://schemas.microsoft.com/office/drawing/2014/main" id="{E79AA730-F29C-D266-B869-49338F8A261B}"/>
-              </a:ext>
-            </a:extLst>
-          </p:cNvPr>
+          <p:cNvPr id="4" name="Content Placeholder 3"/>
           <p:cNvSpPr>
             <a:spLocks noGrp="1"/>
           </p:cNvSpPr>
@@ -1618,13 +3700,43 @@
         </p:nvSpPr>
         <p:spPr>
           <a:xfrm>
-            <a:off x="839788" y="2505075"/>
-            <a:ext cx="5157787" cy="3684588"/>
+            <a:off x="1141412" y="3243262"/>
+            <a:ext cx="4876800" cy="2547937"/>
           </a:xfrm>
         </p:spPr>
         <p:txBody>
-          <a:bodyPr/>
-          <a:lstStyle/>
+          <a:bodyPr anchor="t">
+            <a:normAutofit/>
+          </a:bodyPr>
+          <a:lstStyle>
+            <a:lvl1pPr>
+              <a:defRPr sz="1800"/>
+            </a:lvl1pPr>
+            <a:lvl2pPr>
+              <a:defRPr sz="1600"/>
+            </a:lvl2pPr>
+            <a:lvl3pPr>
+              <a:defRPr sz="1400"/>
+            </a:lvl3pPr>
+            <a:lvl4pPr>
+              <a:defRPr sz="1200"/>
+            </a:lvl4pPr>
+            <a:lvl5pPr>
+              <a:defRPr sz="1200"/>
+            </a:lvl5pPr>
+            <a:lvl6pPr>
+              <a:defRPr sz="1200"/>
+            </a:lvl6pPr>
+            <a:lvl7pPr>
+              <a:defRPr sz="1200"/>
+            </a:lvl7pPr>
+            <a:lvl8pPr>
+              <a:defRPr sz="1200"/>
+            </a:lvl8pPr>
+            <a:lvl9pPr>
+              <a:defRPr sz="1200"/>
+            </a:lvl9pPr>
+          </a:lstStyle>
           <a:p>
             <a:pPr lvl="0"/>
             <a:r>
@@ -1659,18 +3771,13 @@
               <a:rPr lang="da-DK"/>
               <a:t>Femte niveau</a:t>
             </a:r>
-          </a:p>
-        </p:txBody>
-      </p:sp>
-      <p:sp>
-        <p:nvSpPr>
-          <p:cNvPr id="5" name="Pladsholder til tekst 4">
-            <a:extLst>
-              <a:ext uri="{FF2B5EF4-FFF2-40B4-BE49-F238E27FC236}">
-                <a16:creationId xmlns:a16="http://schemas.microsoft.com/office/drawing/2014/main" id="{7A0C7E80-7EAB-23B6-34DE-548236E53121}"/>
-              </a:ext>
-            </a:extLst>
-          </p:cNvPr>
+            <a:endParaRPr lang="en-US" dirty="0"/>
+          </a:p>
+        </p:txBody>
+      </p:sp>
+      <p:sp>
+        <p:nvSpPr>
+          <p:cNvPr id="5" name="Text Placeholder 4"/>
           <p:cNvSpPr>
             <a:spLocks noGrp="1"/>
           </p:cNvSpPr>
@@ -1680,16 +3787,18 @@
         </p:nvSpPr>
         <p:spPr>
           <a:xfrm>
-            <a:off x="6172200" y="1681163"/>
-            <a:ext cx="5183188" cy="823912"/>
+            <a:off x="6443133" y="2667000"/>
+            <a:ext cx="4604280" cy="576262"/>
           </a:xfrm>
         </p:spPr>
         <p:txBody>
-          <a:bodyPr anchor="b"/>
+          <a:bodyPr anchor="b">
+            <a:noAutofit/>
+          </a:bodyPr>
           <a:lstStyle>
             <a:lvl1pPr marL="0" indent="0">
               <a:buNone/>
-              <a:defRPr sz="2400" b="1"/>
+              <a:defRPr sz="2800" b="0"/>
             </a:lvl1pPr>
             <a:lvl2pPr marL="457200" indent="0">
               <a:buNone/>
@@ -1735,13 +3844,7 @@
       </p:sp>
       <p:sp>
         <p:nvSpPr>
-          <p:cNvPr id="6" name="Pladsholder til indhold 5">
-            <a:extLst>
-              <a:ext uri="{FF2B5EF4-FFF2-40B4-BE49-F238E27FC236}">
-                <a16:creationId xmlns:a16="http://schemas.microsoft.com/office/drawing/2014/main" id="{1E442268-39CE-5CB4-33F7-296DAF3FEB79}"/>
-              </a:ext>
-            </a:extLst>
-          </p:cNvPr>
+          <p:cNvPr id="6" name="Content Placeholder 5"/>
           <p:cNvSpPr>
             <a:spLocks noGrp="1"/>
           </p:cNvSpPr>
@@ -1751,13 +3854,43 @@
         </p:nvSpPr>
         <p:spPr>
           <a:xfrm>
-            <a:off x="6172200" y="2505075"/>
-            <a:ext cx="5183188" cy="3684588"/>
+            <a:off x="6170612" y="3243262"/>
+            <a:ext cx="4876801" cy="2547937"/>
           </a:xfrm>
         </p:spPr>
         <p:txBody>
-          <a:bodyPr/>
-          <a:lstStyle/>
+          <a:bodyPr anchor="t">
+            <a:normAutofit/>
+          </a:bodyPr>
+          <a:lstStyle>
+            <a:lvl1pPr>
+              <a:defRPr sz="1800"/>
+            </a:lvl1pPr>
+            <a:lvl2pPr>
+              <a:defRPr sz="1600"/>
+            </a:lvl2pPr>
+            <a:lvl3pPr>
+              <a:defRPr sz="1400"/>
+            </a:lvl3pPr>
+            <a:lvl4pPr>
+              <a:defRPr sz="1200"/>
+            </a:lvl4pPr>
+            <a:lvl5pPr>
+              <a:defRPr sz="1200"/>
+            </a:lvl5pPr>
+            <a:lvl6pPr>
+              <a:defRPr sz="1200"/>
+            </a:lvl6pPr>
+            <a:lvl7pPr>
+              <a:defRPr sz="1200"/>
+            </a:lvl7pPr>
+            <a:lvl8pPr>
+              <a:defRPr sz="1200"/>
+            </a:lvl8pPr>
+            <a:lvl9pPr>
+              <a:defRPr sz="1200"/>
+            </a:lvl9pPr>
+          </a:lstStyle>
           <a:p>
             <a:pPr lvl="0"/>
             <a:r>
@@ -1792,18 +3925,13 @@
               <a:rPr lang="da-DK"/>
               <a:t>Femte niveau</a:t>
             </a:r>
-          </a:p>
-        </p:txBody>
-      </p:sp>
-      <p:sp>
-        <p:nvSpPr>
-          <p:cNvPr id="7" name="Pladsholder til dato 6">
-            <a:extLst>
-              <a:ext uri="{FF2B5EF4-FFF2-40B4-BE49-F238E27FC236}">
-                <a16:creationId xmlns:a16="http://schemas.microsoft.com/office/drawing/2014/main" id="{170496AE-27F4-C6B1-66F9-158DF4EAD202}"/>
-              </a:ext>
-            </a:extLst>
-          </p:cNvPr>
+            <a:endParaRPr lang="en-US" dirty="0"/>
+          </a:p>
+        </p:txBody>
+      </p:sp>
+      <p:sp>
+        <p:nvSpPr>
+          <p:cNvPr id="7" name="Date Placeholder 6"/>
           <p:cNvSpPr>
             <a:spLocks noGrp="1"/>
           </p:cNvSpPr>
@@ -1826,13 +3954,7 @@
       </p:sp>
       <p:sp>
         <p:nvSpPr>
-          <p:cNvPr id="8" name="Pladsholder til sidefod 7">
-            <a:extLst>
-              <a:ext uri="{FF2B5EF4-FFF2-40B4-BE49-F238E27FC236}">
-                <a16:creationId xmlns:a16="http://schemas.microsoft.com/office/drawing/2014/main" id="{642D22DD-40EC-ABE6-DD8F-2A9EE8DCFE57}"/>
-              </a:ext>
-            </a:extLst>
-          </p:cNvPr>
+          <p:cNvPr id="8" name="Footer Placeholder 7"/>
           <p:cNvSpPr>
             <a:spLocks noGrp="1"/>
           </p:cNvSpPr>
@@ -1851,13 +3973,7 @@
       </p:sp>
       <p:sp>
         <p:nvSpPr>
-          <p:cNvPr id="9" name="Pladsholder til slidenummer 8">
-            <a:extLst>
-              <a:ext uri="{FF2B5EF4-FFF2-40B4-BE49-F238E27FC236}">
-                <a16:creationId xmlns:a16="http://schemas.microsoft.com/office/drawing/2014/main" id="{98AC6B85-B933-1B42-A1D9-EC373732542E}"/>
-              </a:ext>
-            </a:extLst>
-          </p:cNvPr>
+          <p:cNvPr id="9" name="Slide Number Placeholder 8"/>
           <p:cNvSpPr>
             <a:spLocks noGrp="1"/>
           </p:cNvSpPr>
@@ -1881,7 +3997,7 @@
     </p:spTree>
     <p:extLst>
       <p:ext uri="{BB962C8B-B14F-4D97-AF65-F5344CB8AC3E}">
-        <p14:creationId xmlns:p14="http://schemas.microsoft.com/office/powerpoint/2010/main" val="3153934627"/>
+        <p14:creationId xmlns:p14="http://schemas.microsoft.com/office/powerpoint/2010/main" val="2516842640"/>
       </p:ext>
     </p:extLst>
   </p:cSld>
@@ -1910,13 +4026,7 @@
       </p:grpSpPr>
       <p:sp>
         <p:nvSpPr>
-          <p:cNvPr id="2" name="Titel 1">
-            <a:extLst>
-              <a:ext uri="{FF2B5EF4-FFF2-40B4-BE49-F238E27FC236}">
-                <a16:creationId xmlns:a16="http://schemas.microsoft.com/office/drawing/2014/main" id="{DE40475F-A24C-21CF-B863-95E192ABC94E}"/>
-              </a:ext>
-            </a:extLst>
-          </p:cNvPr>
+          <p:cNvPr id="2" name="Title 1"/>
           <p:cNvSpPr>
             <a:spLocks noGrp="1"/>
           </p:cNvSpPr>
@@ -1933,18 +4043,13 @@
               <a:rPr lang="da-DK"/>
               <a:t>Klik for at redigere titeltypografien i masteren</a:t>
             </a:r>
-          </a:p>
-        </p:txBody>
-      </p:sp>
-      <p:sp>
-        <p:nvSpPr>
-          <p:cNvPr id="3" name="Pladsholder til dato 2">
-            <a:extLst>
-              <a:ext uri="{FF2B5EF4-FFF2-40B4-BE49-F238E27FC236}">
-                <a16:creationId xmlns:a16="http://schemas.microsoft.com/office/drawing/2014/main" id="{7D52888E-A564-9C9C-CA17-1286D46BBCCD}"/>
-              </a:ext>
-            </a:extLst>
-          </p:cNvPr>
+            <a:endParaRPr lang="en-US" dirty="0"/>
+          </a:p>
+        </p:txBody>
+      </p:sp>
+      <p:sp>
+        <p:nvSpPr>
+          <p:cNvPr id="3" name="Date Placeholder 2"/>
           <p:cNvSpPr>
             <a:spLocks noGrp="1"/>
           </p:cNvSpPr>
@@ -1967,13 +4072,7 @@
       </p:sp>
       <p:sp>
         <p:nvSpPr>
-          <p:cNvPr id="4" name="Pladsholder til sidefod 3">
-            <a:extLst>
-              <a:ext uri="{FF2B5EF4-FFF2-40B4-BE49-F238E27FC236}">
-                <a16:creationId xmlns:a16="http://schemas.microsoft.com/office/drawing/2014/main" id="{8881E61B-CA2C-1E91-3CF9-8497C960655E}"/>
-              </a:ext>
-            </a:extLst>
-          </p:cNvPr>
+          <p:cNvPr id="4" name="Footer Placeholder 3"/>
           <p:cNvSpPr>
             <a:spLocks noGrp="1"/>
           </p:cNvSpPr>
@@ -1992,13 +4091,7 @@
       </p:sp>
       <p:sp>
         <p:nvSpPr>
-          <p:cNvPr id="5" name="Pladsholder til slidenummer 4">
-            <a:extLst>
-              <a:ext uri="{FF2B5EF4-FFF2-40B4-BE49-F238E27FC236}">
-                <a16:creationId xmlns:a16="http://schemas.microsoft.com/office/drawing/2014/main" id="{E4C3740F-F7B5-EAD4-5E89-06C5C953DC01}"/>
-              </a:ext>
-            </a:extLst>
-          </p:cNvPr>
+          <p:cNvPr id="5" name="Slide Number Placeholder 4"/>
           <p:cNvSpPr>
             <a:spLocks noGrp="1"/>
           </p:cNvSpPr>
@@ -2022,7 +4115,7 @@
     </p:spTree>
     <p:extLst>
       <p:ext uri="{BB962C8B-B14F-4D97-AF65-F5344CB8AC3E}">
-        <p14:creationId xmlns:p14="http://schemas.microsoft.com/office/powerpoint/2010/main" val="2170678970"/>
+        <p14:creationId xmlns:p14="http://schemas.microsoft.com/office/powerpoint/2010/main" val="355112325"/>
       </p:ext>
     </p:extLst>
   </p:cSld>
@@ -2051,13 +4144,7 @@
       </p:grpSpPr>
       <p:sp>
         <p:nvSpPr>
-          <p:cNvPr id="2" name="Pladsholder til dato 1">
-            <a:extLst>
-              <a:ext uri="{FF2B5EF4-FFF2-40B4-BE49-F238E27FC236}">
-                <a16:creationId xmlns:a16="http://schemas.microsoft.com/office/drawing/2014/main" id="{C900BF7D-2370-40B8-BB4F-E718994C76F6}"/>
-              </a:ext>
-            </a:extLst>
-          </p:cNvPr>
+          <p:cNvPr id="2" name="Date Placeholder 1"/>
           <p:cNvSpPr>
             <a:spLocks noGrp="1"/>
           </p:cNvSpPr>
@@ -2080,13 +4167,7 @@
       </p:sp>
       <p:sp>
         <p:nvSpPr>
-          <p:cNvPr id="3" name="Pladsholder til sidefod 2">
-            <a:extLst>
-              <a:ext uri="{FF2B5EF4-FFF2-40B4-BE49-F238E27FC236}">
-                <a16:creationId xmlns:a16="http://schemas.microsoft.com/office/drawing/2014/main" id="{0E7C22AE-D130-2B99-6647-039A7A076CAD}"/>
-              </a:ext>
-            </a:extLst>
-          </p:cNvPr>
+          <p:cNvPr id="3" name="Footer Placeholder 2"/>
           <p:cNvSpPr>
             <a:spLocks noGrp="1"/>
           </p:cNvSpPr>
@@ -2105,13 +4186,7 @@
       </p:sp>
       <p:sp>
         <p:nvSpPr>
-          <p:cNvPr id="4" name="Pladsholder til slidenummer 3">
-            <a:extLst>
-              <a:ext uri="{FF2B5EF4-FFF2-40B4-BE49-F238E27FC236}">
-                <a16:creationId xmlns:a16="http://schemas.microsoft.com/office/drawing/2014/main" id="{D1238133-A038-FB39-CE19-F90773BC4F26}"/>
-              </a:ext>
-            </a:extLst>
-          </p:cNvPr>
+          <p:cNvPr id="4" name="Slide Number Placeholder 3"/>
           <p:cNvSpPr>
             <a:spLocks noGrp="1"/>
           </p:cNvSpPr>
@@ -2135,7 +4210,7 @@
     </p:spTree>
     <p:extLst>
       <p:ext uri="{BB962C8B-B14F-4D97-AF65-F5344CB8AC3E}">
-        <p14:creationId xmlns:p14="http://schemas.microsoft.com/office/powerpoint/2010/main" val="1979981571"/>
+        <p14:creationId xmlns:p14="http://schemas.microsoft.com/office/powerpoint/2010/main" val="1910195307"/>
       </p:ext>
     </p:extLst>
   </p:cSld>
@@ -2164,13 +4239,7 @@
       </p:grpSpPr>
       <p:sp>
         <p:nvSpPr>
-          <p:cNvPr id="2" name="Titel 1">
-            <a:extLst>
-              <a:ext uri="{FF2B5EF4-FFF2-40B4-BE49-F238E27FC236}">
-                <a16:creationId xmlns:a16="http://schemas.microsoft.com/office/drawing/2014/main" id="{94D7656F-DC88-90B5-2C48-7E3779033196}"/>
-              </a:ext>
-            </a:extLst>
-          </p:cNvPr>
+          <p:cNvPr id="2" name="Title 1"/>
           <p:cNvSpPr>
             <a:spLocks noGrp="1"/>
           </p:cNvSpPr>
@@ -2180,139 +4249,135 @@
         </p:nvSpPr>
         <p:spPr>
           <a:xfrm>
-            <a:off x="839788" y="457200"/>
-            <a:ext cx="3932237" cy="1600200"/>
+            <a:off x="1141411" y="1600200"/>
+            <a:ext cx="3549121" cy="1371600"/>
           </a:xfrm>
         </p:spPr>
         <p:txBody>
-          <a:bodyPr anchor="b"/>
+          <a:bodyPr anchor="b">
+            <a:normAutofit/>
+          </a:bodyPr>
+          <a:lstStyle>
+            <a:lvl1pPr algn="l">
+              <a:defRPr sz="2400" b="0"/>
+            </a:lvl1pPr>
+          </a:lstStyle>
+          <a:p>
+            <a:r>
+              <a:rPr lang="da-DK"/>
+              <a:t>Klik for at redigere titeltypografien i masteren</a:t>
+            </a:r>
+            <a:endParaRPr lang="en-US" dirty="0"/>
+          </a:p>
+        </p:txBody>
+      </p:sp>
+      <p:sp>
+        <p:nvSpPr>
+          <p:cNvPr id="3" name="Content Placeholder 2"/>
+          <p:cNvSpPr>
+            <a:spLocks noGrp="1"/>
+          </p:cNvSpPr>
+          <p:nvPr>
+            <p:ph idx="1"/>
+          </p:nvPr>
+        </p:nvSpPr>
+        <p:spPr>
+          <a:xfrm>
+            <a:off x="5103812" y="609601"/>
+            <a:ext cx="5943601" cy="5181600"/>
+          </a:xfrm>
+        </p:spPr>
+        <p:txBody>
+          <a:bodyPr anchor="ctr">
+            <a:normAutofit/>
+          </a:bodyPr>
           <a:lstStyle>
             <a:lvl1pPr>
-              <a:defRPr sz="3200"/>
+              <a:defRPr sz="2000"/>
             </a:lvl1pPr>
+            <a:lvl2pPr>
+              <a:defRPr sz="1800"/>
+            </a:lvl2pPr>
+            <a:lvl3pPr>
+              <a:defRPr sz="1600"/>
+            </a:lvl3pPr>
+            <a:lvl4pPr>
+              <a:defRPr sz="1400"/>
+            </a:lvl4pPr>
+            <a:lvl5pPr>
+              <a:defRPr sz="1400"/>
+            </a:lvl5pPr>
+            <a:lvl6pPr>
+              <a:defRPr sz="1400"/>
+            </a:lvl6pPr>
+            <a:lvl7pPr>
+              <a:defRPr sz="1400"/>
+            </a:lvl7pPr>
+            <a:lvl8pPr>
+              <a:defRPr sz="1400"/>
+            </a:lvl8pPr>
+            <a:lvl9pPr>
+              <a:defRPr sz="1400"/>
+            </a:lvl9pPr>
           </a:lstStyle>
           <a:p>
-            <a:r>
-              <a:rPr lang="da-DK"/>
-              <a:t>Klik for at redigere titeltypografien i masteren</a:t>
-            </a:r>
-          </a:p>
-        </p:txBody>
-      </p:sp>
-      <p:sp>
-        <p:nvSpPr>
-          <p:cNvPr id="3" name="Pladsholder til indhold 2">
-            <a:extLst>
-              <a:ext uri="{FF2B5EF4-FFF2-40B4-BE49-F238E27FC236}">
-                <a16:creationId xmlns:a16="http://schemas.microsoft.com/office/drawing/2014/main" id="{DB3E905A-FA8F-0766-C74A-BBCA1C27EC0D}"/>
-              </a:ext>
-            </a:extLst>
-          </p:cNvPr>
-          <p:cNvSpPr>
-            <a:spLocks noGrp="1"/>
-          </p:cNvSpPr>
-          <p:nvPr>
-            <p:ph idx="1"/>
+            <a:pPr lvl="0"/>
+            <a:r>
+              <a:rPr lang="da-DK"/>
+              <a:t>Klik for at redigere teksttypografierne i masteren</a:t>
+            </a:r>
+          </a:p>
+          <a:p>
+            <a:pPr lvl="1"/>
+            <a:r>
+              <a:rPr lang="da-DK"/>
+              <a:t>Andet niveau</a:t>
+            </a:r>
+          </a:p>
+          <a:p>
+            <a:pPr lvl="2"/>
+            <a:r>
+              <a:rPr lang="da-DK"/>
+              <a:t>Tredje niveau</a:t>
+            </a:r>
+          </a:p>
+          <a:p>
+            <a:pPr lvl="3"/>
+            <a:r>
+              <a:rPr lang="da-DK"/>
+              <a:t>Fjerde niveau</a:t>
+            </a:r>
+          </a:p>
+          <a:p>
+            <a:pPr lvl="4"/>
+            <a:r>
+              <a:rPr lang="da-DK"/>
+              <a:t>Femte niveau</a:t>
+            </a:r>
+            <a:endParaRPr lang="en-US" dirty="0"/>
+          </a:p>
+        </p:txBody>
+      </p:sp>
+      <p:sp>
+        <p:nvSpPr>
+          <p:cNvPr id="4" name="Text Placeholder 3"/>
+          <p:cNvSpPr>
+            <a:spLocks noGrp="1"/>
+          </p:cNvSpPr>
+          <p:nvPr>
+            <p:ph type="body" sz="half" idx="2"/>
           </p:nvPr>
         </p:nvSpPr>
         <p:spPr>
           <a:xfrm>
-            <a:off x="5183188" y="987425"/>
-            <a:ext cx="6172200" cy="4873625"/>
+            <a:off x="1141411" y="2971800"/>
+            <a:ext cx="3549121" cy="1828800"/>
           </a:xfrm>
         </p:spPr>
         <p:txBody>
-          <a:bodyPr/>
-          <a:lstStyle>
-            <a:lvl1pPr>
-              <a:defRPr sz="3200"/>
-            </a:lvl1pPr>
-            <a:lvl2pPr>
-              <a:defRPr sz="2800"/>
-            </a:lvl2pPr>
-            <a:lvl3pPr>
-              <a:defRPr sz="2400"/>
-            </a:lvl3pPr>
-            <a:lvl4pPr>
-              <a:defRPr sz="2000"/>
-            </a:lvl4pPr>
-            <a:lvl5pPr>
-              <a:defRPr sz="2000"/>
-            </a:lvl5pPr>
-            <a:lvl6pPr>
-              <a:defRPr sz="2000"/>
-            </a:lvl6pPr>
-            <a:lvl7pPr>
-              <a:defRPr sz="2000"/>
-            </a:lvl7pPr>
-            <a:lvl8pPr>
-              <a:defRPr sz="2000"/>
-            </a:lvl8pPr>
-            <a:lvl9pPr>
-              <a:defRPr sz="2000"/>
-            </a:lvl9pPr>
-          </a:lstStyle>
-          <a:p>
-            <a:pPr lvl="0"/>
-            <a:r>
-              <a:rPr lang="da-DK"/>
-              <a:t>Klik for at redigere teksttypografierne i masteren</a:t>
-            </a:r>
-          </a:p>
-          <a:p>
-            <a:pPr lvl="1"/>
-            <a:r>
-              <a:rPr lang="da-DK"/>
-              <a:t>Andet niveau</a:t>
-            </a:r>
-          </a:p>
-          <a:p>
-            <a:pPr lvl="2"/>
-            <a:r>
-              <a:rPr lang="da-DK"/>
-              <a:t>Tredje niveau</a:t>
-            </a:r>
-          </a:p>
-          <a:p>
-            <a:pPr lvl="3"/>
-            <a:r>
-              <a:rPr lang="da-DK"/>
-              <a:t>Fjerde niveau</a:t>
-            </a:r>
-          </a:p>
-          <a:p>
-            <a:pPr lvl="4"/>
-            <a:r>
-              <a:rPr lang="da-DK"/>
-              <a:t>Femte niveau</a:t>
-            </a:r>
-          </a:p>
-        </p:txBody>
-      </p:sp>
-      <p:sp>
-        <p:nvSpPr>
-          <p:cNvPr id="4" name="Pladsholder til tekst 3">
-            <a:extLst>
-              <a:ext uri="{FF2B5EF4-FFF2-40B4-BE49-F238E27FC236}">
-                <a16:creationId xmlns:a16="http://schemas.microsoft.com/office/drawing/2014/main" id="{138CC971-FFAD-2DBC-165E-59D31F00D65E}"/>
-              </a:ext>
-            </a:extLst>
-          </p:cNvPr>
-          <p:cNvSpPr>
-            <a:spLocks noGrp="1"/>
-          </p:cNvSpPr>
-          <p:nvPr>
-            <p:ph type="body" sz="half" idx="2"/>
-          </p:nvPr>
-        </p:nvSpPr>
-        <p:spPr>
-          <a:xfrm>
-            <a:off x="839788" y="2057400"/>
-            <a:ext cx="3932237" cy="3811588"/>
-          </a:xfrm>
-        </p:spPr>
-        <p:txBody>
-          <a:bodyPr/>
+          <a:bodyPr>
+            <a:normAutofit/>
+          </a:bodyPr>
           <a:lstStyle>
             <a:lvl1pPr marL="0" indent="0">
               <a:buNone/>
@@ -2320,35 +4385,35 @@
             </a:lvl1pPr>
             <a:lvl2pPr marL="457200" indent="0">
               <a:buNone/>
-              <a:defRPr sz="1400"/>
+              <a:defRPr sz="1200"/>
             </a:lvl2pPr>
             <a:lvl3pPr marL="914400" indent="0">
               <a:buNone/>
-              <a:defRPr sz="1200"/>
+              <a:defRPr sz="1000"/>
             </a:lvl3pPr>
             <a:lvl4pPr marL="1371600" indent="0">
               <a:buNone/>
-              <a:defRPr sz="1000"/>
+              <a:defRPr sz="900"/>
             </a:lvl4pPr>
             <a:lvl5pPr marL="1828800" indent="0">
               <a:buNone/>
-              <a:defRPr sz="1000"/>
+              <a:defRPr sz="900"/>
             </a:lvl5pPr>
             <a:lvl6pPr marL="2286000" indent="0">
               <a:buNone/>
-              <a:defRPr sz="1000"/>
+              <a:defRPr sz="900"/>
             </a:lvl6pPr>
             <a:lvl7pPr marL="2743200" indent="0">
               <a:buNone/>
-              <a:defRPr sz="1000"/>
+              <a:defRPr sz="900"/>
             </a:lvl7pPr>
             <a:lvl8pPr marL="3200400" indent="0">
               <a:buNone/>
-              <a:defRPr sz="1000"/>
+              <a:defRPr sz="900"/>
             </a:lvl8pPr>
             <a:lvl9pPr marL="3657600" indent="0">
               <a:buNone/>
-              <a:defRPr sz="1000"/>
+              <a:defRPr sz="900"/>
             </a:lvl9pPr>
           </a:lstStyle>
           <a:p>
@@ -2362,13 +4427,7 @@
       </p:sp>
       <p:sp>
         <p:nvSpPr>
-          <p:cNvPr id="5" name="Pladsholder til dato 4">
-            <a:extLst>
-              <a:ext uri="{FF2B5EF4-FFF2-40B4-BE49-F238E27FC236}">
-                <a16:creationId xmlns:a16="http://schemas.microsoft.com/office/drawing/2014/main" id="{1577B536-168F-A914-8A6C-5E496F04C121}"/>
-              </a:ext>
-            </a:extLst>
-          </p:cNvPr>
+          <p:cNvPr id="5" name="Date Placeholder 4"/>
           <p:cNvSpPr>
             <a:spLocks noGrp="1"/>
           </p:cNvSpPr>
@@ -2391,13 +4450,7 @@
       </p:sp>
       <p:sp>
         <p:nvSpPr>
-          <p:cNvPr id="6" name="Pladsholder til sidefod 5">
-            <a:extLst>
-              <a:ext uri="{FF2B5EF4-FFF2-40B4-BE49-F238E27FC236}">
-                <a16:creationId xmlns:a16="http://schemas.microsoft.com/office/drawing/2014/main" id="{8A9045F1-3938-C4C5-ABA4-7121038F98AF}"/>
-              </a:ext>
-            </a:extLst>
-          </p:cNvPr>
+          <p:cNvPr id="6" name="Footer Placeholder 5"/>
           <p:cNvSpPr>
             <a:spLocks noGrp="1"/>
           </p:cNvSpPr>
@@ -2416,13 +4469,7 @@
       </p:sp>
       <p:sp>
         <p:nvSpPr>
-          <p:cNvPr id="7" name="Pladsholder til slidenummer 6">
-            <a:extLst>
-              <a:ext uri="{FF2B5EF4-FFF2-40B4-BE49-F238E27FC236}">
-                <a16:creationId xmlns:a16="http://schemas.microsoft.com/office/drawing/2014/main" id="{5848AF10-A9CE-5C23-98B4-A59B1B50BC30}"/>
-              </a:ext>
-            </a:extLst>
-          </p:cNvPr>
+          <p:cNvPr id="7" name="Slide Number Placeholder 6"/>
           <p:cNvSpPr>
             <a:spLocks noGrp="1"/>
           </p:cNvSpPr>
@@ -2446,7 +4493,7 @@
     </p:spTree>
     <p:extLst>
       <p:ext uri="{BB962C8B-B14F-4D97-AF65-F5344CB8AC3E}">
-        <p14:creationId xmlns:p14="http://schemas.microsoft.com/office/powerpoint/2010/main" val="2321858278"/>
+        <p14:creationId xmlns:p14="http://schemas.microsoft.com/office/powerpoint/2010/main" val="810754102"/>
       </p:ext>
     </p:extLst>
   </p:cSld>
@@ -2475,13 +4522,7 @@
       </p:grpSpPr>
       <p:sp>
         <p:nvSpPr>
-          <p:cNvPr id="2" name="Titel 1">
-            <a:extLst>
-              <a:ext uri="{FF2B5EF4-FFF2-40B4-BE49-F238E27FC236}">
-                <a16:creationId xmlns:a16="http://schemas.microsoft.com/office/drawing/2014/main" id="{3DBDDF03-253C-3E06-B43D-8BF06E221129}"/>
-              </a:ext>
-            </a:extLst>
-          </p:cNvPr>
+          <p:cNvPr id="2" name="Title 1"/>
           <p:cNvSpPr>
             <a:spLocks noGrp="1"/>
           </p:cNvSpPr>
@@ -2491,15 +4532,17 @@
         </p:nvSpPr>
         <p:spPr>
           <a:xfrm>
-            <a:off x="839788" y="457200"/>
-            <a:ext cx="3932237" cy="1600200"/>
+            <a:off x="1141411" y="1600200"/>
+            <a:ext cx="5334001" cy="1371600"/>
           </a:xfrm>
         </p:spPr>
         <p:txBody>
-          <a:bodyPr anchor="b"/>
+          <a:bodyPr anchor="b">
+            <a:normAutofit/>
+          </a:bodyPr>
           <a:lstStyle>
-            <a:lvl1pPr>
-              <a:defRPr sz="3200"/>
+            <a:lvl1pPr algn="l">
+              <a:defRPr sz="2800" b="0"/>
             </a:lvl1pPr>
           </a:lstStyle>
           <a:p>
@@ -2507,20 +4550,15 @@
               <a:rPr lang="da-DK"/>
               <a:t>Klik for at redigere titeltypografien i masteren</a:t>
             </a:r>
-          </a:p>
-        </p:txBody>
-      </p:sp>
-      <p:sp>
-        <p:nvSpPr>
-          <p:cNvPr id="3" name="Pladsholder til billede 2">
-            <a:extLst>
-              <a:ext uri="{FF2B5EF4-FFF2-40B4-BE49-F238E27FC236}">
-                <a16:creationId xmlns:a16="http://schemas.microsoft.com/office/drawing/2014/main" id="{D03D9AE2-2FC6-15F7-2343-D3B656A9F72B}"/>
-              </a:ext>
-            </a:extLst>
-          </p:cNvPr>
-          <p:cNvSpPr>
-            <a:spLocks noGrp="1"/>
+            <a:endParaRPr lang="en-US" dirty="0"/>
+          </a:p>
+        </p:txBody>
+      </p:sp>
+      <p:sp>
+        <p:nvSpPr>
+          <p:cNvPr id="14" name="Picture Placeholder 2"/>
+          <p:cNvSpPr>
+            <a:spLocks noGrp="1" noChangeAspect="1"/>
           </p:cNvSpPr>
           <p:nvPr>
             <p:ph type="pic" idx="1"/>
@@ -2528,118 +4566,143 @@
         </p:nvSpPr>
         <p:spPr>
           <a:xfrm>
-            <a:off x="5183188" y="987425"/>
-            <a:ext cx="6172200" cy="4873625"/>
+            <a:off x="7433733" y="-18288"/>
+            <a:ext cx="3276599" cy="6903720"/>
           </a:xfrm>
+          <a:ln w="38100">
+            <a:gradFill flip="none" rotWithShape="1">
+              <a:gsLst>
+                <a:gs pos="0">
+                  <a:schemeClr val="bg2"/>
+                </a:gs>
+                <a:gs pos="100000">
+                  <a:schemeClr val="bg2">
+                    <a:lumMod val="75000"/>
+                  </a:schemeClr>
+                </a:gs>
+              </a:gsLst>
+              <a:lin ang="5400000" scaled="0"/>
+              <a:tileRect/>
+            </a:gradFill>
+          </a:ln>
+          <a:effectLst>
+            <a:innerShdw blurRad="57150" dist="38100" dir="10800000">
+              <a:srgbClr val="000000">
+                <a:alpha val="70000"/>
+              </a:srgbClr>
+            </a:innerShdw>
+          </a:effectLst>
         </p:spPr>
         <p:txBody>
-          <a:bodyPr/>
+          <a:bodyPr anchor="t">
+            <a:normAutofit/>
+          </a:bodyPr>
           <a:lstStyle>
-            <a:lvl1pPr marL="0" indent="0">
-              <a:buNone/>
-              <a:defRPr sz="3200"/>
-            </a:lvl1pPr>
-            <a:lvl2pPr marL="457200" indent="0">
-              <a:buNone/>
-              <a:defRPr sz="2800"/>
-            </a:lvl2pPr>
-            <a:lvl3pPr marL="914400" indent="0">
-              <a:buNone/>
-              <a:defRPr sz="2400"/>
-            </a:lvl3pPr>
-            <a:lvl4pPr marL="1371600" indent="0">
-              <a:buNone/>
-              <a:defRPr sz="2000"/>
-            </a:lvl4pPr>
-            <a:lvl5pPr marL="1828800" indent="0">
-              <a:buNone/>
-              <a:defRPr sz="2000"/>
-            </a:lvl5pPr>
-            <a:lvl6pPr marL="2286000" indent="0">
-              <a:buNone/>
-              <a:defRPr sz="2000"/>
-            </a:lvl6pPr>
-            <a:lvl7pPr marL="2743200" indent="0">
-              <a:buNone/>
-              <a:defRPr sz="2000"/>
-            </a:lvl7pPr>
-            <a:lvl8pPr marL="3200400" indent="0">
-              <a:buNone/>
-              <a:defRPr sz="2000"/>
-            </a:lvl8pPr>
-            <a:lvl9pPr marL="3657600" indent="0">
-              <a:buNone/>
-              <a:defRPr sz="2000"/>
-            </a:lvl9pPr>
-          </a:lstStyle>
-          <a:p>
-            <a:endParaRPr lang="da-DK"/>
-          </a:p>
-        </p:txBody>
-      </p:sp>
-      <p:sp>
-        <p:nvSpPr>
-          <p:cNvPr id="4" name="Pladsholder til tekst 3">
-            <a:extLst>
-              <a:ext uri="{FF2B5EF4-FFF2-40B4-BE49-F238E27FC236}">
-                <a16:creationId xmlns:a16="http://schemas.microsoft.com/office/drawing/2014/main" id="{D9EBD668-415D-D780-E5A0-796A45511A0E}"/>
-              </a:ext>
-            </a:extLst>
-          </p:cNvPr>
-          <p:cNvSpPr>
-            <a:spLocks noGrp="1"/>
-          </p:cNvSpPr>
-          <p:nvPr>
-            <p:ph type="body" sz="half" idx="2"/>
-          </p:nvPr>
-        </p:nvSpPr>
-        <p:spPr>
-          <a:xfrm>
-            <a:off x="839788" y="2057400"/>
-            <a:ext cx="3932237" cy="3811588"/>
-          </a:xfrm>
-        </p:spPr>
-        <p:txBody>
-          <a:bodyPr/>
-          <a:lstStyle>
-            <a:lvl1pPr marL="0" indent="0">
+            <a:lvl1pPr marL="0" indent="0" algn="ctr">
               <a:buNone/>
               <a:defRPr sz="1600"/>
             </a:lvl1pPr>
             <a:lvl2pPr marL="457200" indent="0">
               <a:buNone/>
-              <a:defRPr sz="1400"/>
+              <a:defRPr sz="1600"/>
             </a:lvl2pPr>
             <a:lvl3pPr marL="914400" indent="0">
               <a:buNone/>
-              <a:defRPr sz="1200"/>
+              <a:defRPr sz="1600"/>
             </a:lvl3pPr>
             <a:lvl4pPr marL="1371600" indent="0">
               <a:buNone/>
-              <a:defRPr sz="1000"/>
+              <a:defRPr sz="1600"/>
             </a:lvl4pPr>
             <a:lvl5pPr marL="1828800" indent="0">
               <a:buNone/>
-              <a:defRPr sz="1000"/>
+              <a:defRPr sz="1600"/>
             </a:lvl5pPr>
             <a:lvl6pPr marL="2286000" indent="0">
               <a:buNone/>
-              <a:defRPr sz="1000"/>
+              <a:defRPr sz="1600"/>
             </a:lvl6pPr>
             <a:lvl7pPr marL="2743200" indent="0">
               <a:buNone/>
-              <a:defRPr sz="1000"/>
+              <a:defRPr sz="1600"/>
             </a:lvl7pPr>
             <a:lvl8pPr marL="3200400" indent="0">
               <a:buNone/>
-              <a:defRPr sz="1000"/>
+              <a:defRPr sz="1600"/>
             </a:lvl8pPr>
             <a:lvl9pPr marL="3657600" indent="0">
               <a:buNone/>
-              <a:defRPr sz="1000"/>
+              <a:defRPr sz="1600"/>
             </a:lvl9pPr>
           </a:lstStyle>
           <a:p>
+            <a:r>
+              <a:rPr lang="da-DK"/>
+              <a:t>Klik på ikonet for at tilføje et billede</a:t>
+            </a:r>
+            <a:endParaRPr lang="en-US" dirty="0"/>
+          </a:p>
+        </p:txBody>
+      </p:sp>
+      <p:sp>
+        <p:nvSpPr>
+          <p:cNvPr id="4" name="Text Placeholder 3"/>
+          <p:cNvSpPr>
+            <a:spLocks noGrp="1"/>
+          </p:cNvSpPr>
+          <p:nvPr>
+            <p:ph type="body" sz="half" idx="2"/>
+          </p:nvPr>
+        </p:nvSpPr>
+        <p:spPr>
+          <a:xfrm>
+            <a:off x="1141411" y="2971800"/>
+            <a:ext cx="5334001" cy="1828800"/>
+          </a:xfrm>
+        </p:spPr>
+        <p:txBody>
+          <a:bodyPr>
+            <a:normAutofit/>
+          </a:bodyPr>
+          <a:lstStyle>
+            <a:lvl1pPr marL="0" indent="0">
+              <a:buNone/>
+              <a:defRPr sz="1800"/>
+            </a:lvl1pPr>
+            <a:lvl2pPr marL="457200" indent="0">
+              <a:buNone/>
+              <a:defRPr sz="1200"/>
+            </a:lvl2pPr>
+            <a:lvl3pPr marL="914400" indent="0">
+              <a:buNone/>
+              <a:defRPr sz="1000"/>
+            </a:lvl3pPr>
+            <a:lvl4pPr marL="1371600" indent="0">
+              <a:buNone/>
+              <a:defRPr sz="900"/>
+            </a:lvl4pPr>
+            <a:lvl5pPr marL="1828800" indent="0">
+              <a:buNone/>
+              <a:defRPr sz="900"/>
+            </a:lvl5pPr>
+            <a:lvl6pPr marL="2286000" indent="0">
+              <a:buNone/>
+              <a:defRPr sz="900"/>
+            </a:lvl6pPr>
+            <a:lvl7pPr marL="2743200" indent="0">
+              <a:buNone/>
+              <a:defRPr sz="900"/>
+            </a:lvl7pPr>
+            <a:lvl8pPr marL="3200400" indent="0">
+              <a:buNone/>
+              <a:defRPr sz="900"/>
+            </a:lvl8pPr>
+            <a:lvl9pPr marL="3657600" indent="0">
+              <a:buNone/>
+              <a:defRPr sz="900"/>
+            </a:lvl9pPr>
+          </a:lstStyle>
+          <a:p>
             <a:pPr lvl="0"/>
             <a:r>
               <a:rPr lang="da-DK"/>
@@ -2650,13 +4713,7 @@
       </p:sp>
       <p:sp>
         <p:nvSpPr>
-          <p:cNvPr id="5" name="Pladsholder til dato 4">
-            <a:extLst>
-              <a:ext uri="{FF2B5EF4-FFF2-40B4-BE49-F238E27FC236}">
-                <a16:creationId xmlns:a16="http://schemas.microsoft.com/office/drawing/2014/main" id="{ED4A23BA-B835-2326-78B3-102B1CC06667}"/>
-              </a:ext>
-            </a:extLst>
-          </p:cNvPr>
+          <p:cNvPr id="5" name="Date Placeholder 4"/>
           <p:cNvSpPr>
             <a:spLocks noGrp="1"/>
           </p:cNvSpPr>
@@ -2664,7 +4721,12 @@
             <p:ph type="dt" sz="half" idx="10"/>
           </p:nvPr>
         </p:nvSpPr>
-        <p:spPr/>
+        <p:spPr>
+          <a:xfrm>
+            <a:off x="6399212" y="5883275"/>
+            <a:ext cx="914400" cy="365125"/>
+          </a:xfrm>
+        </p:spPr>
         <p:txBody>
           <a:bodyPr/>
           <a:lstStyle/>
@@ -2679,13 +4741,7 @@
       </p:sp>
       <p:sp>
         <p:nvSpPr>
-          <p:cNvPr id="6" name="Pladsholder til sidefod 5">
-            <a:extLst>
-              <a:ext uri="{FF2B5EF4-FFF2-40B4-BE49-F238E27FC236}">
-                <a16:creationId xmlns:a16="http://schemas.microsoft.com/office/drawing/2014/main" id="{06C6F38C-218B-758A-CC7B-CB18D1EECF86}"/>
-              </a:ext>
-            </a:extLst>
-          </p:cNvPr>
+          <p:cNvPr id="6" name="Footer Placeholder 5"/>
           <p:cNvSpPr>
             <a:spLocks noGrp="1"/>
           </p:cNvSpPr>
@@ -2693,7 +4749,12 @@
             <p:ph type="ftr" sz="quarter" idx="11"/>
           </p:nvPr>
         </p:nvSpPr>
-        <p:spPr/>
+        <p:spPr>
+          <a:xfrm>
+            <a:off x="1141412" y="5883275"/>
+            <a:ext cx="5105400" cy="365125"/>
+          </a:xfrm>
+        </p:spPr>
         <p:txBody>
           <a:bodyPr/>
           <a:lstStyle/>
@@ -2704,13 +4765,7 @@
       </p:sp>
       <p:sp>
         <p:nvSpPr>
-          <p:cNvPr id="7" name="Pladsholder til slidenummer 6">
-            <a:extLst>
-              <a:ext uri="{FF2B5EF4-FFF2-40B4-BE49-F238E27FC236}">
-                <a16:creationId xmlns:a16="http://schemas.microsoft.com/office/drawing/2014/main" id="{1FBA7CB3-7059-31DE-7A19-B1B93ECF274C}"/>
-              </a:ext>
-            </a:extLst>
-          </p:cNvPr>
+          <p:cNvPr id="7" name="Slide Number Placeholder 6"/>
           <p:cNvSpPr>
             <a:spLocks noGrp="1"/>
           </p:cNvSpPr>
@@ -2718,7 +4773,12 @@
             <p:ph type="sldNum" sz="quarter" idx="12"/>
           </p:nvPr>
         </p:nvSpPr>
-        <p:spPr/>
+        <p:spPr>
+          <a:xfrm>
+            <a:off x="10742612" y="5883275"/>
+            <a:ext cx="322567" cy="365125"/>
+          </a:xfrm>
+        </p:spPr>
         <p:txBody>
           <a:bodyPr/>
           <a:lstStyle/>
@@ -2734,7 +4794,7 @@
     </p:spTree>
     <p:extLst>
       <p:ext uri="{BB962C8B-B14F-4D97-AF65-F5344CB8AC3E}">
-        <p14:creationId xmlns:p14="http://schemas.microsoft.com/office/powerpoint/2010/main" val="465486981"/>
+        <p14:creationId xmlns:p14="http://schemas.microsoft.com/office/powerpoint/2010/main" val="90617927"/>
       </p:ext>
     </p:extLst>
   </p:cSld>
@@ -2748,8 +4808,8 @@
 <p:sldMaster xmlns:a="http://schemas.openxmlformats.org/drawingml/2006/main" xmlns:r="http://schemas.openxmlformats.org/officeDocument/2006/relationships" xmlns:p="http://schemas.openxmlformats.org/presentationml/2006/main">
   <p:cSld>
     <p:bg>
-      <p:bgRef idx="1001">
-        <a:schemeClr val="bg1"/>
+      <p:bgRef idx="1003">
+        <a:schemeClr val="bg2"/>
       </p:bgRef>
     </p:bg>
     <p:spTree>
@@ -2768,13 +4828,7 @@
       </p:grpSpPr>
       <p:sp>
         <p:nvSpPr>
-          <p:cNvPr id="2" name="Pladsholder til titel 1">
-            <a:extLst>
-              <a:ext uri="{FF2B5EF4-FFF2-40B4-BE49-F238E27FC236}">
-                <a16:creationId xmlns:a16="http://schemas.microsoft.com/office/drawing/2014/main" id="{C10F5924-2C97-DE5E-2C46-73459E1E56AA}"/>
-              </a:ext>
-            </a:extLst>
-          </p:cNvPr>
+          <p:cNvPr id="2" name="Title Placeholder 1"/>
           <p:cNvSpPr>
             <a:spLocks noGrp="1"/>
           </p:cNvSpPr>
@@ -2784,8 +4838,8 @@
         </p:nvSpPr>
         <p:spPr>
           <a:xfrm>
-            <a:off x="838200" y="365125"/>
-            <a:ext cx="10515600" cy="1325563"/>
+            <a:off x="1141413" y="609600"/>
+            <a:ext cx="9905998" cy="1905000"/>
           </a:xfrm>
           <a:prstGeom prst="rect">
             <a:avLst/>
@@ -2801,18 +4855,13 @@
               <a:rPr lang="da-DK"/>
               <a:t>Klik for at redigere titeltypografien i masteren</a:t>
             </a:r>
-          </a:p>
-        </p:txBody>
-      </p:sp>
-      <p:sp>
-        <p:nvSpPr>
-          <p:cNvPr id="3" name="Pladsholder til tekst 2">
-            <a:extLst>
-              <a:ext uri="{FF2B5EF4-FFF2-40B4-BE49-F238E27FC236}">
-                <a16:creationId xmlns:a16="http://schemas.microsoft.com/office/drawing/2014/main" id="{DF791D94-DEDA-07CF-9265-215597B4473B}"/>
-              </a:ext>
-            </a:extLst>
-          </p:cNvPr>
+            <a:endParaRPr lang="en-US" dirty="0"/>
+          </a:p>
+        </p:txBody>
+      </p:sp>
+      <p:sp>
+        <p:nvSpPr>
+          <p:cNvPr id="3" name="Text Placeholder 2"/>
           <p:cNvSpPr>
             <a:spLocks noGrp="1"/>
           </p:cNvSpPr>
@@ -2822,15 +4871,15 @@
         </p:nvSpPr>
         <p:spPr>
           <a:xfrm>
-            <a:off x="838200" y="1825625"/>
-            <a:ext cx="10515600" cy="4351338"/>
+            <a:off x="1141413" y="2666999"/>
+            <a:ext cx="9905998" cy="3124201"/>
           </a:xfrm>
           <a:prstGeom prst="rect">
             <a:avLst/>
           </a:prstGeom>
         </p:spPr>
         <p:txBody>
-          <a:bodyPr vert="horz" lIns="91440" tIns="45720" rIns="91440" bIns="45720" rtlCol="0">
+          <a:bodyPr vert="horz" lIns="91440" tIns="45720" rIns="91440" bIns="45720" rtlCol="0" anchor="ctr">
             <a:normAutofit/>
           </a:bodyPr>
           <a:lstStyle/>
@@ -2868,18 +4917,13 @@
               <a:rPr lang="da-DK"/>
               <a:t>Femte niveau</a:t>
             </a:r>
-          </a:p>
-        </p:txBody>
-      </p:sp>
-      <p:sp>
-        <p:nvSpPr>
-          <p:cNvPr id="4" name="Pladsholder til dato 3">
-            <a:extLst>
-              <a:ext uri="{FF2B5EF4-FFF2-40B4-BE49-F238E27FC236}">
-                <a16:creationId xmlns:a16="http://schemas.microsoft.com/office/drawing/2014/main" id="{918E2DCC-E2D2-8701-313D-C251125FCED5}"/>
-              </a:ext>
-            </a:extLst>
-          </p:cNvPr>
+            <a:endParaRPr lang="en-US" dirty="0"/>
+          </a:p>
+        </p:txBody>
+      </p:sp>
+      <p:sp>
+        <p:nvSpPr>
+          <p:cNvPr id="4" name="Date Placeholder 3"/>
           <p:cNvSpPr>
             <a:spLocks noGrp="1"/>
           </p:cNvSpPr>
@@ -2889,8 +4933,8 @@
         </p:nvSpPr>
         <p:spPr>
           <a:xfrm>
-            <a:off x="838200" y="6356350"/>
-            <a:ext cx="2743200" cy="365125"/>
+            <a:off x="8837612" y="5883275"/>
+            <a:ext cx="1600200" cy="365125"/>
           </a:xfrm>
           <a:prstGeom prst="rect">
             <a:avLst/>
@@ -2899,13 +4943,21 @@
         <p:txBody>
           <a:bodyPr vert="horz" lIns="91440" tIns="45720" rIns="91440" bIns="45720" rtlCol="0" anchor="ctr"/>
           <a:lstStyle>
-            <a:lvl1pPr algn="l">
-              <a:defRPr sz="1200">
+            <a:lvl1pPr algn="r">
+              <a:defRPr sz="900" b="1" i="0">
                 <a:solidFill>
                   <a:schemeClr val="tx1">
-                    <a:tint val="82000"/>
+                    <a:lumMod val="75000"/>
                   </a:schemeClr>
                 </a:solidFill>
+                <a:effectLst>
+                  <a:outerShdw blurRad="50800" dist="38100" dir="2700000" algn="tl" rotWithShape="0">
+                    <a:srgbClr val="000000">
+                      <a:alpha val="43000"/>
+                    </a:srgbClr>
+                  </a:outerShdw>
+                </a:effectLst>
+                <a:latin typeface="+mn-lt"/>
               </a:defRPr>
             </a:lvl1pPr>
           </a:lstStyle>
@@ -2920,13 +4972,7 @@
       </p:sp>
       <p:sp>
         <p:nvSpPr>
-          <p:cNvPr id="5" name="Pladsholder til sidefod 4">
-            <a:extLst>
-              <a:ext uri="{FF2B5EF4-FFF2-40B4-BE49-F238E27FC236}">
-                <a16:creationId xmlns:a16="http://schemas.microsoft.com/office/drawing/2014/main" id="{F08612F5-A0AB-9F82-2A95-A05BADB4B218}"/>
-              </a:ext>
-            </a:extLst>
-          </p:cNvPr>
+          <p:cNvPr id="5" name="Footer Placeholder 4"/>
           <p:cNvSpPr>
             <a:spLocks noGrp="1"/>
           </p:cNvSpPr>
@@ -2936,8 +4982,8 @@
         </p:nvSpPr>
         <p:spPr>
           <a:xfrm>
-            <a:off x="4038600" y="6356350"/>
-            <a:ext cx="4114800" cy="365125"/>
+            <a:off x="1141412" y="5883275"/>
+            <a:ext cx="7543800" cy="365125"/>
           </a:xfrm>
           <a:prstGeom prst="rect">
             <a:avLst/>
@@ -2946,13 +4992,21 @@
         <p:txBody>
           <a:bodyPr vert="horz" lIns="91440" tIns="45720" rIns="91440" bIns="45720" rtlCol="0" anchor="ctr"/>
           <a:lstStyle>
-            <a:lvl1pPr algn="ctr">
-              <a:defRPr sz="1200">
+            <a:lvl1pPr algn="l">
+              <a:defRPr sz="900" b="1" i="0">
                 <a:solidFill>
                   <a:schemeClr val="tx1">
-                    <a:tint val="82000"/>
+                    <a:lumMod val="75000"/>
                   </a:schemeClr>
                 </a:solidFill>
+                <a:effectLst>
+                  <a:outerShdw blurRad="50800" dist="38100" dir="2700000" algn="tl" rotWithShape="0">
+                    <a:srgbClr val="000000">
+                      <a:alpha val="43000"/>
+                    </a:srgbClr>
+                  </a:outerShdw>
+                </a:effectLst>
+                <a:latin typeface="+mn-lt"/>
               </a:defRPr>
             </a:lvl1pPr>
           </a:lstStyle>
@@ -2963,13 +5017,7 @@
       </p:sp>
       <p:sp>
         <p:nvSpPr>
-          <p:cNvPr id="6" name="Pladsholder til slidenummer 5">
-            <a:extLst>
-              <a:ext uri="{FF2B5EF4-FFF2-40B4-BE49-F238E27FC236}">
-                <a16:creationId xmlns:a16="http://schemas.microsoft.com/office/drawing/2014/main" id="{8451127C-F60D-8F36-DCA4-F9AA49A9DA64}"/>
-              </a:ext>
-            </a:extLst>
-          </p:cNvPr>
+          <p:cNvPr id="6" name="Slide Number Placeholder 5"/>
           <p:cNvSpPr>
             <a:spLocks noGrp="1"/>
           </p:cNvSpPr>
@@ -2979,8 +5027,8 @@
         </p:nvSpPr>
         <p:spPr>
           <a:xfrm>
-            <a:off x="8610600" y="6356350"/>
-            <a:ext cx="2743200" cy="365125"/>
+            <a:off x="10514012" y="5883275"/>
+            <a:ext cx="551167" cy="365125"/>
           </a:xfrm>
           <a:prstGeom prst="rect">
             <a:avLst/>
@@ -2990,12 +5038,20 @@
           <a:bodyPr vert="horz" lIns="91440" tIns="45720" rIns="91440" bIns="45720" rtlCol="0" anchor="ctr"/>
           <a:lstStyle>
             <a:lvl1pPr algn="r">
-              <a:defRPr sz="1200">
+              <a:defRPr sz="900" b="1" i="0">
                 <a:solidFill>
                   <a:schemeClr val="tx1">
-                    <a:tint val="82000"/>
+                    <a:lumMod val="75000"/>
                   </a:schemeClr>
                 </a:solidFill>
+                <a:effectLst>
+                  <a:outerShdw blurRad="50800" dist="38100" dir="2700000" algn="tl" rotWithShape="0">
+                    <a:srgbClr val="000000">
+                      <a:alpha val="43000"/>
+                    </a:srgbClr>
+                  </a:outerShdw>
+                </a:effectLst>
+                <a:latin typeface="+mn-lt"/>
               </a:defRPr>
             </a:lvl1pPr>
           </a:lstStyle>
@@ -3011,55 +5067,562 @@
     </p:spTree>
     <p:extLst>
       <p:ext uri="{BB962C8B-B14F-4D97-AF65-F5344CB8AC3E}">
-        <p14:creationId xmlns:p14="http://schemas.microsoft.com/office/powerpoint/2010/main" val="505179438"/>
+        <p14:creationId xmlns:p14="http://schemas.microsoft.com/office/powerpoint/2010/main" val="1766886985"/>
       </p:ext>
     </p:extLst>
   </p:cSld>
-  <p:clrMap bg1="lt1" tx1="dk1" bg2="lt2" tx2="dk2" accent1="accent1" accent2="accent2" accent3="accent3" accent4="accent4" accent5="accent5" accent6="accent6" hlink="hlink" folHlink="folHlink"/>
+  <p:clrMap bg1="dk1" tx1="lt1" bg2="dk2" tx2="lt2" accent1="accent1" accent2="accent2" accent3="accent3" accent4="accent4" accent5="accent5" accent6="accent6" hlink="hlink" folHlink="folHlink"/>
   <p:sldLayoutIdLst>
-    <p:sldLayoutId id="2147483649" r:id="rId1"/>
-    <p:sldLayoutId id="2147483650" r:id="rId2"/>
-    <p:sldLayoutId id="2147483651" r:id="rId3"/>
-    <p:sldLayoutId id="2147483652" r:id="rId4"/>
-    <p:sldLayoutId id="2147483653" r:id="rId5"/>
-    <p:sldLayoutId id="2147483654" r:id="rId6"/>
-    <p:sldLayoutId id="2147483655" r:id="rId7"/>
-    <p:sldLayoutId id="2147483656" r:id="rId8"/>
-    <p:sldLayoutId id="2147483657" r:id="rId9"/>
-    <p:sldLayoutId id="2147483658" r:id="rId10"/>
-    <p:sldLayoutId id="2147483659" r:id="rId11"/>
+    <p:sldLayoutId id="2147483661" r:id="rId1"/>
+    <p:sldLayoutId id="2147483662" r:id="rId2"/>
+    <p:sldLayoutId id="2147483663" r:id="rId3"/>
+    <p:sldLayoutId id="2147483664" r:id="rId4"/>
+    <p:sldLayoutId id="2147483665" r:id="rId5"/>
+    <p:sldLayoutId id="2147483666" r:id="rId6"/>
+    <p:sldLayoutId id="2147483667" r:id="rId7"/>
+    <p:sldLayoutId id="2147483668" r:id="rId8"/>
+    <p:sldLayoutId id="2147483669" r:id="rId9"/>
+    <p:sldLayoutId id="2147483670" r:id="rId10"/>
+    <p:sldLayoutId id="2147483671" r:id="rId11"/>
+    <p:sldLayoutId id="2147483672" r:id="rId12"/>
+    <p:sldLayoutId id="2147483673" r:id="rId13"/>
+    <p:sldLayoutId id="2147483674" r:id="rId14"/>
+    <p:sldLayoutId id="2147483675" r:id="rId15"/>
+    <p:sldLayoutId id="2147483676" r:id="rId16"/>
+    <p:sldLayoutId id="2147483677" r:id="rId17"/>
   </p:sldLayoutIdLst>
   <p:txStyles>
     <p:titleStyle>
-      <a:lvl1pPr algn="l" defTabSz="914400" rtl="0" eaLnBrk="1" latinLnBrk="0" hangingPunct="1">
-        <a:lnSpc>
-          <a:spcPct val="90000"/>
-        </a:lnSpc>
+      <a:lvl1pPr algn="l" defTabSz="457200" rtl="0" eaLnBrk="1" latinLnBrk="0" hangingPunct="1">
         <a:spcBef>
           <a:spcPct val="0"/>
         </a:spcBef>
         <a:buNone/>
-        <a:defRPr sz="4400" kern="1200">
-          <a:solidFill>
-            <a:schemeClr val="tx1"/>
-          </a:solidFill>
+        <a:defRPr sz="3200" kern="1200" cap="all">
+          <a:ln w="3175" cmpd="sng">
+            <a:noFill/>
+          </a:ln>
+          <a:gradFill flip="none" rotWithShape="1">
+            <a:gsLst>
+              <a:gs pos="0">
+                <a:schemeClr val="tx1"/>
+              </a:gs>
+              <a:gs pos="100000">
+                <a:schemeClr val="tx1">
+                  <a:lumMod val="65000"/>
+                </a:schemeClr>
+              </a:gs>
+            </a:gsLst>
+            <a:lin ang="5580000" scaled="0"/>
+            <a:tileRect/>
+          </a:gradFill>
+          <a:effectLst>
+            <a:glow rad="38100">
+              <a:schemeClr val="bg1">
+                <a:lumMod val="65000"/>
+                <a:lumOff val="35000"/>
+                <a:alpha val="40000"/>
+              </a:schemeClr>
+            </a:glow>
+            <a:outerShdw blurRad="28575" dist="38100" dir="14040000" algn="tl" rotWithShape="0">
+              <a:srgbClr val="000000">
+                <a:alpha val="25000"/>
+              </a:srgbClr>
+            </a:outerShdw>
+          </a:effectLst>
           <a:latin typeface="+mj-lt"/>
           <a:ea typeface="+mj-ea"/>
           <a:cs typeface="+mj-cs"/>
         </a:defRPr>
       </a:lvl1pPr>
+      <a:lvl2pPr eaLnBrk="1" hangingPunct="1">
+        <a:defRPr>
+          <a:solidFill>
+            <a:schemeClr val="tx2"/>
+          </a:solidFill>
+        </a:defRPr>
+      </a:lvl2pPr>
+      <a:lvl3pPr eaLnBrk="1" hangingPunct="1">
+        <a:defRPr>
+          <a:solidFill>
+            <a:schemeClr val="tx2"/>
+          </a:solidFill>
+        </a:defRPr>
+      </a:lvl3pPr>
+      <a:lvl4pPr eaLnBrk="1" hangingPunct="1">
+        <a:defRPr>
+          <a:solidFill>
+            <a:schemeClr val="tx2"/>
+          </a:solidFill>
+        </a:defRPr>
+      </a:lvl4pPr>
+      <a:lvl5pPr eaLnBrk="1" hangingPunct="1">
+        <a:defRPr>
+          <a:solidFill>
+            <a:schemeClr val="tx2"/>
+          </a:solidFill>
+        </a:defRPr>
+      </a:lvl5pPr>
+      <a:lvl6pPr eaLnBrk="1" hangingPunct="1">
+        <a:defRPr>
+          <a:solidFill>
+            <a:schemeClr val="tx2"/>
+          </a:solidFill>
+        </a:defRPr>
+      </a:lvl6pPr>
+      <a:lvl7pPr eaLnBrk="1" hangingPunct="1">
+        <a:defRPr>
+          <a:solidFill>
+            <a:schemeClr val="tx2"/>
+          </a:solidFill>
+        </a:defRPr>
+      </a:lvl7pPr>
+      <a:lvl8pPr eaLnBrk="1" hangingPunct="1">
+        <a:defRPr>
+          <a:solidFill>
+            <a:schemeClr val="tx2"/>
+          </a:solidFill>
+        </a:defRPr>
+      </a:lvl8pPr>
+      <a:lvl9pPr eaLnBrk="1" hangingPunct="1">
+        <a:defRPr>
+          <a:solidFill>
+            <a:schemeClr val="tx2"/>
+          </a:solidFill>
+        </a:defRPr>
+      </a:lvl9pPr>
     </p:titleStyle>
     <p:bodyStyle>
-      <a:lvl1pPr marL="228600" indent="-228600" algn="l" defTabSz="914400" rtl="0" eaLnBrk="1" latinLnBrk="0" hangingPunct="1">
-        <a:lnSpc>
-          <a:spcPct val="90000"/>
-        </a:lnSpc>
+      <a:lvl1pPr marL="285750" indent="-285750" algn="l" defTabSz="457200" rtl="0" eaLnBrk="1" latinLnBrk="0" hangingPunct="1">
         <a:spcBef>
-          <a:spcPts val="1000"/>
+          <a:spcPct val="20000"/>
         </a:spcBef>
-        <a:buFont typeface="Arial" panose="020B0604020202020204" pitchFamily="34" charset="0"/>
+        <a:spcAft>
+          <a:spcPts val="600"/>
+        </a:spcAft>
+        <a:buClr>
+          <a:schemeClr val="tx1"/>
+        </a:buClr>
+        <a:buSzPct val="100000"/>
+        <a:buFont typeface="Arial"/>
         <a:buChar char="•"/>
-        <a:defRPr sz="2800" kern="1200">
+        <a:defRPr sz="2000" kern="1200" cap="small">
+          <a:gradFill flip="none" rotWithShape="1">
+            <a:gsLst>
+              <a:gs pos="0">
+                <a:schemeClr val="tx1"/>
+              </a:gs>
+              <a:gs pos="100000">
+                <a:schemeClr val="tx1">
+                  <a:lumMod val="75000"/>
+                </a:schemeClr>
+              </a:gs>
+            </a:gsLst>
+            <a:lin ang="5580000" scaled="0"/>
+            <a:tileRect/>
+          </a:gradFill>
+          <a:effectLst>
+            <a:glow rad="38100">
+              <a:schemeClr val="bg1">
+                <a:lumMod val="50000"/>
+                <a:lumOff val="50000"/>
+                <a:alpha val="20000"/>
+              </a:schemeClr>
+            </a:glow>
+            <a:outerShdw blurRad="44450" dist="12700" dir="13860000" algn="tl" rotWithShape="0">
+              <a:srgbClr val="000000">
+                <a:alpha val="20000"/>
+              </a:srgbClr>
+            </a:outerShdw>
+          </a:effectLst>
+          <a:latin typeface="+mn-lt"/>
+          <a:ea typeface="+mn-ea"/>
+          <a:cs typeface="+mn-cs"/>
+        </a:defRPr>
+      </a:lvl1pPr>
+      <a:lvl2pPr marL="742950" indent="-285750" algn="l" defTabSz="457200" rtl="0" eaLnBrk="1" latinLnBrk="0" hangingPunct="1">
+        <a:spcBef>
+          <a:spcPct val="20000"/>
+        </a:spcBef>
+        <a:spcAft>
+          <a:spcPts val="600"/>
+        </a:spcAft>
+        <a:buClr>
+          <a:schemeClr val="tx1"/>
+        </a:buClr>
+        <a:buSzPct val="100000"/>
+        <a:buFont typeface="Arial"/>
+        <a:buChar char="•"/>
+        <a:defRPr sz="1800" kern="1200" cap="small">
+          <a:gradFill flip="none" rotWithShape="1">
+            <a:gsLst>
+              <a:gs pos="0">
+                <a:schemeClr val="tx1"/>
+              </a:gs>
+              <a:gs pos="100000">
+                <a:schemeClr val="tx1">
+                  <a:lumMod val="75000"/>
+                </a:schemeClr>
+              </a:gs>
+            </a:gsLst>
+            <a:lin ang="5580000" scaled="0"/>
+            <a:tileRect/>
+          </a:gradFill>
+          <a:effectLst>
+            <a:glow rad="38100">
+              <a:schemeClr val="bg1">
+                <a:lumMod val="50000"/>
+                <a:lumOff val="50000"/>
+                <a:alpha val="20000"/>
+              </a:schemeClr>
+            </a:glow>
+            <a:outerShdw blurRad="44450" dist="12700" dir="13860000" algn="tl" rotWithShape="0">
+              <a:srgbClr val="000000">
+                <a:alpha val="20000"/>
+              </a:srgbClr>
+            </a:outerShdw>
+          </a:effectLst>
+          <a:latin typeface="+mn-lt"/>
+          <a:ea typeface="+mn-ea"/>
+          <a:cs typeface="+mn-cs"/>
+        </a:defRPr>
+      </a:lvl2pPr>
+      <a:lvl3pPr marL="1200150" indent="-285750" algn="l" defTabSz="457200" rtl="0" eaLnBrk="1" latinLnBrk="0" hangingPunct="1">
+        <a:spcBef>
+          <a:spcPct val="20000"/>
+        </a:spcBef>
+        <a:spcAft>
+          <a:spcPts val="600"/>
+        </a:spcAft>
+        <a:buClr>
+          <a:schemeClr val="tx1"/>
+        </a:buClr>
+        <a:buSzPct val="100000"/>
+        <a:buFont typeface="Arial"/>
+        <a:buChar char="•"/>
+        <a:defRPr sz="1600" kern="1200" cap="small">
+          <a:gradFill flip="none" rotWithShape="1">
+            <a:gsLst>
+              <a:gs pos="0">
+                <a:schemeClr val="tx1"/>
+              </a:gs>
+              <a:gs pos="100000">
+                <a:schemeClr val="tx1">
+                  <a:lumMod val="75000"/>
+                </a:schemeClr>
+              </a:gs>
+            </a:gsLst>
+            <a:lin ang="5580000" scaled="0"/>
+            <a:tileRect/>
+          </a:gradFill>
+          <a:effectLst>
+            <a:glow rad="38100">
+              <a:schemeClr val="bg1">
+                <a:lumMod val="50000"/>
+                <a:lumOff val="50000"/>
+                <a:alpha val="20000"/>
+              </a:schemeClr>
+            </a:glow>
+            <a:outerShdw blurRad="44450" dist="12700" dir="13860000" algn="tl" rotWithShape="0">
+              <a:srgbClr val="000000">
+                <a:alpha val="20000"/>
+              </a:srgbClr>
+            </a:outerShdw>
+          </a:effectLst>
+          <a:latin typeface="+mn-lt"/>
+          <a:ea typeface="+mn-ea"/>
+          <a:cs typeface="+mn-cs"/>
+        </a:defRPr>
+      </a:lvl3pPr>
+      <a:lvl4pPr marL="1543050" indent="-171450" algn="l" defTabSz="457200" rtl="0" eaLnBrk="1" latinLnBrk="0" hangingPunct="1">
+        <a:spcBef>
+          <a:spcPct val="20000"/>
+        </a:spcBef>
+        <a:spcAft>
+          <a:spcPts val="600"/>
+        </a:spcAft>
+        <a:buClr>
+          <a:schemeClr val="tx1"/>
+        </a:buClr>
+        <a:buSzPct val="100000"/>
+        <a:buFont typeface="Arial"/>
+        <a:buChar char="•"/>
+        <a:defRPr sz="1400" kern="1200" cap="small">
+          <a:gradFill flip="none" rotWithShape="1">
+            <a:gsLst>
+              <a:gs pos="0">
+                <a:schemeClr val="tx1"/>
+              </a:gs>
+              <a:gs pos="100000">
+                <a:schemeClr val="tx1">
+                  <a:lumMod val="75000"/>
+                </a:schemeClr>
+              </a:gs>
+            </a:gsLst>
+            <a:lin ang="5580000" scaled="0"/>
+            <a:tileRect/>
+          </a:gradFill>
+          <a:effectLst>
+            <a:glow rad="38100">
+              <a:schemeClr val="bg1">
+                <a:lumMod val="50000"/>
+                <a:lumOff val="50000"/>
+                <a:alpha val="20000"/>
+              </a:schemeClr>
+            </a:glow>
+            <a:outerShdw blurRad="44450" dist="12700" dir="13860000" algn="tl" rotWithShape="0">
+              <a:srgbClr val="000000">
+                <a:alpha val="20000"/>
+              </a:srgbClr>
+            </a:outerShdw>
+          </a:effectLst>
+          <a:latin typeface="+mn-lt"/>
+          <a:ea typeface="+mn-ea"/>
+          <a:cs typeface="+mn-cs"/>
+        </a:defRPr>
+      </a:lvl4pPr>
+      <a:lvl5pPr marL="2000250" indent="-171450" algn="l" defTabSz="457200" rtl="0" eaLnBrk="1" latinLnBrk="0" hangingPunct="1">
+        <a:spcBef>
+          <a:spcPct val="20000"/>
+        </a:spcBef>
+        <a:spcAft>
+          <a:spcPts val="600"/>
+        </a:spcAft>
+        <a:buClr>
+          <a:schemeClr val="tx1"/>
+        </a:buClr>
+        <a:buSzPct val="100000"/>
+        <a:buFont typeface="Arial"/>
+        <a:buChar char="•"/>
+        <a:defRPr sz="1400" kern="1200" cap="small">
+          <a:gradFill flip="none" rotWithShape="1">
+            <a:gsLst>
+              <a:gs pos="0">
+                <a:schemeClr val="tx1"/>
+              </a:gs>
+              <a:gs pos="100000">
+                <a:schemeClr val="tx1">
+                  <a:lumMod val="75000"/>
+                </a:schemeClr>
+              </a:gs>
+            </a:gsLst>
+            <a:lin ang="5580000" scaled="0"/>
+            <a:tileRect/>
+          </a:gradFill>
+          <a:effectLst>
+            <a:glow rad="38100">
+              <a:schemeClr val="bg1">
+                <a:lumMod val="50000"/>
+                <a:lumOff val="50000"/>
+                <a:alpha val="20000"/>
+              </a:schemeClr>
+            </a:glow>
+            <a:outerShdw blurRad="44450" dist="12700" dir="13860000" algn="tl" rotWithShape="0">
+              <a:srgbClr val="000000">
+                <a:alpha val="20000"/>
+              </a:srgbClr>
+            </a:outerShdw>
+          </a:effectLst>
+          <a:latin typeface="+mn-lt"/>
+          <a:ea typeface="+mn-ea"/>
+          <a:cs typeface="+mn-cs"/>
+        </a:defRPr>
+      </a:lvl5pPr>
+      <a:lvl6pPr marL="2514600" indent="-228600" algn="l" defTabSz="457200" rtl="0" eaLnBrk="1" latinLnBrk="0" hangingPunct="1">
+        <a:spcBef>
+          <a:spcPct val="20000"/>
+        </a:spcBef>
+        <a:spcAft>
+          <a:spcPts val="600"/>
+        </a:spcAft>
+        <a:buClr>
+          <a:schemeClr val="tx1"/>
+        </a:buClr>
+        <a:buSzPct val="100000"/>
+        <a:buFont typeface="Arial"/>
+        <a:buChar char="•"/>
+        <a:defRPr sz="1200" kern="1200" cap="small">
+          <a:gradFill flip="none" rotWithShape="1">
+            <a:gsLst>
+              <a:gs pos="0">
+                <a:schemeClr val="tx1"/>
+              </a:gs>
+              <a:gs pos="100000">
+                <a:schemeClr val="tx1">
+                  <a:lumMod val="75000"/>
+                </a:schemeClr>
+              </a:gs>
+            </a:gsLst>
+            <a:lin ang="5580000" scaled="0"/>
+            <a:tileRect/>
+          </a:gradFill>
+          <a:effectLst>
+            <a:glow rad="38100">
+              <a:schemeClr val="bg1">
+                <a:lumMod val="50000"/>
+                <a:lumOff val="50000"/>
+                <a:alpha val="20000"/>
+              </a:schemeClr>
+            </a:glow>
+            <a:outerShdw blurRad="44450" dist="12700" dir="13860000" algn="tl" rotWithShape="0">
+              <a:srgbClr val="000000">
+                <a:alpha val="20000"/>
+              </a:srgbClr>
+            </a:outerShdw>
+          </a:effectLst>
+          <a:latin typeface="+mn-lt"/>
+          <a:ea typeface="+mn-ea"/>
+          <a:cs typeface="+mn-cs"/>
+        </a:defRPr>
+      </a:lvl6pPr>
+      <a:lvl7pPr marL="2971800" indent="-228600" algn="l" defTabSz="457200" rtl="0" eaLnBrk="1" latinLnBrk="0" hangingPunct="1">
+        <a:spcBef>
+          <a:spcPct val="20000"/>
+        </a:spcBef>
+        <a:spcAft>
+          <a:spcPts val="600"/>
+        </a:spcAft>
+        <a:buClr>
+          <a:schemeClr val="tx1"/>
+        </a:buClr>
+        <a:buSzPct val="100000"/>
+        <a:buFont typeface="Arial"/>
+        <a:buChar char="•"/>
+        <a:defRPr sz="1200" kern="1200" cap="small">
+          <a:gradFill flip="none" rotWithShape="1">
+            <a:gsLst>
+              <a:gs pos="0">
+                <a:schemeClr val="tx1"/>
+              </a:gs>
+              <a:gs pos="100000">
+                <a:schemeClr val="tx1">
+                  <a:lumMod val="75000"/>
+                </a:schemeClr>
+              </a:gs>
+            </a:gsLst>
+            <a:lin ang="5580000" scaled="0"/>
+            <a:tileRect/>
+          </a:gradFill>
+          <a:effectLst>
+            <a:glow rad="38100">
+              <a:schemeClr val="bg1">
+                <a:lumMod val="50000"/>
+                <a:lumOff val="50000"/>
+                <a:alpha val="20000"/>
+              </a:schemeClr>
+            </a:glow>
+            <a:outerShdw blurRad="44450" dist="12700" dir="13860000" algn="tl" rotWithShape="0">
+              <a:srgbClr val="000000">
+                <a:alpha val="20000"/>
+              </a:srgbClr>
+            </a:outerShdw>
+          </a:effectLst>
+          <a:latin typeface="+mn-lt"/>
+          <a:ea typeface="+mn-ea"/>
+          <a:cs typeface="+mn-cs"/>
+        </a:defRPr>
+      </a:lvl7pPr>
+      <a:lvl8pPr marL="3429000" indent="-228600" algn="l" defTabSz="457200" rtl="0" eaLnBrk="1" latinLnBrk="0" hangingPunct="1">
+        <a:spcBef>
+          <a:spcPct val="20000"/>
+        </a:spcBef>
+        <a:spcAft>
+          <a:spcPts val="600"/>
+        </a:spcAft>
+        <a:buClr>
+          <a:schemeClr val="tx1"/>
+        </a:buClr>
+        <a:buSzPct val="100000"/>
+        <a:buFont typeface="Arial"/>
+        <a:buChar char="•"/>
+        <a:defRPr sz="1200" kern="1200" cap="small">
+          <a:gradFill flip="none" rotWithShape="1">
+            <a:gsLst>
+              <a:gs pos="0">
+                <a:schemeClr val="tx1"/>
+              </a:gs>
+              <a:gs pos="100000">
+                <a:schemeClr val="tx1">
+                  <a:lumMod val="75000"/>
+                </a:schemeClr>
+              </a:gs>
+            </a:gsLst>
+            <a:lin ang="5580000" scaled="0"/>
+            <a:tileRect/>
+          </a:gradFill>
+          <a:effectLst>
+            <a:glow rad="38100">
+              <a:schemeClr val="bg1">
+                <a:lumMod val="50000"/>
+                <a:lumOff val="50000"/>
+                <a:alpha val="20000"/>
+              </a:schemeClr>
+            </a:glow>
+            <a:outerShdw blurRad="44450" dist="12700" dir="13860000" algn="tl" rotWithShape="0">
+              <a:srgbClr val="000000">
+                <a:alpha val="20000"/>
+              </a:srgbClr>
+            </a:outerShdw>
+          </a:effectLst>
+          <a:latin typeface="+mn-lt"/>
+          <a:ea typeface="+mn-ea"/>
+          <a:cs typeface="+mn-cs"/>
+        </a:defRPr>
+      </a:lvl8pPr>
+      <a:lvl9pPr marL="3886200" indent="-228600" algn="l" defTabSz="457200" rtl="0" eaLnBrk="1" latinLnBrk="0" hangingPunct="1">
+        <a:spcBef>
+          <a:spcPct val="20000"/>
+        </a:spcBef>
+        <a:spcAft>
+          <a:spcPts val="600"/>
+        </a:spcAft>
+        <a:buClr>
+          <a:schemeClr val="tx1"/>
+        </a:buClr>
+        <a:buSzPct val="100000"/>
+        <a:buFont typeface="Arial"/>
+        <a:buChar char="•"/>
+        <a:defRPr sz="1200" kern="1200" cap="small">
+          <a:gradFill flip="none" rotWithShape="1">
+            <a:gsLst>
+              <a:gs pos="0">
+                <a:schemeClr val="tx1"/>
+              </a:gs>
+              <a:gs pos="100000">
+                <a:schemeClr val="tx1">
+                  <a:lumMod val="75000"/>
+                </a:schemeClr>
+              </a:gs>
+            </a:gsLst>
+            <a:lin ang="5580000" scaled="0"/>
+            <a:tileRect/>
+          </a:gradFill>
+          <a:effectLst>
+            <a:glow rad="38100">
+              <a:schemeClr val="bg1">
+                <a:lumMod val="50000"/>
+                <a:lumOff val="50000"/>
+                <a:alpha val="20000"/>
+              </a:schemeClr>
+            </a:glow>
+            <a:outerShdw blurRad="44450" dist="12700" dir="13860000" algn="tl" rotWithShape="0">
+              <a:srgbClr val="000000">
+                <a:alpha val="20000"/>
+              </a:srgbClr>
+            </a:outerShdw>
+          </a:effectLst>
+          <a:latin typeface="+mn-lt"/>
+          <a:ea typeface="+mn-ea"/>
+          <a:cs typeface="+mn-cs"/>
+        </a:defRPr>
+      </a:lvl9pPr>
+    </p:bodyStyle>
+    <p:otherStyle>
+      <a:defPPr>
+        <a:defRPr lang="en-US"/>
+      </a:defPPr>
+      <a:lvl1pPr marL="0" algn="l" defTabSz="457200" rtl="0" eaLnBrk="1" latinLnBrk="0" hangingPunct="1">
+        <a:defRPr sz="1800" kern="1200">
           <a:solidFill>
             <a:schemeClr val="tx1"/>
           </a:solidFill>
@@ -3068,16 +5631,8 @@
           <a:cs typeface="+mn-cs"/>
         </a:defRPr>
       </a:lvl1pPr>
-      <a:lvl2pPr marL="685800" indent="-228600" algn="l" defTabSz="914400" rtl="0" eaLnBrk="1" latinLnBrk="0" hangingPunct="1">
-        <a:lnSpc>
-          <a:spcPct val="90000"/>
-        </a:lnSpc>
-        <a:spcBef>
-          <a:spcPts val="500"/>
-        </a:spcBef>
-        <a:buFont typeface="Arial" panose="020B0604020202020204" pitchFamily="34" charset="0"/>
-        <a:buChar char="•"/>
-        <a:defRPr sz="2400" kern="1200">
+      <a:lvl2pPr marL="457200" algn="l" defTabSz="457200" rtl="0" eaLnBrk="1" latinLnBrk="0" hangingPunct="1">
+        <a:defRPr sz="1800" kern="1200">
           <a:solidFill>
             <a:schemeClr val="tx1"/>
           </a:solidFill>
@@ -3086,16 +5641,8 @@
           <a:cs typeface="+mn-cs"/>
         </a:defRPr>
       </a:lvl2pPr>
-      <a:lvl3pPr marL="1143000" indent="-228600" algn="l" defTabSz="914400" rtl="0" eaLnBrk="1" latinLnBrk="0" hangingPunct="1">
-        <a:lnSpc>
-          <a:spcPct val="90000"/>
-        </a:lnSpc>
-        <a:spcBef>
-          <a:spcPts val="500"/>
-        </a:spcBef>
-        <a:buFont typeface="Arial" panose="020B0604020202020204" pitchFamily="34" charset="0"/>
-        <a:buChar char="•"/>
-        <a:defRPr sz="2000" kern="1200">
+      <a:lvl3pPr marL="914400" algn="l" defTabSz="457200" rtl="0" eaLnBrk="1" latinLnBrk="0" hangingPunct="1">
+        <a:defRPr sz="1800" kern="1200">
           <a:solidFill>
             <a:schemeClr val="tx1"/>
           </a:solidFill>
@@ -3104,15 +5651,7 @@
           <a:cs typeface="+mn-cs"/>
         </a:defRPr>
       </a:lvl3pPr>
-      <a:lvl4pPr marL="1600200" indent="-228600" algn="l" defTabSz="914400" rtl="0" eaLnBrk="1" latinLnBrk="0" hangingPunct="1">
-        <a:lnSpc>
-          <a:spcPct val="90000"/>
-        </a:lnSpc>
-        <a:spcBef>
-          <a:spcPts val="500"/>
-        </a:spcBef>
-        <a:buFont typeface="Arial" panose="020B0604020202020204" pitchFamily="34" charset="0"/>
-        <a:buChar char="•"/>
+      <a:lvl4pPr marL="1371600" algn="l" defTabSz="457200" rtl="0" eaLnBrk="1" latinLnBrk="0" hangingPunct="1">
         <a:defRPr sz="1800" kern="1200">
           <a:solidFill>
             <a:schemeClr val="tx1"/>
@@ -3122,15 +5661,7 @@
           <a:cs typeface="+mn-cs"/>
         </a:defRPr>
       </a:lvl4pPr>
-      <a:lvl5pPr marL="2057400" indent="-228600" algn="l" defTabSz="914400" rtl="0" eaLnBrk="1" latinLnBrk="0" hangingPunct="1">
-        <a:lnSpc>
-          <a:spcPct val="90000"/>
-        </a:lnSpc>
-        <a:spcBef>
-          <a:spcPts val="500"/>
-        </a:spcBef>
-        <a:buFont typeface="Arial" panose="020B0604020202020204" pitchFamily="34" charset="0"/>
-        <a:buChar char="•"/>
+      <a:lvl5pPr marL="1828800" algn="l" defTabSz="457200" rtl="0" eaLnBrk="1" latinLnBrk="0" hangingPunct="1">
         <a:defRPr sz="1800" kern="1200">
           <a:solidFill>
             <a:schemeClr val="tx1"/>
@@ -3140,15 +5671,7 @@
           <a:cs typeface="+mn-cs"/>
         </a:defRPr>
       </a:lvl5pPr>
-      <a:lvl6pPr marL="2514600" indent="-228600" algn="l" defTabSz="914400" rtl="0" eaLnBrk="1" latinLnBrk="0" hangingPunct="1">
-        <a:lnSpc>
-          <a:spcPct val="90000"/>
-        </a:lnSpc>
-        <a:spcBef>
-          <a:spcPts val="500"/>
-        </a:spcBef>
-        <a:buFont typeface="Arial" panose="020B0604020202020204" pitchFamily="34" charset="0"/>
-        <a:buChar char="•"/>
+      <a:lvl6pPr marL="2286000" algn="l" defTabSz="457200" rtl="0" eaLnBrk="1" latinLnBrk="0" hangingPunct="1">
         <a:defRPr sz="1800" kern="1200">
           <a:solidFill>
             <a:schemeClr val="tx1"/>
@@ -3158,15 +5681,7 @@
           <a:cs typeface="+mn-cs"/>
         </a:defRPr>
       </a:lvl6pPr>
-      <a:lvl7pPr marL="2971800" indent="-228600" algn="l" defTabSz="914400" rtl="0" eaLnBrk="1" latinLnBrk="0" hangingPunct="1">
-        <a:lnSpc>
-          <a:spcPct val="90000"/>
-        </a:lnSpc>
-        <a:spcBef>
-          <a:spcPts val="500"/>
-        </a:spcBef>
-        <a:buFont typeface="Arial" panose="020B0604020202020204" pitchFamily="34" charset="0"/>
-        <a:buChar char="•"/>
+      <a:lvl7pPr marL="2743200" algn="l" defTabSz="457200" rtl="0" eaLnBrk="1" latinLnBrk="0" hangingPunct="1">
         <a:defRPr sz="1800" kern="1200">
           <a:solidFill>
             <a:schemeClr val="tx1"/>
@@ -3176,15 +5691,7 @@
           <a:cs typeface="+mn-cs"/>
         </a:defRPr>
       </a:lvl7pPr>
-      <a:lvl8pPr marL="3429000" indent="-228600" algn="l" defTabSz="914400" rtl="0" eaLnBrk="1" latinLnBrk="0" hangingPunct="1">
-        <a:lnSpc>
-          <a:spcPct val="90000"/>
-        </a:lnSpc>
-        <a:spcBef>
-          <a:spcPts val="500"/>
-        </a:spcBef>
-        <a:buFont typeface="Arial" panose="020B0604020202020204" pitchFamily="34" charset="0"/>
-        <a:buChar char="•"/>
+      <a:lvl8pPr marL="3200400" algn="l" defTabSz="457200" rtl="0" eaLnBrk="1" latinLnBrk="0" hangingPunct="1">
         <a:defRPr sz="1800" kern="1200">
           <a:solidFill>
             <a:schemeClr val="tx1"/>
@@ -3194,110 +5701,7 @@
           <a:cs typeface="+mn-cs"/>
         </a:defRPr>
       </a:lvl8pPr>
-      <a:lvl9pPr marL="3886200" indent="-228600" algn="l" defTabSz="914400" rtl="0" eaLnBrk="1" latinLnBrk="0" hangingPunct="1">
-        <a:lnSpc>
-          <a:spcPct val="90000"/>
-        </a:lnSpc>
-        <a:spcBef>
-          <a:spcPts val="500"/>
-        </a:spcBef>
-        <a:buFont typeface="Arial" panose="020B0604020202020204" pitchFamily="34" charset="0"/>
-        <a:buChar char="•"/>
-        <a:defRPr sz="1800" kern="1200">
-          <a:solidFill>
-            <a:schemeClr val="tx1"/>
-          </a:solidFill>
-          <a:latin typeface="+mn-lt"/>
-          <a:ea typeface="+mn-ea"/>
-          <a:cs typeface="+mn-cs"/>
-        </a:defRPr>
-      </a:lvl9pPr>
-    </p:bodyStyle>
-    <p:otherStyle>
-      <a:defPPr>
-        <a:defRPr lang="da-DK"/>
-      </a:defPPr>
-      <a:lvl1pPr marL="0" algn="l" defTabSz="914400" rtl="0" eaLnBrk="1" latinLnBrk="0" hangingPunct="1">
-        <a:defRPr sz="1800" kern="1200">
-          <a:solidFill>
-            <a:schemeClr val="tx1"/>
-          </a:solidFill>
-          <a:latin typeface="+mn-lt"/>
-          <a:ea typeface="+mn-ea"/>
-          <a:cs typeface="+mn-cs"/>
-        </a:defRPr>
-      </a:lvl1pPr>
-      <a:lvl2pPr marL="457200" algn="l" defTabSz="914400" rtl="0" eaLnBrk="1" latinLnBrk="0" hangingPunct="1">
-        <a:defRPr sz="1800" kern="1200">
-          <a:solidFill>
-            <a:schemeClr val="tx1"/>
-          </a:solidFill>
-          <a:latin typeface="+mn-lt"/>
-          <a:ea typeface="+mn-ea"/>
-          <a:cs typeface="+mn-cs"/>
-        </a:defRPr>
-      </a:lvl2pPr>
-      <a:lvl3pPr marL="914400" algn="l" defTabSz="914400" rtl="0" eaLnBrk="1" latinLnBrk="0" hangingPunct="1">
-        <a:defRPr sz="1800" kern="1200">
-          <a:solidFill>
-            <a:schemeClr val="tx1"/>
-          </a:solidFill>
-          <a:latin typeface="+mn-lt"/>
-          <a:ea typeface="+mn-ea"/>
-          <a:cs typeface="+mn-cs"/>
-        </a:defRPr>
-      </a:lvl3pPr>
-      <a:lvl4pPr marL="1371600" algn="l" defTabSz="914400" rtl="0" eaLnBrk="1" latinLnBrk="0" hangingPunct="1">
-        <a:defRPr sz="1800" kern="1200">
-          <a:solidFill>
-            <a:schemeClr val="tx1"/>
-          </a:solidFill>
-          <a:latin typeface="+mn-lt"/>
-          <a:ea typeface="+mn-ea"/>
-          <a:cs typeface="+mn-cs"/>
-        </a:defRPr>
-      </a:lvl4pPr>
-      <a:lvl5pPr marL="1828800" algn="l" defTabSz="914400" rtl="0" eaLnBrk="1" latinLnBrk="0" hangingPunct="1">
-        <a:defRPr sz="1800" kern="1200">
-          <a:solidFill>
-            <a:schemeClr val="tx1"/>
-          </a:solidFill>
-          <a:latin typeface="+mn-lt"/>
-          <a:ea typeface="+mn-ea"/>
-          <a:cs typeface="+mn-cs"/>
-        </a:defRPr>
-      </a:lvl5pPr>
-      <a:lvl6pPr marL="2286000" algn="l" defTabSz="914400" rtl="0" eaLnBrk="1" latinLnBrk="0" hangingPunct="1">
-        <a:defRPr sz="1800" kern="1200">
-          <a:solidFill>
-            <a:schemeClr val="tx1"/>
-          </a:solidFill>
-          <a:latin typeface="+mn-lt"/>
-          <a:ea typeface="+mn-ea"/>
-          <a:cs typeface="+mn-cs"/>
-        </a:defRPr>
-      </a:lvl6pPr>
-      <a:lvl7pPr marL="2743200" algn="l" defTabSz="914400" rtl="0" eaLnBrk="1" latinLnBrk="0" hangingPunct="1">
-        <a:defRPr sz="1800" kern="1200">
-          <a:solidFill>
-            <a:schemeClr val="tx1"/>
-          </a:solidFill>
-          <a:latin typeface="+mn-lt"/>
-          <a:ea typeface="+mn-ea"/>
-          <a:cs typeface="+mn-cs"/>
-        </a:defRPr>
-      </a:lvl7pPr>
-      <a:lvl8pPr marL="3200400" algn="l" defTabSz="914400" rtl="0" eaLnBrk="1" latinLnBrk="0" hangingPunct="1">
-        <a:defRPr sz="1800" kern="1200">
-          <a:solidFill>
-            <a:schemeClr val="tx1"/>
-          </a:solidFill>
-          <a:latin typeface="+mn-lt"/>
-          <a:ea typeface="+mn-ea"/>
-          <a:cs typeface="+mn-cs"/>
-        </a:defRPr>
-      </a:lvl8pPr>
-      <a:lvl9pPr marL="3657600" algn="l" defTabSz="914400" rtl="0" eaLnBrk="1" latinLnBrk="0" hangingPunct="1">
+      <a:lvl9pPr marL="3657600" algn="l" defTabSz="457200" rtl="0" eaLnBrk="1" latinLnBrk="0" hangingPunct="1">
         <a:defRPr sz="1800" kern="1200">
           <a:solidFill>
             <a:schemeClr val="tx1"/>
@@ -3315,6 +5719,14 @@
 <file path=ppt/slides/slide1.xml><?xml version="1.0" encoding="utf-8"?>
 <p:sld xmlns:a="http://schemas.openxmlformats.org/drawingml/2006/main" xmlns:r="http://schemas.openxmlformats.org/officeDocument/2006/relationships" xmlns:p="http://schemas.openxmlformats.org/presentationml/2006/main">
   <p:cSld>
+    <p:bg>
+      <p:bgPr>
+        <a:solidFill>
+          <a:schemeClr val="bg1"/>
+        </a:solidFill>
+        <a:effectLst/>
+      </p:bgPr>
+    </p:bg>
     <p:spTree>
       <p:nvGrpSpPr>
         <p:cNvPr id="1" name=""/>
@@ -3345,13 +5757,24 @@
             <p:ph type="ctrTitle"/>
           </p:nvPr>
         </p:nvSpPr>
-        <p:spPr/>
-        <p:txBody>
-          <a:bodyPr/>
-          <a:lstStyle/>
-          <a:p>
-            <a:r>
-              <a:rPr lang="da-DK" dirty="0"/>
+        <p:spPr>
+          <a:xfrm>
+            <a:off x="3964676" y="1479558"/>
+            <a:ext cx="4339988" cy="2577893"/>
+          </a:xfrm>
+        </p:spPr>
+        <p:txBody>
+          <a:bodyPr>
+            <a:normAutofit/>
+          </a:bodyPr>
+          <a:lstStyle/>
+          <a:p>
+            <a:r>
+              <a:rPr lang="da-DK" sz="5400">
+                <a:solidFill>
+                  <a:schemeClr val="bg1"/>
+                </a:solidFill>
+              </a:rPr>
               <a:t>Lagersystem pipeline</a:t>
             </a:r>
           </a:p>
@@ -3373,13 +5796,24 @@
             <p:ph type="subTitle" idx="1"/>
           </p:nvPr>
         </p:nvSpPr>
-        <p:spPr/>
-        <p:txBody>
-          <a:bodyPr/>
-          <a:lstStyle/>
-          <a:p>
-            <a:r>
-              <a:rPr lang="da-DK" dirty="0"/>
+        <p:spPr>
+          <a:xfrm>
+            <a:off x="4283765" y="4149526"/>
+            <a:ext cx="3624471" cy="899551"/>
+          </a:xfrm>
+        </p:spPr>
+        <p:txBody>
+          <a:bodyPr>
+            <a:normAutofit/>
+          </a:bodyPr>
+          <a:lstStyle/>
+          <a:p>
+            <a:r>
+              <a:rPr lang="da-DK" sz="2000">
+                <a:solidFill>
+                  <a:schemeClr val="bg1"/>
+                </a:solidFill>
+              </a:rPr>
               <a:t>Viktor From</a:t>
             </a:r>
           </a:p>
@@ -3389,6 +5823,344 @@
     <p:extLst>
       <p:ext uri="{BB962C8B-B14F-4D97-AF65-F5344CB8AC3E}">
         <p14:creationId xmlns:p14="http://schemas.microsoft.com/office/powerpoint/2010/main" val="690295157"/>
+      </p:ext>
+    </p:extLst>
+  </p:cSld>
+  <p:clrMapOvr>
+    <a:masterClrMapping/>
+  </p:clrMapOvr>
+  <p:timing>
+    <p:tnLst>
+      <p:par>
+        <p:cTn id="1" dur="indefinite" restart="never" nodeType="tmRoot">
+          <p:childTnLst>
+            <p:seq concurrent="1" nextAc="seek">
+              <p:cTn id="2" dur="indefinite" nodeType="mainSeq">
+                <p:childTnLst>
+                  <p:par>
+                    <p:cTn id="3" fill="hold">
+                      <p:stCondLst>
+                        <p:cond delay="indefinite"/>
+                        <p:cond evt="onBegin" delay="0">
+                          <p:tn val="2"/>
+                        </p:cond>
+                      </p:stCondLst>
+                      <p:childTnLst>
+                        <p:par>
+                          <p:cTn id="4" fill="hold">
+                            <p:stCondLst>
+                              <p:cond delay="0"/>
+                            </p:stCondLst>
+                            <p:childTnLst>
+                              <p:par>
+                                <p:cTn id="5" presetID="10" presetClass="entr" presetSubtype="0" fill="hold" grpId="0" nodeType="withEffect">
+                                  <p:stCondLst>
+                                    <p:cond delay="500"/>
+                                  </p:stCondLst>
+                                  <p:iterate type="lt">
+                                    <p:tmPct val="10000"/>
+                                  </p:iterate>
+                                  <p:childTnLst>
+                                    <p:set>
+                                      <p:cBhvr>
+                                        <p:cTn id="6" dur="1" fill="hold">
+                                          <p:stCondLst>
+                                            <p:cond delay="0"/>
+                                          </p:stCondLst>
+                                        </p:cTn>
+                                        <p:tgtEl>
+                                          <p:spTgt spid="2"/>
+                                        </p:tgtEl>
+                                        <p:attrNameLst>
+                                          <p:attrName>style.visibility</p:attrName>
+                                        </p:attrNameLst>
+                                      </p:cBhvr>
+                                      <p:to>
+                                        <p:strVal val="visible"/>
+                                      </p:to>
+                                    </p:set>
+                                    <p:animEffect transition="in" filter="fade">
+                                      <p:cBhvr>
+                                        <p:cTn id="7" dur="400"/>
+                                        <p:tgtEl>
+                                          <p:spTgt spid="2"/>
+                                        </p:tgtEl>
+                                      </p:cBhvr>
+                                    </p:animEffect>
+                                  </p:childTnLst>
+                                </p:cTn>
+                              </p:par>
+                              <p:par>
+                                <p:cTn id="8" presetID="10" presetClass="entr" presetSubtype="0" fill="hold" grpId="0" nodeType="withEffect">
+                                  <p:stCondLst>
+                                    <p:cond delay="2000"/>
+                                  </p:stCondLst>
+                                  <p:iterate type="lt">
+                                    <p:tmPct val="10000"/>
+                                  </p:iterate>
+                                  <p:childTnLst>
+                                    <p:set>
+                                      <p:cBhvr>
+                                        <p:cTn id="9" dur="1" fill="hold">
+                                          <p:stCondLst>
+                                            <p:cond delay="0"/>
+                                          </p:stCondLst>
+                                        </p:cTn>
+                                        <p:tgtEl>
+                                          <p:spTgt spid="3">
+                                            <p:txEl>
+                                              <p:pRg st="0" end="0"/>
+                                            </p:txEl>
+                                          </p:spTgt>
+                                        </p:tgtEl>
+                                        <p:attrNameLst>
+                                          <p:attrName>style.visibility</p:attrName>
+                                        </p:attrNameLst>
+                                      </p:cBhvr>
+                                      <p:to>
+                                        <p:strVal val="visible"/>
+                                      </p:to>
+                                    </p:set>
+                                    <p:animEffect transition="in" filter="fade">
+                                      <p:cBhvr>
+                                        <p:cTn id="10" dur="400"/>
+                                        <p:tgtEl>
+                                          <p:spTgt spid="3">
+                                            <p:txEl>
+                                              <p:pRg st="0" end="0"/>
+                                            </p:txEl>
+                                          </p:spTgt>
+                                        </p:tgtEl>
+                                      </p:cBhvr>
+                                    </p:animEffect>
+                                  </p:childTnLst>
+                                </p:cTn>
+                              </p:par>
+                            </p:childTnLst>
+                          </p:cTn>
+                        </p:par>
+                      </p:childTnLst>
+                    </p:cTn>
+                  </p:par>
+                </p:childTnLst>
+              </p:cTn>
+              <p:prevCondLst>
+                <p:cond evt="onPrev" delay="0">
+                  <p:tgtEl>
+                    <p:sldTgt/>
+                  </p:tgtEl>
+                </p:cond>
+              </p:prevCondLst>
+              <p:nextCondLst>
+                <p:cond evt="onNext" delay="0">
+                  <p:tgtEl>
+                    <p:sldTgt/>
+                  </p:tgtEl>
+                </p:cond>
+              </p:nextCondLst>
+            </p:seq>
+          </p:childTnLst>
+        </p:cTn>
+      </p:par>
+    </p:tnLst>
+    <p:bldLst>
+      <p:bldP spid="2" grpId="0"/>
+      <p:bldP spid="3" grpId="0" build="p"/>
+    </p:bldLst>
+  </p:timing>
+</p:sld>
+</file>
+
+<file path=ppt/slides/slide10.xml><?xml version="1.0" encoding="utf-8"?>
+<p:sld xmlns:a="http://schemas.openxmlformats.org/drawingml/2006/main" xmlns:r="http://schemas.openxmlformats.org/officeDocument/2006/relationships" xmlns:p="http://schemas.openxmlformats.org/presentationml/2006/main">
+  <p:cSld>
+    <p:spTree>
+      <p:nvGrpSpPr>
+        <p:cNvPr id="1" name=""/>
+        <p:cNvGrpSpPr/>
+        <p:nvPr/>
+      </p:nvGrpSpPr>
+      <p:grpSpPr>
+        <a:xfrm>
+          <a:off x="0" y="0"/>
+          <a:ext cx="0" cy="0"/>
+          <a:chOff x="0" y="0"/>
+          <a:chExt cx="0" cy="0"/>
+        </a:xfrm>
+      </p:grpSpPr>
+      <p:sp>
+        <p:nvSpPr>
+          <p:cNvPr id="2" name="Titel 1">
+            <a:extLst>
+              <a:ext uri="{FF2B5EF4-FFF2-40B4-BE49-F238E27FC236}">
+                <a16:creationId xmlns:a16="http://schemas.microsoft.com/office/drawing/2014/main" id="{548F4A07-C121-196A-1876-7D3E9A934199}"/>
+              </a:ext>
+            </a:extLst>
+          </p:cNvPr>
+          <p:cNvSpPr>
+            <a:spLocks noGrp="1"/>
+          </p:cNvSpPr>
+          <p:nvPr>
+            <p:ph type="title"/>
+          </p:nvPr>
+        </p:nvSpPr>
+        <p:spPr/>
+        <p:txBody>
+          <a:bodyPr/>
+          <a:lstStyle/>
+          <a:p>
+            <a:r>
+              <a:rPr lang="da-DK" dirty="0"/>
+              <a:t>Konklusion</a:t>
+            </a:r>
+          </a:p>
+        </p:txBody>
+      </p:sp>
+      <p:sp>
+        <p:nvSpPr>
+          <p:cNvPr id="3" name="Pladsholder til indhold 2">
+            <a:extLst>
+              <a:ext uri="{FF2B5EF4-FFF2-40B4-BE49-F238E27FC236}">
+                <a16:creationId xmlns:a16="http://schemas.microsoft.com/office/drawing/2014/main" id="{6FB26CAF-2F4C-0E66-51D4-F660B504D9AF}"/>
+              </a:ext>
+            </a:extLst>
+          </p:cNvPr>
+          <p:cNvSpPr>
+            <a:spLocks noGrp="1"/>
+          </p:cNvSpPr>
+          <p:nvPr>
+            <p:ph idx="1"/>
+          </p:nvPr>
+        </p:nvSpPr>
+        <p:spPr/>
+        <p:txBody>
+          <a:bodyPr/>
+          <a:lstStyle/>
+          <a:p>
+            <a:r>
+              <a:rPr lang="da-DK" dirty="0"/>
+              <a:t>Fik en container opstillet.</a:t>
+            </a:r>
+          </a:p>
+          <a:p>
+            <a:r>
+              <a:rPr lang="da-DK" dirty="0"/>
+              <a:t>Lærte meget om containere og actions.</a:t>
+            </a:r>
+          </a:p>
+          <a:p>
+            <a:r>
+              <a:rPr lang="da-DK" dirty="0"/>
+              <a:t>Fik desværre ikke actions til at virke.</a:t>
+            </a:r>
+          </a:p>
+          <a:p>
+            <a:endParaRPr lang="da-DK" dirty="0"/>
+          </a:p>
+        </p:txBody>
+      </p:sp>
+    </p:spTree>
+    <p:extLst>
+      <p:ext uri="{BB962C8B-B14F-4D97-AF65-F5344CB8AC3E}">
+        <p14:creationId xmlns:p14="http://schemas.microsoft.com/office/powerpoint/2010/main" val="637766752"/>
+      </p:ext>
+    </p:extLst>
+  </p:cSld>
+  <p:clrMapOvr>
+    <a:masterClrMapping/>
+  </p:clrMapOvr>
+</p:sld>
+</file>
+
+<file path=ppt/slides/slide11.xml><?xml version="1.0" encoding="utf-8"?>
+<p:sld xmlns:a="http://schemas.openxmlformats.org/drawingml/2006/main" xmlns:r="http://schemas.openxmlformats.org/officeDocument/2006/relationships" xmlns:p="http://schemas.openxmlformats.org/presentationml/2006/main">
+  <p:cSld>
+    <p:spTree>
+      <p:nvGrpSpPr>
+        <p:cNvPr id="1" name=""/>
+        <p:cNvGrpSpPr/>
+        <p:nvPr/>
+      </p:nvGrpSpPr>
+      <p:grpSpPr>
+        <a:xfrm>
+          <a:off x="0" y="0"/>
+          <a:ext cx="0" cy="0"/>
+          <a:chOff x="0" y="0"/>
+          <a:chExt cx="0" cy="0"/>
+        </a:xfrm>
+      </p:grpSpPr>
+      <p:sp>
+        <p:nvSpPr>
+          <p:cNvPr id="2" name="Titel 1">
+            <a:extLst>
+              <a:ext uri="{FF2B5EF4-FFF2-40B4-BE49-F238E27FC236}">
+                <a16:creationId xmlns:a16="http://schemas.microsoft.com/office/drawing/2014/main" id="{87882117-6AA3-FDE2-C206-00860E504229}"/>
+              </a:ext>
+            </a:extLst>
+          </p:cNvPr>
+          <p:cNvSpPr>
+            <a:spLocks noGrp="1"/>
+          </p:cNvSpPr>
+          <p:nvPr>
+            <p:ph type="title"/>
+          </p:nvPr>
+        </p:nvSpPr>
+        <p:spPr/>
+        <p:txBody>
+          <a:bodyPr/>
+          <a:lstStyle/>
+          <a:p>
+            <a:r>
+              <a:rPr lang="da-DK" dirty="0"/>
+              <a:t>Tak for denne gang!</a:t>
+            </a:r>
+          </a:p>
+        </p:txBody>
+      </p:sp>
+      <p:sp>
+        <p:nvSpPr>
+          <p:cNvPr id="3" name="Pladsholder til indhold 2">
+            <a:extLst>
+              <a:ext uri="{FF2B5EF4-FFF2-40B4-BE49-F238E27FC236}">
+                <a16:creationId xmlns:a16="http://schemas.microsoft.com/office/drawing/2014/main" id="{08EE6E54-AC00-A12F-5E77-C8D79A308A5E}"/>
+              </a:ext>
+            </a:extLst>
+          </p:cNvPr>
+          <p:cNvSpPr>
+            <a:spLocks noGrp="1"/>
+          </p:cNvSpPr>
+          <p:nvPr>
+            <p:ph idx="1"/>
+          </p:nvPr>
+        </p:nvSpPr>
+        <p:spPr/>
+        <p:txBody>
+          <a:bodyPr/>
+          <a:lstStyle/>
+          <a:p>
+            <a:pPr marL="0" indent="0">
+              <a:buNone/>
+            </a:pPr>
+            <a:r>
+              <a:rPr lang="da-DK" dirty="0"/>
+              <a:t>Hvorfor griner I?</a:t>
+            </a:r>
+          </a:p>
+          <a:p>
+            <a:pPr marL="0" indent="0">
+              <a:buNone/>
+            </a:pPr>
+            <a:r>
+              <a:rPr lang="da-DK" dirty="0"/>
+              <a:t>Havde I forventet en joke?</a:t>
+            </a:r>
+          </a:p>
+        </p:txBody>
+      </p:sp>
+    </p:spTree>
+    <p:extLst>
+      <p:ext uri="{BB962C8B-B14F-4D97-AF65-F5344CB8AC3E}">
+        <p14:creationId xmlns:p14="http://schemas.microsoft.com/office/powerpoint/2010/main" val="685353766"/>
       </p:ext>
     </p:extLst>
   </p:cSld>
@@ -3437,9 +6209,10 @@
           <a:lstStyle/>
           <a:p>
             <a:r>
-              <a:rPr lang="da-DK" dirty="0"/>
+              <a:rPr lang="da-DK"/>
               <a:t>Agenda</a:t>
             </a:r>
+            <a:endParaRPr lang="da-DK" dirty="0"/>
           </a:p>
         </p:txBody>
       </p:sp>
@@ -3469,7 +6242,7 @@
               <a:buAutoNum type="arabicPeriod"/>
             </a:pPr>
             <a:r>
-              <a:rPr lang="da-DK" dirty="0"/>
+              <a:rPr lang="da-DK"/>
               <a:t>Opgaven.</a:t>
             </a:r>
           </a:p>
@@ -3479,7 +6252,7 @@
               <a:buAutoNum type="arabicPeriod"/>
             </a:pPr>
             <a:r>
-              <a:rPr lang="da-DK" dirty="0"/>
+              <a:rPr lang="da-DK"/>
               <a:t>Docker container.</a:t>
             </a:r>
           </a:p>
@@ -3489,12 +6262,8 @@
               <a:buAutoNum type="arabicPeriod"/>
             </a:pPr>
             <a:r>
-              <a:rPr lang="da-DK" dirty="0" err="1"/>
-              <a:t>Github</a:t>
-            </a:r>
-            <a:r>
-              <a:rPr lang="da-DK" dirty="0"/>
-              <a:t> Actions</a:t>
+              <a:rPr lang="da-DK"/>
+              <a:t>Github Actions</a:t>
             </a:r>
           </a:p>
           <a:p>
@@ -3503,7 +6272,7 @@
               <a:buAutoNum type="arabicPeriod"/>
             </a:pPr>
             <a:r>
-              <a:rPr lang="da-DK" dirty="0"/>
+              <a:rPr lang="da-DK"/>
               <a:t>Live demo</a:t>
             </a:r>
           </a:p>
@@ -3513,7 +6282,7 @@
               <a:buAutoNum type="arabicPeriod"/>
             </a:pPr>
             <a:r>
-              <a:rPr lang="da-DK" dirty="0"/>
+              <a:rPr lang="da-DK"/>
               <a:t>Resultater</a:t>
             </a:r>
           </a:p>
@@ -3523,9 +6292,10 @@
               <a:buAutoNum type="arabicPeriod"/>
             </a:pPr>
             <a:r>
-              <a:rPr lang="da-DK" dirty="0"/>
+              <a:rPr lang="da-DK"/>
               <a:t>Konklusion</a:t>
             </a:r>
+            <a:endParaRPr lang="da-DK" dirty="0"/>
           </a:p>
         </p:txBody>
       </p:sp>
@@ -3581,9 +6351,10 @@
           <a:lstStyle/>
           <a:p>
             <a:r>
-              <a:rPr lang="da-DK" dirty="0"/>
+              <a:rPr lang="da-DK"/>
               <a:t>Opgaven</a:t>
             </a:r>
+            <a:endParaRPr lang="da-DK" dirty="0"/>
           </a:p>
         </p:txBody>
       </p:sp>
@@ -3609,50 +6380,43 @@
           <a:lstStyle/>
           <a:p>
             <a:r>
-              <a:rPr lang="da-DK" dirty="0"/>
+              <a:rPr lang="da-DK"/>
               <a:t>Opsætning af CI/CD pipeline.</a:t>
             </a:r>
           </a:p>
           <a:p>
             <a:pPr lvl="1"/>
             <a:r>
-              <a:rPr lang="da-DK" dirty="0"/>
+              <a:rPr lang="da-DK"/>
               <a:t>Hvad er CI/CD?</a:t>
             </a:r>
           </a:p>
           <a:p>
             <a:r>
-              <a:rPr lang="da-DK" dirty="0"/>
+              <a:rPr lang="da-DK"/>
               <a:t>Opsætning af Docker container.</a:t>
             </a:r>
           </a:p>
           <a:p>
             <a:pPr lvl="1"/>
             <a:r>
-              <a:rPr lang="da-DK" dirty="0"/>
+              <a:rPr lang="da-DK"/>
               <a:t>Hvad er en container?</a:t>
             </a:r>
           </a:p>
           <a:p>
             <a:r>
-              <a:rPr lang="da-DK" dirty="0"/>
-              <a:t>Opsætning af </a:t>
-            </a:r>
-            <a:r>
-              <a:rPr lang="da-DK" dirty="0" err="1"/>
-              <a:t>Github</a:t>
-            </a:r>
-            <a:r>
-              <a:rPr lang="da-DK" dirty="0"/>
-              <a:t> Actions</a:t>
+              <a:rPr lang="da-DK"/>
+              <a:t>Opsætning af Github Actions</a:t>
             </a:r>
           </a:p>
           <a:p>
             <a:pPr lvl="1"/>
             <a:r>
-              <a:rPr lang="da-DK" dirty="0"/>
+              <a:rPr lang="da-DK"/>
               <a:t>Hvad er en Action?</a:t>
             </a:r>
+            <a:endParaRPr lang="da-DK" dirty="0"/>
           </a:p>
         </p:txBody>
       </p:sp>
@@ -3708,9 +6472,10 @@
           <a:lstStyle/>
           <a:p>
             <a:r>
-              <a:rPr lang="da-DK" dirty="0"/>
+              <a:rPr lang="da-DK"/>
               <a:t>Docker container</a:t>
             </a:r>
+            <a:endParaRPr lang="da-DK" dirty="0"/>
           </a:p>
         </p:txBody>
       </p:sp>
@@ -3741,49 +6506,49 @@
           <a:lstStyle/>
           <a:p>
             <a:r>
-              <a:rPr lang="da-DK" dirty="0"/>
+              <a:rPr lang="da-DK"/>
               <a:t>Container:</a:t>
             </a:r>
           </a:p>
           <a:p>
             <a:pPr lvl="1"/>
             <a:r>
-              <a:rPr lang="da-DK" dirty="0"/>
+              <a:rPr lang="da-DK"/>
               <a:t>Isoleret system.</a:t>
             </a:r>
           </a:p>
           <a:p>
             <a:pPr lvl="1"/>
             <a:r>
-              <a:rPr lang="da-DK" dirty="0"/>
+              <a:rPr lang="da-DK"/>
               <a:t>Indeholder alle nødvendige filer for at koden kan eksekveres.</a:t>
             </a:r>
           </a:p>
           <a:p>
             <a:pPr lvl="1"/>
             <a:r>
-              <a:rPr lang="da-DK" dirty="0"/>
+              <a:rPr lang="da-DK"/>
               <a:t>Dockerfile.</a:t>
             </a:r>
           </a:p>
           <a:p>
             <a:pPr lvl="2"/>
             <a:r>
-              <a:rPr lang="da-DK" dirty="0"/>
+              <a:rPr lang="da-DK"/>
               <a:t>Definerer sprogversion.</a:t>
             </a:r>
           </a:p>
           <a:p>
             <a:pPr lvl="2"/>
             <a:r>
-              <a:rPr lang="da-DK" dirty="0"/>
+              <a:rPr lang="da-DK"/>
               <a:t>Installerer filer.</a:t>
             </a:r>
           </a:p>
           <a:p>
             <a:pPr lvl="2"/>
             <a:r>
-              <a:rPr lang="da-DK" dirty="0"/>
+              <a:rPr lang="da-DK"/>
               <a:t>Opsætter brugere, hvis nødvendigt.</a:t>
             </a:r>
           </a:p>
@@ -3793,12 +6558,95 @@
           </a:p>
         </p:txBody>
       </p:sp>
+    </p:spTree>
+    <p:extLst>
+      <p:ext uri="{BB962C8B-B14F-4D97-AF65-F5344CB8AC3E}">
+        <p14:creationId xmlns:p14="http://schemas.microsoft.com/office/powerpoint/2010/main" val="2620411723"/>
+      </p:ext>
+    </p:extLst>
+  </p:cSld>
+  <p:clrMapOvr>
+    <a:masterClrMapping/>
+  </p:clrMapOvr>
+</p:sld>
+</file>
+
+<file path=ppt/slides/slide5.xml><?xml version="1.0" encoding="utf-8"?>
+<p:sld xmlns:a="http://schemas.openxmlformats.org/drawingml/2006/main" xmlns:r="http://schemas.openxmlformats.org/officeDocument/2006/relationships" xmlns:p="http://schemas.openxmlformats.org/presentationml/2006/main">
+  <p:cSld>
+    <p:spTree>
+      <p:nvGrpSpPr>
+        <p:cNvPr id="1" name=""/>
+        <p:cNvGrpSpPr/>
+        <p:nvPr/>
+      </p:nvGrpSpPr>
+      <p:grpSpPr>
+        <a:xfrm>
+          <a:off x="0" y="0"/>
+          <a:ext cx="0" cy="0"/>
+          <a:chOff x="0" y="0"/>
+          <a:chExt cx="0" cy="0"/>
+        </a:xfrm>
+      </p:grpSpPr>
+      <p:sp>
+        <p:nvSpPr>
+          <p:cNvPr id="2" name="Titel 1">
+            <a:extLst>
+              <a:ext uri="{FF2B5EF4-FFF2-40B4-BE49-F238E27FC236}">
+                <a16:creationId xmlns:a16="http://schemas.microsoft.com/office/drawing/2014/main" id="{80B165C6-4D8A-3299-A0A1-A234AE88912C}"/>
+              </a:ext>
+            </a:extLst>
+          </p:cNvPr>
+          <p:cNvSpPr>
+            <a:spLocks noGrp="1"/>
+          </p:cNvSpPr>
+          <p:nvPr>
+            <p:ph type="title"/>
+          </p:nvPr>
+        </p:nvSpPr>
+        <p:spPr/>
+        <p:txBody>
+          <a:bodyPr/>
+          <a:lstStyle/>
+          <a:p>
+            <a:r>
+              <a:rPr lang="da-DK" dirty="0"/>
+              <a:t>Docker container</a:t>
+            </a:r>
+          </a:p>
+        </p:txBody>
+      </p:sp>
+      <p:sp>
+        <p:nvSpPr>
+          <p:cNvPr id="3" name="Pladsholder til indhold 2">
+            <a:extLst>
+              <a:ext uri="{FF2B5EF4-FFF2-40B4-BE49-F238E27FC236}">
+                <a16:creationId xmlns:a16="http://schemas.microsoft.com/office/drawing/2014/main" id="{824E545B-DA35-7614-B8FF-C2360A1C43D4}"/>
+              </a:ext>
+            </a:extLst>
+          </p:cNvPr>
+          <p:cNvSpPr>
+            <a:spLocks noGrp="1"/>
+          </p:cNvSpPr>
+          <p:nvPr>
+            <p:ph idx="1"/>
+          </p:nvPr>
+        </p:nvSpPr>
+        <p:spPr/>
+        <p:txBody>
+          <a:bodyPr/>
+          <a:lstStyle/>
+          <a:p>
+            <a:endParaRPr lang="da-DK" dirty="0"/>
+          </a:p>
+        </p:txBody>
+      </p:sp>
       <p:pic>
         <p:nvPicPr>
-          <p:cNvPr id="5" name="Billede 4">
+          <p:cNvPr id="4" name="Billede 3">
             <a:extLst>
               <a:ext uri="{FF2B5EF4-FFF2-40B4-BE49-F238E27FC236}">
-                <a16:creationId xmlns:a16="http://schemas.microsoft.com/office/drawing/2014/main" id="{2016DF0F-A133-98BA-7D3C-560BD4CB60C2}"/>
+                <a16:creationId xmlns:a16="http://schemas.microsoft.com/office/drawing/2014/main" id="{8806BADC-BFCD-85FE-A564-86727DBCFD19}"/>
               </a:ext>
             </a:extLst>
           </p:cNvPr>
@@ -3815,7 +6663,7 @@
         </p:blipFill>
         <p:spPr>
           <a:xfrm>
-            <a:off x="5715000" y="936694"/>
+            <a:off x="1009195" y="2635248"/>
             <a:ext cx="4071257" cy="686525"/>
           </a:xfrm>
           <a:prstGeom prst="rect">
@@ -3825,10 +6673,10 @@
       </p:pic>
       <p:pic>
         <p:nvPicPr>
-          <p:cNvPr id="7" name="Billede 6">
+          <p:cNvPr id="5" name="Billede 4">
             <a:extLst>
               <a:ext uri="{FF2B5EF4-FFF2-40B4-BE49-F238E27FC236}">
-                <a16:creationId xmlns:a16="http://schemas.microsoft.com/office/drawing/2014/main" id="{91D9A511-DE9B-7C28-9EAD-38D56EAFDB86}"/>
+                <a16:creationId xmlns:a16="http://schemas.microsoft.com/office/drawing/2014/main" id="{3653040D-1746-EEEE-9B2E-4ED24A5EAC5D}"/>
               </a:ext>
             </a:extLst>
           </p:cNvPr>
@@ -3845,7 +6693,7 @@
         </p:blipFill>
         <p:spPr>
           <a:xfrm>
-            <a:off x="5693228" y="1690688"/>
+            <a:off x="1141413" y="3536227"/>
             <a:ext cx="3156857" cy="2113268"/>
           </a:xfrm>
           <a:prstGeom prst="rect">
@@ -3855,10 +6703,10 @@
       </p:pic>
       <p:pic>
         <p:nvPicPr>
-          <p:cNvPr id="9" name="Billede 8">
+          <p:cNvPr id="6" name="Billede 5">
             <a:extLst>
               <a:ext uri="{FF2B5EF4-FFF2-40B4-BE49-F238E27FC236}">
-                <a16:creationId xmlns:a16="http://schemas.microsoft.com/office/drawing/2014/main" id="{4BAF7430-65F7-A6D8-F30D-514F83BA7F27}"/>
+                <a16:creationId xmlns:a16="http://schemas.microsoft.com/office/drawing/2014/main" id="{182296A6-1ED9-DA9D-7371-D6576B9F7E16}"/>
               </a:ext>
             </a:extLst>
           </p:cNvPr>
@@ -3875,7 +6723,7 @@
         </p:blipFill>
         <p:spPr>
           <a:xfrm>
-            <a:off x="5491274" y="3079027"/>
+            <a:off x="5295331" y="2575376"/>
             <a:ext cx="6493898" cy="3413848"/>
           </a:xfrm>
           <a:prstGeom prst="rect">
@@ -3886,7 +6734,7 @@
     </p:spTree>
     <p:extLst>
       <p:ext uri="{BB962C8B-B14F-4D97-AF65-F5344CB8AC3E}">
-        <p14:creationId xmlns:p14="http://schemas.microsoft.com/office/powerpoint/2010/main" val="2620411723"/>
+        <p14:creationId xmlns:p14="http://schemas.microsoft.com/office/powerpoint/2010/main" val="607215312"/>
       </p:ext>
     </p:extLst>
   </p:cSld>
@@ -3923,7 +6771,7 @@
                                       <p:cBhvr>
                                         <p:cTn id="6" dur="500"/>
                                         <p:tgtEl>
-                                          <p:spTgt spid="5"/>
+                                          <p:spTgt spid="4"/>
                                         </p:tgtEl>
                                       </p:cBhvr>
                                     </p:animEffect>
@@ -3935,7 +6783,7 @@
                                           </p:stCondLst>
                                         </p:cTn>
                                         <p:tgtEl>
-                                          <p:spTgt spid="5"/>
+                                          <p:spTgt spid="4"/>
                                         </p:tgtEl>
                                         <p:attrNameLst>
                                           <p:attrName>style.visibility</p:attrName>
@@ -3958,7 +6806,7 @@
                                       <p:cBhvr>
                                         <p:cTn id="9" dur="500"/>
                                         <p:tgtEl>
-                                          <p:spTgt spid="7"/>
+                                          <p:spTgt spid="5"/>
                                         </p:tgtEl>
                                       </p:cBhvr>
                                     </p:animEffect>
@@ -3970,7 +6818,7 @@
                                           </p:stCondLst>
                                         </p:cTn>
                                         <p:tgtEl>
-                                          <p:spTgt spid="7"/>
+                                          <p:spTgt spid="5"/>
                                         </p:tgtEl>
                                         <p:attrNameLst>
                                           <p:attrName>style.visibility</p:attrName>
@@ -3997,7 +6845,7 @@
                                           </p:stCondLst>
                                         </p:cTn>
                                         <p:tgtEl>
-                                          <p:spTgt spid="9"/>
+                                          <p:spTgt spid="6"/>
                                         </p:tgtEl>
                                         <p:attrNameLst>
                                           <p:attrName>style.visibility</p:attrName>
@@ -4011,7 +6859,7 @@
                                       <p:cBhvr>
                                         <p:cTn id="13" dur="500"/>
                                         <p:tgtEl>
-                                          <p:spTgt spid="9"/>
+                                          <p:spTgt spid="6"/>
                                         </p:tgtEl>
                                       </p:cBhvr>
                                     </p:animEffect>
@@ -4049,166 +6897,6 @@
 </p:sld>
 </file>
 
-<file path=ppt/slides/slide5.xml><?xml version="1.0" encoding="utf-8"?>
-<p:sld xmlns:a="http://schemas.openxmlformats.org/drawingml/2006/main" xmlns:r="http://schemas.openxmlformats.org/officeDocument/2006/relationships" xmlns:p="http://schemas.openxmlformats.org/presentationml/2006/main">
-  <p:cSld>
-    <p:spTree>
-      <p:nvGrpSpPr>
-        <p:cNvPr id="1" name=""/>
-        <p:cNvGrpSpPr/>
-        <p:nvPr/>
-      </p:nvGrpSpPr>
-      <p:grpSpPr>
-        <a:xfrm>
-          <a:off x="0" y="0"/>
-          <a:ext cx="0" cy="0"/>
-          <a:chOff x="0" y="0"/>
-          <a:chExt cx="0" cy="0"/>
-        </a:xfrm>
-      </p:grpSpPr>
-      <p:sp>
-        <p:nvSpPr>
-          <p:cNvPr id="2" name="Titel 1">
-            <a:extLst>
-              <a:ext uri="{FF2B5EF4-FFF2-40B4-BE49-F238E27FC236}">
-                <a16:creationId xmlns:a16="http://schemas.microsoft.com/office/drawing/2014/main" id="{329E36E8-AF91-720B-48AF-D6BC2DB436E1}"/>
-              </a:ext>
-            </a:extLst>
-          </p:cNvPr>
-          <p:cNvSpPr>
-            <a:spLocks noGrp="1"/>
-          </p:cNvSpPr>
-          <p:nvPr>
-            <p:ph type="title"/>
-          </p:nvPr>
-        </p:nvSpPr>
-        <p:spPr/>
-        <p:txBody>
-          <a:bodyPr/>
-          <a:lstStyle/>
-          <a:p>
-            <a:r>
-              <a:rPr lang="da-DK" dirty="0" err="1"/>
-              <a:t>Github</a:t>
-            </a:r>
-            <a:r>
-              <a:rPr lang="da-DK" dirty="0"/>
-              <a:t> Actions</a:t>
-            </a:r>
-          </a:p>
-        </p:txBody>
-      </p:sp>
-      <p:sp>
-        <p:nvSpPr>
-          <p:cNvPr id="3" name="Pladsholder til indhold 2">
-            <a:extLst>
-              <a:ext uri="{FF2B5EF4-FFF2-40B4-BE49-F238E27FC236}">
-                <a16:creationId xmlns:a16="http://schemas.microsoft.com/office/drawing/2014/main" id="{47805A8E-AEF8-0212-04FD-D298FDE0D139}"/>
-              </a:ext>
-            </a:extLst>
-          </p:cNvPr>
-          <p:cNvSpPr>
-            <a:spLocks noGrp="1"/>
-          </p:cNvSpPr>
-          <p:nvPr>
-            <p:ph idx="1"/>
-          </p:nvPr>
-        </p:nvSpPr>
-        <p:spPr/>
-        <p:txBody>
-          <a:bodyPr/>
-          <a:lstStyle/>
-          <a:p>
-            <a:r>
-              <a:rPr lang="da-DK" dirty="0"/>
-              <a:t>Hvad er en Action?</a:t>
-            </a:r>
-          </a:p>
-          <a:p>
-            <a:pPr lvl="1"/>
-            <a:r>
-              <a:rPr lang="da-DK" dirty="0"/>
-              <a:t>Kode, der eksekveres ved en bestemt handling.</a:t>
-            </a:r>
-          </a:p>
-          <a:p>
-            <a:pPr lvl="2"/>
-            <a:r>
-              <a:rPr lang="da-DK" dirty="0"/>
-              <a:t>Push</a:t>
-            </a:r>
-          </a:p>
-          <a:p>
-            <a:pPr lvl="2"/>
-            <a:r>
-              <a:rPr lang="da-DK" dirty="0" err="1"/>
-              <a:t>Pull</a:t>
-            </a:r>
-            <a:r>
-              <a:rPr lang="da-DK" dirty="0"/>
-              <a:t> </a:t>
-            </a:r>
-            <a:r>
-              <a:rPr lang="da-DK" dirty="0" err="1"/>
-              <a:t>requests</a:t>
-            </a:r>
-            <a:endParaRPr lang="da-DK" dirty="0"/>
-          </a:p>
-          <a:p>
-            <a:pPr lvl="2"/>
-            <a:r>
-              <a:rPr lang="da-DK" dirty="0" err="1"/>
-              <a:t>Merge</a:t>
-            </a:r>
-            <a:r>
-              <a:rPr lang="da-DK" dirty="0"/>
-              <a:t>.</a:t>
-            </a:r>
-          </a:p>
-          <a:p>
-            <a:pPr lvl="1"/>
-            <a:r>
-              <a:rPr lang="da-DK" dirty="0"/>
-              <a:t>Opsætning af Action.</a:t>
-            </a:r>
-          </a:p>
-          <a:p>
-            <a:pPr lvl="2"/>
-            <a:r>
-              <a:rPr lang="da-DK" dirty="0"/>
-              <a:t>Definér hvornår Action skal køre.</a:t>
-            </a:r>
-          </a:p>
-          <a:p>
-            <a:pPr lvl="2"/>
-            <a:r>
-              <a:rPr lang="da-DK" dirty="0"/>
-              <a:t>Definér sprogversion</a:t>
-            </a:r>
-          </a:p>
-          <a:p>
-            <a:pPr lvl="2"/>
-            <a:endParaRPr lang="da-DK" dirty="0"/>
-          </a:p>
-          <a:p>
-            <a:pPr lvl="2"/>
-            <a:endParaRPr lang="da-DK" dirty="0"/>
-          </a:p>
-        </p:txBody>
-      </p:sp>
-    </p:spTree>
-    <p:extLst>
-      <p:ext uri="{BB962C8B-B14F-4D97-AF65-F5344CB8AC3E}">
-        <p14:creationId xmlns:p14="http://schemas.microsoft.com/office/powerpoint/2010/main" val="1240632976"/>
-      </p:ext>
-    </p:extLst>
-  </p:cSld>
-  <p:clrMapOvr>
-    <a:masterClrMapping/>
-  </p:clrMapOvr>
-</p:sld>
-</file>
-
 <file path=ppt/slides/slide6.xml><?xml version="1.0" encoding="utf-8"?>
 <p:sld xmlns:a="http://schemas.openxmlformats.org/drawingml/2006/main" xmlns:r="http://schemas.openxmlformats.org/officeDocument/2006/relationships" xmlns:p="http://schemas.openxmlformats.org/presentationml/2006/main">
   <p:cSld>
@@ -4231,7 +6919,7 @@
           <p:cNvPr id="2" name="Titel 1">
             <a:extLst>
               <a:ext uri="{FF2B5EF4-FFF2-40B4-BE49-F238E27FC236}">
-                <a16:creationId xmlns:a16="http://schemas.microsoft.com/office/drawing/2014/main" id="{4718C47F-212C-353F-3F24-499A79399A6C}"/>
+                <a16:creationId xmlns:a16="http://schemas.microsoft.com/office/drawing/2014/main" id="{329E36E8-AF91-720B-48AF-D6BC2DB436E1}"/>
               </a:ext>
             </a:extLst>
           </p:cNvPr>
@@ -4248,8 +6936,12 @@
           <a:lstStyle/>
           <a:p>
             <a:r>
+              <a:rPr lang="da-DK" dirty="0" err="1"/>
+              <a:t>Github</a:t>
+            </a:r>
+            <a:r>
               <a:rPr lang="da-DK" dirty="0"/>
-              <a:t>Live demo</a:t>
+              <a:t> Actions</a:t>
             </a:r>
           </a:p>
         </p:txBody>
@@ -4259,7 +6951,7 @@
           <p:cNvPr id="3" name="Pladsholder til indhold 2">
             <a:extLst>
               <a:ext uri="{FF2B5EF4-FFF2-40B4-BE49-F238E27FC236}">
-                <a16:creationId xmlns:a16="http://schemas.microsoft.com/office/drawing/2014/main" id="{EBAA2D07-99BB-72D3-56A0-12876A9E2735}"/>
+                <a16:creationId xmlns:a16="http://schemas.microsoft.com/office/drawing/2014/main" id="{47805A8E-AEF8-0212-04FD-D298FDE0D139}"/>
               </a:ext>
             </a:extLst>
           </p:cNvPr>
@@ -4272,17 +6964,103 @@
         </p:nvSpPr>
         <p:spPr/>
         <p:txBody>
-          <a:bodyPr/>
-          <a:lstStyle/>
-          <a:p>
-            <a:endParaRPr lang="da-DK"/>
+          <a:bodyPr>
+            <a:normAutofit fontScale="85000" lnSpcReduction="20000"/>
+          </a:bodyPr>
+          <a:lstStyle/>
+          <a:p>
+            <a:r>
+              <a:rPr lang="da-DK" dirty="0"/>
+              <a:t>Hvad er en Action?</a:t>
+            </a:r>
+          </a:p>
+          <a:p>
+            <a:pPr lvl="1"/>
+            <a:r>
+              <a:rPr lang="da-DK" dirty="0"/>
+              <a:t>Kode, der eksekveres ved en bestemt handling.</a:t>
+            </a:r>
+          </a:p>
+          <a:p>
+            <a:pPr lvl="2"/>
+            <a:r>
+              <a:rPr lang="da-DK" dirty="0"/>
+              <a:t>Push</a:t>
+            </a:r>
+          </a:p>
+          <a:p>
+            <a:pPr lvl="2"/>
+            <a:r>
+              <a:rPr lang="da-DK" dirty="0" err="1"/>
+              <a:t>Pull</a:t>
+            </a:r>
+            <a:r>
+              <a:rPr lang="da-DK" dirty="0"/>
+              <a:t> </a:t>
+            </a:r>
+            <a:r>
+              <a:rPr lang="da-DK" dirty="0" err="1"/>
+              <a:t>requests</a:t>
+            </a:r>
+            <a:endParaRPr lang="da-DK" dirty="0"/>
+          </a:p>
+          <a:p>
+            <a:pPr lvl="2"/>
+            <a:r>
+              <a:rPr lang="da-DK" dirty="0" err="1"/>
+              <a:t>Merge</a:t>
+            </a:r>
+            <a:r>
+              <a:rPr lang="da-DK" dirty="0"/>
+              <a:t>.</a:t>
+            </a:r>
+          </a:p>
+          <a:p>
+            <a:pPr lvl="1"/>
+            <a:r>
+              <a:rPr lang="da-DK" dirty="0"/>
+              <a:t>Opsætning af Action.</a:t>
+            </a:r>
+          </a:p>
+          <a:p>
+            <a:pPr lvl="2"/>
+            <a:r>
+              <a:rPr lang="da-DK" dirty="0"/>
+              <a:t>Definér hvornår Action skal køre.</a:t>
+            </a:r>
+          </a:p>
+          <a:p>
+            <a:pPr lvl="2"/>
+            <a:r>
+              <a:rPr lang="da-DK" dirty="0"/>
+              <a:t>Definér sprogversion</a:t>
+            </a:r>
+          </a:p>
+          <a:p>
+            <a:pPr lvl="2"/>
+            <a:r>
+              <a:rPr lang="da-DK" dirty="0"/>
+              <a:t>Installer alt nødvendigt</a:t>
+            </a:r>
+          </a:p>
+          <a:p>
+            <a:pPr lvl="2"/>
+            <a:r>
+              <a:rPr lang="da-DK" dirty="0"/>
+              <a:t>Kør </a:t>
+            </a:r>
+            <a:r>
+              <a:rPr lang="da-DK" dirty="0" err="1"/>
+              <a:t>PyTest</a:t>
+            </a:r>
+            <a:endParaRPr lang="da-DK" dirty="0"/>
           </a:p>
         </p:txBody>
       </p:sp>
     </p:spTree>
     <p:extLst>
       <p:ext uri="{BB962C8B-B14F-4D97-AF65-F5344CB8AC3E}">
-        <p14:creationId xmlns:p14="http://schemas.microsoft.com/office/powerpoint/2010/main" val="2557526008"/>
+        <p14:creationId xmlns:p14="http://schemas.microsoft.com/office/powerpoint/2010/main" val="1240632976"/>
       </p:ext>
     </p:extLst>
   </p:cSld>
@@ -4314,7 +7092,7 @@
           <p:cNvPr id="2" name="Titel 1">
             <a:extLst>
               <a:ext uri="{FF2B5EF4-FFF2-40B4-BE49-F238E27FC236}">
-                <a16:creationId xmlns:a16="http://schemas.microsoft.com/office/drawing/2014/main" id="{46595434-9E0D-30BB-1A4F-B4566F43D4BA}"/>
+                <a16:creationId xmlns:a16="http://schemas.microsoft.com/office/drawing/2014/main" id="{20C7FB06-EEBA-A16A-3C04-162E0CA7E424}"/>
               </a:ext>
             </a:extLst>
           </p:cNvPr>
@@ -4331,41 +7109,82 @@
           <a:lstStyle/>
           <a:p>
             <a:r>
+              <a:rPr lang="da-DK" dirty="0" err="1"/>
+              <a:t>Github</a:t>
+            </a:r>
+            <a:r>
               <a:rPr lang="da-DK" dirty="0"/>
-              <a:t>Resultater</a:t>
-            </a:r>
-          </a:p>
-        </p:txBody>
-      </p:sp>
-      <p:sp>
-        <p:nvSpPr>
-          <p:cNvPr id="3" name="Pladsholder til indhold 2">
+              <a:t> Actions</a:t>
+            </a:r>
+          </a:p>
+        </p:txBody>
+      </p:sp>
+      <p:pic>
+        <p:nvPicPr>
+          <p:cNvPr id="5" name="Pladsholder til indhold 4">
             <a:extLst>
               <a:ext uri="{FF2B5EF4-FFF2-40B4-BE49-F238E27FC236}">
-                <a16:creationId xmlns:a16="http://schemas.microsoft.com/office/drawing/2014/main" id="{15F739D8-93D9-FA9F-C1C6-5A793DE88876}"/>
+                <a16:creationId xmlns:a16="http://schemas.microsoft.com/office/drawing/2014/main" id="{E627B29B-3D24-978F-EFDB-06E28406AF8B}"/>
               </a:ext>
             </a:extLst>
           </p:cNvPr>
-          <p:cNvSpPr>
-            <a:spLocks noGrp="1"/>
-          </p:cNvSpPr>
+          <p:cNvPicPr>
+            <a:picLocks noGrp="1" noChangeAspect="1"/>
+          </p:cNvPicPr>
           <p:nvPr>
             <p:ph idx="1"/>
           </p:nvPr>
-        </p:nvSpPr>
-        <p:spPr/>
-        <p:txBody>
-          <a:bodyPr/>
-          <a:lstStyle/>
-          <a:p>
-            <a:endParaRPr lang="da-DK"/>
-          </a:p>
-        </p:txBody>
-      </p:sp>
+        </p:nvPicPr>
+        <p:blipFill>
+          <a:blip r:embed="rId2"/>
+          <a:stretch>
+            <a:fillRect/>
+          </a:stretch>
+        </p:blipFill>
+        <p:spPr>
+          <a:xfrm>
+            <a:off x="1005147" y="1843913"/>
+            <a:ext cx="3250553" cy="4351338"/>
+          </a:xfrm>
+          <a:prstGeom prst="rect">
+            <a:avLst/>
+          </a:prstGeom>
+        </p:spPr>
+      </p:pic>
+      <p:pic>
+        <p:nvPicPr>
+          <p:cNvPr id="7" name="Billede 6">
+            <a:extLst>
+              <a:ext uri="{FF2B5EF4-FFF2-40B4-BE49-F238E27FC236}">
+                <a16:creationId xmlns:a16="http://schemas.microsoft.com/office/drawing/2014/main" id="{F4A62D84-9364-EDF4-DC2D-6BDBAF39C55C}"/>
+              </a:ext>
+            </a:extLst>
+          </p:cNvPr>
+          <p:cNvPicPr>
+            <a:picLocks noChangeAspect="1"/>
+          </p:cNvPicPr>
+          <p:nvPr/>
+        </p:nvPicPr>
+        <p:blipFill>
+          <a:blip r:embed="rId3"/>
+          <a:stretch>
+            <a:fillRect/>
+          </a:stretch>
+        </p:blipFill>
+        <p:spPr>
+          <a:xfrm>
+            <a:off x="3731898" y="2424541"/>
+            <a:ext cx="5531845" cy="2582434"/>
+          </a:xfrm>
+          <a:prstGeom prst="rect">
+            <a:avLst/>
+          </a:prstGeom>
+        </p:spPr>
+      </p:pic>
     </p:spTree>
     <p:extLst>
       <p:ext uri="{BB962C8B-B14F-4D97-AF65-F5344CB8AC3E}">
-        <p14:creationId xmlns:p14="http://schemas.microsoft.com/office/powerpoint/2010/main" val="2453231468"/>
+        <p14:creationId xmlns:p14="http://schemas.microsoft.com/office/powerpoint/2010/main" val="932133210"/>
       </p:ext>
     </p:extLst>
   </p:cSld>
@@ -4397,7 +7216,7 @@
           <p:cNvPr id="2" name="Titel 1">
             <a:extLst>
               <a:ext uri="{FF2B5EF4-FFF2-40B4-BE49-F238E27FC236}">
-                <a16:creationId xmlns:a16="http://schemas.microsoft.com/office/drawing/2014/main" id="{548F4A07-C121-196A-1876-7D3E9A934199}"/>
+                <a16:creationId xmlns:a16="http://schemas.microsoft.com/office/drawing/2014/main" id="{4718C47F-212C-353F-3F24-499A79399A6C}"/>
               </a:ext>
             </a:extLst>
           </p:cNvPr>
@@ -4415,7 +7234,7 @@
           <a:p>
             <a:r>
               <a:rPr lang="da-DK" dirty="0"/>
-              <a:t>Konklusion</a:t>
+              <a:t>Live demo</a:t>
             </a:r>
           </a:p>
         </p:txBody>
@@ -4425,7 +7244,7 @@
           <p:cNvPr id="3" name="Pladsholder til indhold 2">
             <a:extLst>
               <a:ext uri="{FF2B5EF4-FFF2-40B4-BE49-F238E27FC236}">
-                <a16:creationId xmlns:a16="http://schemas.microsoft.com/office/drawing/2014/main" id="{6FB26CAF-2F4C-0E66-51D4-F660B504D9AF}"/>
+                <a16:creationId xmlns:a16="http://schemas.microsoft.com/office/drawing/2014/main" id="{EBAA2D07-99BB-72D3-56A0-12876A9E2735}"/>
               </a:ext>
             </a:extLst>
           </p:cNvPr>
@@ -4448,7 +7267,7 @@
     </p:spTree>
     <p:extLst>
       <p:ext uri="{BB962C8B-B14F-4D97-AF65-F5344CB8AC3E}">
-        <p14:creationId xmlns:p14="http://schemas.microsoft.com/office/powerpoint/2010/main" val="637766752"/>
+        <p14:creationId xmlns:p14="http://schemas.microsoft.com/office/powerpoint/2010/main" val="2557526008"/>
       </p:ext>
     </p:extLst>
   </p:cSld>
@@ -4480,7 +7299,7 @@
           <p:cNvPr id="2" name="Titel 1">
             <a:extLst>
               <a:ext uri="{FF2B5EF4-FFF2-40B4-BE49-F238E27FC236}">
-                <a16:creationId xmlns:a16="http://schemas.microsoft.com/office/drawing/2014/main" id="{87882117-6AA3-FDE2-C206-00860E504229}"/>
+                <a16:creationId xmlns:a16="http://schemas.microsoft.com/office/drawing/2014/main" id="{46595434-9E0D-30BB-1A4F-B4566F43D4BA}"/>
               </a:ext>
             </a:extLst>
           </p:cNvPr>
@@ -4498,7 +7317,7 @@
           <a:p>
             <a:r>
               <a:rPr lang="da-DK" dirty="0"/>
-              <a:t>Tak for denne gang!</a:t>
+              <a:t>Resultater</a:t>
             </a:r>
           </a:p>
         </p:txBody>
@@ -4508,7 +7327,7 @@
           <p:cNvPr id="3" name="Pladsholder til indhold 2">
             <a:extLst>
               <a:ext uri="{FF2B5EF4-FFF2-40B4-BE49-F238E27FC236}">
-                <a16:creationId xmlns:a16="http://schemas.microsoft.com/office/drawing/2014/main" id="{08EE6E54-AC00-A12F-5E77-C8D79A308A5E}"/>
+                <a16:creationId xmlns:a16="http://schemas.microsoft.com/office/drawing/2014/main" id="{15F739D8-93D9-FA9F-C1C6-5A793DE88876}"/>
               </a:ext>
             </a:extLst>
           </p:cNvPr>
@@ -4524,14 +7343,44 @@
           <a:bodyPr/>
           <a:lstStyle/>
           <a:p>
-            <a:endParaRPr lang="da-DK"/>
+            <a:r>
+              <a:rPr lang="da-DK" dirty="0"/>
+              <a:t>Container opsat.</a:t>
+            </a:r>
+          </a:p>
+          <a:p>
+            <a:r>
+              <a:rPr lang="da-DK" dirty="0"/>
+              <a:t>Actions opstillet</a:t>
+            </a:r>
+          </a:p>
+          <a:p>
+            <a:r>
+              <a:rPr lang="da-DK" dirty="0"/>
+              <a:t>Actions fejler.</a:t>
+            </a:r>
+          </a:p>
+          <a:p>
+            <a:pPr lvl="1"/>
+            <a:r>
+              <a:rPr lang="da-DK" dirty="0"/>
+              <a:t>Kan ikke finde ‘</a:t>
+            </a:r>
+            <a:r>
+              <a:rPr lang="da-DK" dirty="0" err="1"/>
+              <a:t>src</a:t>
+            </a:r>
+            <a:r>
+              <a:rPr lang="da-DK" dirty="0"/>
+              <a:t>’</a:t>
+            </a:r>
           </a:p>
         </p:txBody>
       </p:sp>
     </p:spTree>
     <p:extLst>
       <p:ext uri="{BB962C8B-B14F-4D97-AF65-F5344CB8AC3E}">
-        <p14:creationId xmlns:p14="http://schemas.microsoft.com/office/powerpoint/2010/main" val="685353766"/>
+        <p14:creationId xmlns:p14="http://schemas.microsoft.com/office/powerpoint/2010/main" val="2453231468"/>
       </p:ext>
     </p:extLst>
   </p:cSld>
@@ -4542,9 +7391,9 @@
 </file>
 
 <file path=ppt/theme/theme1.xml><?xml version="1.0" encoding="utf-8"?>
-<a:theme xmlns:a="http://schemas.openxmlformats.org/drawingml/2006/main" name="Office-tema">
+<a:theme xmlns:a="http://schemas.openxmlformats.org/drawingml/2006/main" name="Trådnet">
   <a:themeElements>
-    <a:clrScheme name="Office">
+    <a:clrScheme name="Trådnet">
       <a:dk1>
         <a:sysClr val="windowText" lastClr="000000"/>
       </a:dk1>
@@ -4552,100 +7401,48 @@
         <a:sysClr val="window" lastClr="FFFFFF"/>
       </a:lt1>
       <a:dk2>
-        <a:srgbClr val="0E2841"/>
+        <a:srgbClr val="363D46"/>
       </a:dk2>
       <a:lt2>
-        <a:srgbClr val="E8E8E8"/>
+        <a:srgbClr val="EBEBEB"/>
       </a:lt2>
       <a:accent1>
-        <a:srgbClr val="156082"/>
+        <a:srgbClr val="6F6F6F"/>
       </a:accent1>
       <a:accent2>
-        <a:srgbClr val="E97132"/>
+        <a:srgbClr val="BFBFA5"/>
       </a:accent2>
       <a:accent3>
-        <a:srgbClr val="196B24"/>
+        <a:srgbClr val="DCD084"/>
       </a:accent3>
       <a:accent4>
-        <a:srgbClr val="0F9ED5"/>
+        <a:srgbClr val="E7BF5F"/>
       </a:accent4>
       <a:accent5>
-        <a:srgbClr val="A02B93"/>
+        <a:srgbClr val="E9A039"/>
       </a:accent5>
       <a:accent6>
-        <a:srgbClr val="4EA72E"/>
+        <a:srgbClr val="CF7133"/>
       </a:accent6>
       <a:hlink>
-        <a:srgbClr val="467886"/>
+        <a:srgbClr val="F28943"/>
       </a:hlink>
       <a:folHlink>
-        <a:srgbClr val="96607D"/>
+        <a:srgbClr val="F1B76C"/>
       </a:folHlink>
     </a:clrScheme>
-    <a:fontScheme name="Office">
+    <a:fontScheme name="Trådnet">
       <a:majorFont>
-        <a:latin typeface="Aptos Display" panose="02110004020202020204"/>
+        <a:latin typeface="Century Gothic" panose="020B0502020202020204"/>
         <a:ea typeface=""/>
         <a:cs typeface=""/>
-        <a:font script="Jpan" typeface="游ゴシック Light"/>
+        <a:font script="Jpan" typeface="ＭＳ ゴシック"/>
         <a:font script="Hang" typeface="맑은 고딕"/>
-        <a:font script="Hans" typeface="等线 Light"/>
+        <a:font script="Hans" typeface="宋体"/>
         <a:font script="Hant" typeface="新細明體"/>
-        <a:font script="Arab" typeface="Times New Roman"/>
-        <a:font script="Hebr" typeface="Times New Roman"/>
-        <a:font script="Thai" typeface="Angsana New"/>
-        <a:font script="Ethi" typeface="Nyala"/>
-        <a:font script="Beng" typeface="Vrinda"/>
-        <a:font script="Gujr" typeface="Shruti"/>
-        <a:font script="Khmr" typeface="MoolBoran"/>
-        <a:font script="Knda" typeface="Tunga"/>
-        <a:font script="Guru" typeface="Raavi"/>
-        <a:font script="Cans" typeface="Euphemia"/>
-        <a:font script="Cher" typeface="Plantagenet Cherokee"/>
-        <a:font script="Yiii" typeface="Microsoft Yi Baiti"/>
-        <a:font script="Tibt" typeface="Microsoft Himalaya"/>
-        <a:font script="Thaa" typeface="MV Boli"/>
-        <a:font script="Deva" typeface="Mangal"/>
-        <a:font script="Telu" typeface="Gautami"/>
-        <a:font script="Taml" typeface="Latha"/>
-        <a:font script="Syrc" typeface="Estrangelo Edessa"/>
-        <a:font script="Orya" typeface="Kalinga"/>
-        <a:font script="Mlym" typeface="Kartika"/>
-        <a:font script="Laoo" typeface="DokChampa"/>
-        <a:font script="Sinh" typeface="Iskoola Pota"/>
-        <a:font script="Mong" typeface="Mongolian Baiti"/>
-        <a:font script="Viet" typeface="Times New Roman"/>
-        <a:font script="Uigh" typeface="Microsoft Uighur"/>
-        <a:font script="Geor" typeface="Sylfaen"/>
-        <a:font script="Armn" typeface="Arial"/>
-        <a:font script="Bugi" typeface="Leelawadee UI"/>
-        <a:font script="Bopo" typeface="Microsoft JhengHei"/>
-        <a:font script="Java" typeface="Javanese Text"/>
-        <a:font script="Lisu" typeface="Segoe UI"/>
-        <a:font script="Mymr" typeface="Myanmar Text"/>
-        <a:font script="Nkoo" typeface="Ebrima"/>
-        <a:font script="Olck" typeface="Nirmala UI"/>
-        <a:font script="Osma" typeface="Ebrima"/>
-        <a:font script="Phag" typeface="Phagspa"/>
-        <a:font script="Syrn" typeface="Estrangelo Edessa"/>
-        <a:font script="Syrj" typeface="Estrangelo Edessa"/>
-        <a:font script="Syre" typeface="Estrangelo Edessa"/>
-        <a:font script="Sora" typeface="Nirmala UI"/>
-        <a:font script="Tale" typeface="Microsoft Tai Le"/>
-        <a:font script="Talu" typeface="Microsoft New Tai Lue"/>
-        <a:font script="Tfng" typeface="Ebrima"/>
-      </a:majorFont>
-      <a:minorFont>
-        <a:latin typeface="Aptos" panose="02110004020202020204"/>
-        <a:ea typeface=""/>
-        <a:cs typeface=""/>
-        <a:font script="Jpan" typeface="游ゴシック"/>
-        <a:font script="Hang" typeface="맑은 고딕"/>
-        <a:font script="Hans" typeface="等线"/>
-        <a:font script="Hant" typeface="新細明體"/>
-        <a:font script="Arab" typeface="Arial"/>
-        <a:font script="Hebr" typeface="Arial"/>
-        <a:font script="Thai" typeface="Cordia New"/>
+        <a:font script="Arab" typeface="Tahoma"/>
+        <a:font script="Hebr" typeface="Gisha"/>
+        <a:font script="Thai" typeface="DilleniaUPC"/>
         <a:font script="Ethi" typeface="Nyala"/>
         <a:font script="Beng" typeface="Vrinda"/>
         <a:font script="Gujr" typeface="Shruti"/>
@@ -4666,29 +7463,47 @@
         <a:font script="Laoo" typeface="DokChampa"/>
         <a:font script="Sinh" typeface="Iskoola Pota"/>
         <a:font script="Mong" typeface="Mongolian Baiti"/>
-        <a:font script="Viet" typeface="Arial"/>
+        <a:font script="Viet" typeface="Tahoma"/>
         <a:font script="Uigh" typeface="Microsoft Uighur"/>
         <a:font script="Geor" typeface="Sylfaen"/>
-        <a:font script="Armn" typeface="Arial"/>
-        <a:font script="Bugi" typeface="Leelawadee UI"/>
-        <a:font script="Bopo" typeface="Microsoft JhengHei"/>
-        <a:font script="Java" typeface="Javanese Text"/>
-        <a:font script="Lisu" typeface="Segoe UI"/>
-        <a:font script="Mymr" typeface="Myanmar Text"/>
-        <a:font script="Nkoo" typeface="Ebrima"/>
-        <a:font script="Olck" typeface="Nirmala UI"/>
-        <a:font script="Osma" typeface="Ebrima"/>
-        <a:font script="Phag" typeface="Phagspa"/>
-        <a:font script="Syrn" typeface="Estrangelo Edessa"/>
-        <a:font script="Syrj" typeface="Estrangelo Edessa"/>
-        <a:font script="Syre" typeface="Estrangelo Edessa"/>
-        <a:font script="Sora" typeface="Nirmala UI"/>
-        <a:font script="Tale" typeface="Microsoft Tai Le"/>
-        <a:font script="Talu" typeface="Microsoft New Tai Lue"/>
-        <a:font script="Tfng" typeface="Ebrima"/>
+      </a:majorFont>
+      <a:minorFont>
+        <a:latin typeface="Century Gothic" panose="020B0502020202020204"/>
+        <a:ea typeface=""/>
+        <a:cs typeface=""/>
+        <a:font script="Jpan" typeface="ＭＳ ゴシック"/>
+        <a:font script="Hang" typeface="맑은 고딕"/>
+        <a:font script="Hans" typeface="宋体"/>
+        <a:font script="Hant" typeface="新細明體"/>
+        <a:font script="Arab" typeface="Tahoma"/>
+        <a:font script="Hebr" typeface="Gisha"/>
+        <a:font script="Thai" typeface="DilleniaUPC"/>
+        <a:font script="Ethi" typeface="Nyala"/>
+        <a:font script="Beng" typeface="Vrinda"/>
+        <a:font script="Gujr" typeface="Shruti"/>
+        <a:font script="Khmr" typeface="DaunPenh"/>
+        <a:font script="Knda" typeface="Tunga"/>
+        <a:font script="Guru" typeface="Raavi"/>
+        <a:font script="Cans" typeface="Euphemia"/>
+        <a:font script="Cher" typeface="Plantagenet Cherokee"/>
+        <a:font script="Yiii" typeface="Microsoft Yi Baiti"/>
+        <a:font script="Tibt" typeface="Microsoft Himalaya"/>
+        <a:font script="Thaa" typeface="MV Boli"/>
+        <a:font script="Deva" typeface="Mangal"/>
+        <a:font script="Telu" typeface="Gautami"/>
+        <a:font script="Taml" typeface="Latha"/>
+        <a:font script="Syrc" typeface="Estrangelo Edessa"/>
+        <a:font script="Orya" typeface="Kalinga"/>
+        <a:font script="Mlym" typeface="Kartika"/>
+        <a:font script="Laoo" typeface="DokChampa"/>
+        <a:font script="Sinh" typeface="Iskoola Pota"/>
+        <a:font script="Mong" typeface="Mongolian Baiti"/>
+        <a:font script="Viet" typeface="Verdana"/>
+        <a:font script="Uigh" typeface="Microsoft Uighur"/>
+        <a:font script="Geor" typeface="Sylfaen"/>
       </a:minorFont>
     </a:fontScheme>
-    <a:fmtScheme name="Office">
+    <a:fmtScheme name="Trådnet">
       <a:fillStyleLst>
         <a:solidFill>
           <a:schemeClr val="phClr"/>
@@ -4697,23 +7512,13 @@
           <a:gsLst>
             <a:gs pos="0">
               <a:schemeClr val="phClr">
+                <a:tint val="60000"/>
                 <a:lumMod val="110000"/>
-                <a:satMod val="105000"/>
-                <a:tint val="67000"/>
-              </a:schemeClr>
-            </a:gs>
-            <a:gs pos="50000">
-              <a:schemeClr val="phClr">
-                <a:lumMod val="105000"/>
-                <a:satMod val="103000"/>
-                <a:tint val="73000"/>
               </a:schemeClr>
             </a:gs>
             <a:gs pos="100000">
               <a:schemeClr val="phClr">
-                <a:lumMod val="105000"/>
-                <a:satMod val="109000"/>
-                <a:tint val="81000"/>
+                <a:tint val="82000"/>
               </a:schemeClr>
             </a:gs>
           </a:gsLst>
@@ -4723,23 +7528,14 @@
           <a:gsLst>
             <a:gs pos="0">
               <a:schemeClr val="phClr">
-                <a:satMod val="103000"/>
-                <a:lumMod val="102000"/>
-                <a:tint val="94000"/>
-              </a:schemeClr>
-            </a:gs>
-            <a:gs pos="50000">
-              <a:schemeClr val="phClr">
-                <a:satMod val="110000"/>
-                <a:lumMod val="100000"/>
-                <a:shade val="100000"/>
+                <a:tint val="96000"/>
+                <a:lumMod val="104000"/>
               </a:schemeClr>
             </a:gs>
             <a:gs pos="100000">
               <a:schemeClr val="phClr">
-                <a:lumMod val="99000"/>
-                <a:satMod val="120000"/>
-                <a:shade val="78000"/>
+                <a:shade val="84000"/>
+                <a:lumMod val="84000"/>
               </a:schemeClr>
             </a:gs>
           </a:gsLst>
@@ -4747,26 +7543,23 @@
         </a:gradFill>
       </a:fillStyleLst>
       <a:lnStyleLst>
-        <a:ln w="12700" cap="flat" cmpd="sng" algn="ctr">
+        <a:ln w="9525" cap="rnd" cmpd="sng" algn="ctr">
           <a:solidFill>
             <a:schemeClr val="phClr"/>
           </a:solidFill>
           <a:prstDash val="solid"/>
-          <a:miter lim="800000"/>
         </a:ln>
-        <a:ln w="19050" cap="flat" cmpd="sng" algn="ctr">
+        <a:ln w="19050" cap="rnd" cmpd="sng" algn="ctr">
           <a:solidFill>
             <a:schemeClr val="phClr"/>
           </a:solidFill>
           <a:prstDash val="solid"/>
-          <a:miter lim="800000"/>
         </a:ln>
-        <a:ln w="25400" cap="flat" cmpd="sng" algn="ctr">
+        <a:ln w="25400" cap="rnd" cmpd="sng" algn="ctr">
           <a:solidFill>
             <a:schemeClr val="phClr"/>
           </a:solidFill>
           <a:prstDash val="solid"/>
-          <a:miter lim="800000"/>
         </a:ln>
       </a:lnStyleLst>
       <a:effectStyleLst>
@@ -4774,83 +7567,80 @@
           <a:effectLst/>
         </a:effectStyle>
         <a:effectStyle>
-          <a:effectLst/>
+          <a:effectLst>
+            <a:innerShdw blurRad="50800" dist="25400" dir="13500000">
+              <a:srgbClr val="000000">
+                <a:alpha val="55000"/>
+              </a:srgbClr>
+            </a:innerShdw>
+          </a:effectLst>
         </a:effectStyle>
         <a:effectStyle>
           <a:effectLst>
-            <a:outerShdw blurRad="57150" dist="19050" dir="5400000" algn="ctr" rotWithShape="0">
+            <a:outerShdw blurRad="50800" dist="38100" dir="5400000" rotWithShape="0">
               <a:srgbClr val="000000">
-                <a:alpha val="63000"/>
+                <a:alpha val="60000"/>
               </a:srgbClr>
             </a:outerShdw>
           </a:effectLst>
+          <a:scene3d>
+            <a:camera prst="orthographicFront">
+              <a:rot lat="0" lon="0" rev="0"/>
+            </a:camera>
+            <a:lightRig rig="threePt" dir="tl"/>
+          </a:scene3d>
+          <a:sp3d>
+            <a:bevelT w="25400" h="25400" prst="slope"/>
+          </a:sp3d>
         </a:effectStyle>
       </a:effectStyleLst>
       <a:bgFillStyleLst>
         <a:solidFill>
           <a:schemeClr val="phClr"/>
         </a:solidFill>
-        <a:solidFill>
-          <a:schemeClr val="phClr">
-            <a:tint val="95000"/>
-            <a:satMod val="170000"/>
-          </a:schemeClr>
-        </a:solidFill>
         <a:gradFill rotWithShape="1">
           <a:gsLst>
             <a:gs pos="0">
               <a:schemeClr val="phClr">
-                <a:tint val="93000"/>
-                <a:satMod val="150000"/>
-                <a:shade val="98000"/>
-                <a:lumMod val="102000"/>
-              </a:schemeClr>
-            </a:gs>
-            <a:gs pos="50000">
-              <a:schemeClr val="phClr">
-                <a:tint val="98000"/>
-                <a:satMod val="130000"/>
-                <a:shade val="90000"/>
-                <a:lumMod val="103000"/>
+                <a:tint val="90000"/>
+                <a:lumMod val="110000"/>
               </a:schemeClr>
             </a:gs>
             <a:gs pos="100000">
               <a:schemeClr val="phClr">
-                <a:shade val="63000"/>
-                <a:satMod val="120000"/>
+                <a:shade val="64000"/>
+                <a:lumMod val="98000"/>
               </a:schemeClr>
             </a:gs>
           </a:gsLst>
           <a:lin ang="5400000" scaled="0"/>
         </a:gradFill>
+        <a:blipFill rotWithShape="1">
+          <a:blip xmlns:r="http://schemas.openxmlformats.org/officeDocument/2006/relationships" r:embed="rId1">
+            <a:duotone>
+              <a:schemeClr val="phClr">
+                <a:shade val="28000"/>
+                <a:satMod val="94000"/>
+                <a:lumMod val="20000"/>
+              </a:schemeClr>
+              <a:schemeClr val="phClr">
+                <a:tint val="94000"/>
+                <a:shade val="84000"/>
+                <a:satMod val="148000"/>
+                <a:lumMod val="114000"/>
+              </a:schemeClr>
+            </a:duotone>
+          </a:blip>
+          <a:stretch/>
+        </a:blipFill>
       </a:bgFillStyleLst>
     </a:fmtScheme>
   </a:themeElements>
-  <a:objectDefaults>
-    <a:lnDef>
-      <a:spPr/>
-      <a:bodyPr/>
-      <a:lstStyle/>
-      <a:style>
-        <a:lnRef idx="2">
-          <a:schemeClr val="accent1"/>
-        </a:lnRef>
-        <a:fillRef idx="0">
-          <a:schemeClr val="accent1"/>
-        </a:fillRef>
-        <a:effectRef idx="1">
-          <a:schemeClr val="accent1"/>
-        </a:effectRef>
-        <a:fontRef idx="minor">
-          <a:schemeClr val="tx1"/>
-        </a:fontRef>
-      </a:style>
-    </a:lnDef>
-  </a:objectDefaults>
+  <a:objectDefaults/>
   <a:extraClrSchemeLst/>
   <a:extLst>
     <a:ext uri="{05A4C25C-085E-4340-85A3-A5531E510DB2}">
-      <thm15:themeFamily xmlns:thm15="http://schemas.microsoft.com/office/thememl/2012/main" name="Office Theme" id="{2E142A2C-CD16-42D6-873A-C26D2A0506FA}" vid="{1BDDFF52-6CD6-40A5-AB3C-68EB2F1E4D0A}"/>
+      <thm15:themeFamily xmlns:thm15="http://schemas.microsoft.com/office/thememl/2012/main" name="Mesh" id="{789EC3FE-34FD-429C-9918-760025E6C145}" vid="{B8BE45C0-8141-4D58-8C71-A009BC26FBBB}"/>
     </a:ext>
   </a:extLst>
 </a:theme>

--- a/Docker.pptx
+++ b/Docker.pptx
@@ -335,7 +335,7 @@
           <a:p>
             <a:fld id="{E234AFEB-DA5F-4046-9E4D-A0FBEAC3B098}" type="datetimeFigureOut">
               <a:rPr lang="da-DK" smtClean="0"/>
-              <a:t>06-11-2025</a:t>
+              <a:t>07-11-2025</a:t>
             </a:fld>
             <a:endParaRPr lang="da-DK"/>
           </a:p>
@@ -626,7 +626,7 @@
           <a:p>
             <a:fld id="{E234AFEB-DA5F-4046-9E4D-A0FBEAC3B098}" type="datetimeFigureOut">
               <a:rPr lang="da-DK" smtClean="0"/>
-              <a:t>06-11-2025</a:t>
+              <a:t>07-11-2025</a:t>
             </a:fld>
             <a:endParaRPr lang="da-DK"/>
           </a:p>
@@ -885,7 +885,7 @@
           <a:p>
             <a:fld id="{E234AFEB-DA5F-4046-9E4D-A0FBEAC3B098}" type="datetimeFigureOut">
               <a:rPr lang="da-DK" smtClean="0"/>
-              <a:t>06-11-2025</a:t>
+              <a:t>07-11-2025</a:t>
             </a:fld>
             <a:endParaRPr lang="da-DK"/>
           </a:p>
@@ -1354,7 +1354,7 @@
           <a:p>
             <a:fld id="{E234AFEB-DA5F-4046-9E4D-A0FBEAC3B098}" type="datetimeFigureOut">
               <a:rPr lang="da-DK" smtClean="0"/>
-              <a:t>06-11-2025</a:t>
+              <a:t>07-11-2025</a:t>
             </a:fld>
             <a:endParaRPr lang="da-DK"/>
           </a:p>
@@ -1534,7 +1534,7 @@
           <a:p>
             <a:fld id="{E234AFEB-DA5F-4046-9E4D-A0FBEAC3B098}" type="datetimeFigureOut">
               <a:rPr lang="da-DK" smtClean="0"/>
-              <a:t>06-11-2025</a:t>
+              <a:t>07-11-2025</a:t>
             </a:fld>
             <a:endParaRPr lang="da-DK"/>
           </a:p>
@@ -2110,7 +2110,7 @@
           <a:p>
             <a:fld id="{E234AFEB-DA5F-4046-9E4D-A0FBEAC3B098}" type="datetimeFigureOut">
               <a:rPr lang="da-DK" smtClean="0"/>
-              <a:t>06-11-2025</a:t>
+              <a:t>07-11-2025</a:t>
             </a:fld>
             <a:endParaRPr lang="da-DK"/>
           </a:p>
@@ -2442,7 +2442,7 @@
           <a:p>
             <a:fld id="{E234AFEB-DA5F-4046-9E4D-A0FBEAC3B098}" type="datetimeFigureOut">
               <a:rPr lang="da-DK" smtClean="0"/>
-              <a:t>06-11-2025</a:t>
+              <a:t>07-11-2025</a:t>
             </a:fld>
             <a:endParaRPr lang="da-DK"/>
           </a:p>
@@ -2617,7 +2617,7 @@
           <a:p>
             <a:fld id="{E234AFEB-DA5F-4046-9E4D-A0FBEAC3B098}" type="datetimeFigureOut">
               <a:rPr lang="da-DK" smtClean="0"/>
-              <a:t>06-11-2025</a:t>
+              <a:t>07-11-2025</a:t>
             </a:fld>
             <a:endParaRPr lang="da-DK"/>
           </a:p>
@@ -2797,7 +2797,7 @@
           <a:p>
             <a:fld id="{E234AFEB-DA5F-4046-9E4D-A0FBEAC3B098}" type="datetimeFigureOut">
               <a:rPr lang="da-DK" smtClean="0"/>
-              <a:t>06-11-2025</a:t>
+              <a:t>07-11-2025</a:t>
             </a:fld>
             <a:endParaRPr lang="da-DK"/>
           </a:p>
@@ -2967,7 +2967,7 @@
           <a:p>
             <a:fld id="{E234AFEB-DA5F-4046-9E4D-A0FBEAC3B098}" type="datetimeFigureOut">
               <a:rPr lang="da-DK" smtClean="0"/>
-              <a:t>06-11-2025</a:t>
+              <a:t>07-11-2025</a:t>
             </a:fld>
             <a:endParaRPr lang="da-DK"/>
           </a:p>
@@ -3224,7 +3224,7 @@
           <a:p>
             <a:fld id="{E234AFEB-DA5F-4046-9E4D-A0FBEAC3B098}" type="datetimeFigureOut">
               <a:rPr lang="da-DK" smtClean="0"/>
-              <a:t>06-11-2025</a:t>
+              <a:t>07-11-2025</a:t>
             </a:fld>
             <a:endParaRPr lang="da-DK"/>
           </a:p>
@@ -3516,7 +3516,7 @@
           <a:p>
             <a:fld id="{E234AFEB-DA5F-4046-9E4D-A0FBEAC3B098}" type="datetimeFigureOut">
               <a:rPr lang="da-DK" smtClean="0"/>
-              <a:t>06-11-2025</a:t>
+              <a:t>07-11-2025</a:t>
             </a:fld>
             <a:endParaRPr lang="da-DK"/>
           </a:p>
@@ -3946,7 +3946,7 @@
           <a:p>
             <a:fld id="{E234AFEB-DA5F-4046-9E4D-A0FBEAC3B098}" type="datetimeFigureOut">
               <a:rPr lang="da-DK" smtClean="0"/>
-              <a:t>06-11-2025</a:t>
+              <a:t>07-11-2025</a:t>
             </a:fld>
             <a:endParaRPr lang="da-DK"/>
           </a:p>
@@ -4064,7 +4064,7 @@
           <a:p>
             <a:fld id="{E234AFEB-DA5F-4046-9E4D-A0FBEAC3B098}" type="datetimeFigureOut">
               <a:rPr lang="da-DK" smtClean="0"/>
-              <a:t>06-11-2025</a:t>
+              <a:t>07-11-2025</a:t>
             </a:fld>
             <a:endParaRPr lang="da-DK"/>
           </a:p>
@@ -4159,7 +4159,7 @@
           <a:p>
             <a:fld id="{E234AFEB-DA5F-4046-9E4D-A0FBEAC3B098}" type="datetimeFigureOut">
               <a:rPr lang="da-DK" smtClean="0"/>
-              <a:t>06-11-2025</a:t>
+              <a:t>07-11-2025</a:t>
             </a:fld>
             <a:endParaRPr lang="da-DK"/>
           </a:p>
@@ -4442,7 +4442,7 @@
           <a:p>
             <a:fld id="{E234AFEB-DA5F-4046-9E4D-A0FBEAC3B098}" type="datetimeFigureOut">
               <a:rPr lang="da-DK" smtClean="0"/>
-              <a:t>06-11-2025</a:t>
+              <a:t>07-11-2025</a:t>
             </a:fld>
             <a:endParaRPr lang="da-DK"/>
           </a:p>
@@ -4733,7 +4733,7 @@
           <a:p>
             <a:fld id="{E234AFEB-DA5F-4046-9E4D-A0FBEAC3B098}" type="datetimeFigureOut">
               <a:rPr lang="da-DK" smtClean="0"/>
-              <a:t>06-11-2025</a:t>
+              <a:t>07-11-2025</a:t>
             </a:fld>
             <a:endParaRPr lang="da-DK"/>
           </a:p>
@@ -4964,7 +4964,7 @@
           <a:p>
             <a:fld id="{E234AFEB-DA5F-4046-9E4D-A0FBEAC3B098}" type="datetimeFigureOut">
               <a:rPr lang="da-DK" smtClean="0"/>
-              <a:t>06-11-2025</a:t>
+              <a:t>07-11-2025</a:t>
             </a:fld>
             <a:endParaRPr lang="da-DK"/>
           </a:p>
@@ -5721,9 +5721,24 @@
   <p:cSld>
     <p:bg>
       <p:bgPr>
-        <a:solidFill>
-          <a:schemeClr val="bg1"/>
-        </a:solidFill>
+        <a:blipFill rotWithShape="1">
+          <a:blip r:embed="rId2">
+            <a:duotone>
+              <a:schemeClr val="bg2">
+                <a:shade val="28000"/>
+                <a:satMod val="94000"/>
+                <a:lumMod val="20000"/>
+              </a:schemeClr>
+              <a:schemeClr val="bg2">
+                <a:tint val="94000"/>
+                <a:shade val="84000"/>
+                <a:satMod val="148000"/>
+                <a:lumMod val="114000"/>
+              </a:schemeClr>
+            </a:duotone>
+          </a:blip>
+          <a:stretch/>
+        </a:blipFill>
         <a:effectLst/>
       </p:bgPr>
     </p:bg>
@@ -5741,6 +5756,153 @@
           <a:chExt cx="0" cy="0"/>
         </a:xfrm>
       </p:grpSpPr>
+      <p:sp useBgFill="1">
+        <p:nvSpPr>
+          <p:cNvPr id="12" name="Rectangle 7">
+            <a:extLst>
+              <a:ext uri="{FF2B5EF4-FFF2-40B4-BE49-F238E27FC236}">
+                <a16:creationId xmlns:a16="http://schemas.microsoft.com/office/drawing/2014/main" id="{69BA26BC-113C-4698-8859-A985C8324074}"/>
+              </a:ext>
+              <a:ext uri="{C183D7F6-B498-43B3-948B-1728B52AA6E4}">
+                <adec:decorative xmlns:adec="http://schemas.microsoft.com/office/drawing/2017/decorative" val="1"/>
+              </a:ext>
+            </a:extLst>
+          </p:cNvPr>
+          <p:cNvSpPr>
+            <a:spLocks noGrp="1" noRot="1" noChangeAspect="1" noMove="1" noResize="1" noEditPoints="1" noAdjustHandles="1" noChangeArrowheads="1" noChangeShapeType="1" noTextEdit="1"/>
+          </p:cNvSpPr>
+          <p:nvPr>
+            <p:extLst>
+              <p:ext uri="{386F3935-93C4-4BCD-93E2-E3B085C9AB24}">
+                <p16:designElem xmlns:p16="http://schemas.microsoft.com/office/powerpoint/2015/main" val="1"/>
+              </p:ext>
+            </p:extLst>
+          </p:nvPr>
+        </p:nvSpPr>
+        <p:spPr>
+          <a:xfrm>
+            <a:off x="0" y="0"/>
+            <a:ext cx="12192000" cy="6858000"/>
+          </a:xfrm>
+          <a:prstGeom prst="rect">
+            <a:avLst/>
+          </a:prstGeom>
+          <a:ln>
+            <a:noFill/>
+          </a:ln>
+        </p:spPr>
+        <p:style>
+          <a:lnRef idx="2">
+            <a:schemeClr val="accent1">
+              <a:shade val="50000"/>
+            </a:schemeClr>
+          </a:lnRef>
+          <a:fillRef idx="1">
+            <a:schemeClr val="accent1"/>
+          </a:fillRef>
+          <a:effectRef idx="0">
+            <a:schemeClr val="accent1"/>
+          </a:effectRef>
+          <a:fontRef idx="minor">
+            <a:schemeClr val="lt1"/>
+          </a:fontRef>
+        </p:style>
+        <p:txBody>
+          <a:bodyPr rtlCol="0" anchor="ctr"/>
+          <a:lstStyle/>
+          <a:p>
+            <a:pPr algn="ctr"/>
+            <a:endParaRPr lang="en-US"/>
+          </a:p>
+        </p:txBody>
+      </p:sp>
+      <p:sp>
+        <p:nvSpPr>
+          <p:cNvPr id="13" name="Rounded Rectangle 9">
+            <a:extLst>
+              <a:ext uri="{FF2B5EF4-FFF2-40B4-BE49-F238E27FC236}">
+                <a16:creationId xmlns:a16="http://schemas.microsoft.com/office/drawing/2014/main" id="{A68B73B6-D77B-4B55-8538-206CEFD2AF91}"/>
+              </a:ext>
+              <a:ext uri="{C183D7F6-B498-43B3-948B-1728B52AA6E4}">
+                <adec:decorative xmlns:adec="http://schemas.microsoft.com/office/drawing/2017/decorative" val="1"/>
+              </a:ext>
+            </a:extLst>
+          </p:cNvPr>
+          <p:cNvSpPr>
+            <a:spLocks noGrp="1" noRot="1" noChangeAspect="1" noMove="1" noResize="1" noEditPoints="1" noAdjustHandles="1" noChangeArrowheads="1" noChangeShapeType="1" noTextEdit="1"/>
+          </p:cNvSpPr>
+          <p:nvPr>
+            <p:extLst>
+              <p:ext uri="{386F3935-93C4-4BCD-93E2-E3B085C9AB24}">
+                <p16:designElem xmlns:p16="http://schemas.microsoft.com/office/powerpoint/2015/main" val="1"/>
+              </p:ext>
+            </p:extLst>
+          </p:nvPr>
+        </p:nvSpPr>
+        <p:spPr>
+          <a:xfrm>
+            <a:off x="1596889" y="1846512"/>
+            <a:ext cx="8998224" cy="3164976"/>
+          </a:xfrm>
+          <a:prstGeom prst="roundRect">
+            <a:avLst>
+              <a:gd name="adj" fmla="val 4629"/>
+            </a:avLst>
+          </a:prstGeom>
+          <a:solidFill>
+            <a:schemeClr val="bg2"/>
+          </a:solidFill>
+          <a:ln w="44450">
+            <a:gradFill>
+              <a:gsLst>
+                <a:gs pos="0">
+                  <a:schemeClr val="bg2">
+                    <a:alpha val="65000"/>
+                  </a:schemeClr>
+                </a:gs>
+                <a:gs pos="98000">
+                  <a:schemeClr val="bg2">
+                    <a:lumMod val="75000"/>
+                    <a:alpha val="55000"/>
+                  </a:schemeClr>
+                </a:gs>
+              </a:gsLst>
+              <a:lin ang="5400000" scaled="1"/>
+            </a:gradFill>
+          </a:ln>
+          <a:effectLst>
+            <a:innerShdw blurRad="63500" dist="50800" dir="14460000">
+              <a:prstClr val="black">
+                <a:alpha val="70000"/>
+              </a:prstClr>
+            </a:innerShdw>
+          </a:effectLst>
+        </p:spPr>
+        <p:style>
+          <a:lnRef idx="2">
+            <a:schemeClr val="accent1">
+              <a:shade val="50000"/>
+            </a:schemeClr>
+          </a:lnRef>
+          <a:fillRef idx="1003">
+            <a:schemeClr val="dk2"/>
+          </a:fillRef>
+          <a:effectRef idx="0">
+            <a:schemeClr val="accent1"/>
+          </a:effectRef>
+          <a:fontRef idx="minor">
+            <a:schemeClr val="lt1"/>
+          </a:fontRef>
+        </p:style>
+        <p:txBody>
+          <a:bodyPr rtlCol="0" anchor="ctr"/>
+          <a:lstStyle/>
+          <a:p>
+            <a:pPr algn="ctr"/>
+            <a:endParaRPr lang="en-US"/>
+          </a:p>
+        </p:txBody>
+      </p:sp>
       <p:sp>
         <p:nvSpPr>
           <p:cNvPr id="2" name="Titel 1">
@@ -5759,8 +5921,8 @@
         </p:nvSpPr>
         <p:spPr>
           <a:xfrm>
-            <a:off x="3964676" y="1479558"/>
-            <a:ext cx="4339988" cy="2577893"/>
+            <a:off x="1751012" y="2007703"/>
+            <a:ext cx="8676222" cy="1802297"/>
           </a:xfrm>
         </p:spPr>
         <p:txBody>
@@ -5770,11 +5932,7 @@
           <a:lstStyle/>
           <a:p>
             <a:r>
-              <a:rPr lang="da-DK" sz="5400">
-                <a:solidFill>
-                  <a:schemeClr val="bg1"/>
-                </a:solidFill>
-              </a:rPr>
+              <a:rPr lang="da-DK"/>
               <a:t>Lagersystem pipeline</a:t>
             </a:r>
           </a:p>
@@ -5798,8 +5956,8 @@
         </p:nvSpPr>
         <p:spPr>
           <a:xfrm>
-            <a:off x="4283765" y="4149526"/>
-            <a:ext cx="3624471" cy="899551"/>
+            <a:off x="1751012" y="3886200"/>
+            <a:ext cx="8676222" cy="795587"/>
           </a:xfrm>
         </p:spPr>
         <p:txBody>
@@ -5809,11 +5967,7 @@
           <a:lstStyle/>
           <a:p>
             <a:r>
-              <a:rPr lang="da-DK" sz="2000">
-                <a:solidFill>
-                  <a:schemeClr val="bg1"/>
-                </a:solidFill>
-              </a:rPr>
+              <a:rPr lang="da-DK"/>
               <a:t>Viktor From</a:t>
             </a:r>
           </a:p>

--- a/Docker.pptx
+++ b/Docker.pptx
@@ -393,6 +393,18 @@
   <p:clrMapOvr>
     <a:masterClrMapping/>
   </p:clrMapOvr>
+  <mc:AlternateContent xmlns:mc="http://schemas.openxmlformats.org/markup-compatibility/2006">
+    <mc:Choice xmlns:p159="http://schemas.microsoft.com/office/powerpoint/2015/09/main" Requires="p159">
+      <p:transition xmlns:p14="http://schemas.microsoft.com/office/powerpoint/2010/main" spd="slow" p14:dur="2000">
+        <p159:morph option="byObject"/>
+      </p:transition>
+    </mc:Choice>
+    <mc:Fallback>
+      <p:transition spd="slow">
+        <p:fade/>
+      </p:transition>
+    </mc:Fallback>
+  </mc:AlternateContent>
 </p:sldLayout>
 </file>
 
@@ -684,6 +696,18 @@
   <p:clrMapOvr>
     <a:masterClrMapping/>
   </p:clrMapOvr>
+  <mc:AlternateContent xmlns:mc="http://schemas.openxmlformats.org/markup-compatibility/2006">
+    <mc:Choice xmlns:p159="http://schemas.microsoft.com/office/powerpoint/2015/09/main" Requires="p159">
+      <p:transition xmlns:p14="http://schemas.microsoft.com/office/powerpoint/2010/main" spd="slow" p14:dur="2000">
+        <p159:morph option="byObject"/>
+      </p:transition>
+    </mc:Choice>
+    <mc:Fallback>
+      <p:transition spd="slow">
+        <p:fade/>
+      </p:transition>
+    </mc:Fallback>
+  </mc:AlternateContent>
 </p:sldLayout>
 </file>
 
@@ -943,6 +967,18 @@
   <p:clrMapOvr>
     <a:masterClrMapping/>
   </p:clrMapOvr>
+  <mc:AlternateContent xmlns:mc="http://schemas.openxmlformats.org/markup-compatibility/2006">
+    <mc:Choice xmlns:p159="http://schemas.microsoft.com/office/powerpoint/2015/09/main" Requires="p159">
+      <p:transition xmlns:p14="http://schemas.microsoft.com/office/powerpoint/2010/main" spd="slow" p14:dur="2000">
+        <p159:morph option="byObject"/>
+      </p:transition>
+    </mc:Choice>
+    <mc:Fallback>
+      <p:transition spd="slow">
+        <p:fade/>
+      </p:transition>
+    </mc:Fallback>
+  </mc:AlternateContent>
 </p:sldLayout>
 </file>
 
@@ -1412,6 +1448,18 @@
   <p:clrMapOvr>
     <a:masterClrMapping/>
   </p:clrMapOvr>
+  <mc:AlternateContent xmlns:mc="http://schemas.openxmlformats.org/markup-compatibility/2006">
+    <mc:Choice xmlns:p159="http://schemas.microsoft.com/office/powerpoint/2015/09/main" Requires="p159">
+      <p:transition xmlns:p14="http://schemas.microsoft.com/office/powerpoint/2010/main" spd="slow" p14:dur="2000">
+        <p159:morph option="byObject"/>
+      </p:transition>
+    </mc:Choice>
+    <mc:Fallback>
+      <p:transition spd="slow">
+        <p:fade/>
+      </p:transition>
+    </mc:Fallback>
+  </mc:AlternateContent>
 </p:sldLayout>
 </file>
 
@@ -1592,6 +1640,18 @@
   <p:clrMapOvr>
     <a:masterClrMapping/>
   </p:clrMapOvr>
+  <mc:AlternateContent xmlns:mc="http://schemas.openxmlformats.org/markup-compatibility/2006">
+    <mc:Choice xmlns:p159="http://schemas.microsoft.com/office/powerpoint/2015/09/main" Requires="p159">
+      <p:transition xmlns:p14="http://schemas.microsoft.com/office/powerpoint/2010/main" spd="slow" p14:dur="2000">
+        <p159:morph option="byObject"/>
+      </p:transition>
+    </mc:Choice>
+    <mc:Fallback>
+      <p:transition spd="slow">
+        <p:fade/>
+      </p:transition>
+    </mc:Fallback>
+  </mc:AlternateContent>
 </p:sldLayout>
 </file>
 
@@ -2168,6 +2228,18 @@
   <p:clrMapOvr>
     <a:masterClrMapping/>
   </p:clrMapOvr>
+  <mc:AlternateContent xmlns:mc="http://schemas.openxmlformats.org/markup-compatibility/2006">
+    <mc:Choice xmlns:p159="http://schemas.microsoft.com/office/powerpoint/2015/09/main" Requires="p159">
+      <p:transition xmlns:p14="http://schemas.microsoft.com/office/powerpoint/2010/main" spd="slow" p14:dur="2000">
+        <p159:morph option="byObject"/>
+      </p:transition>
+    </mc:Choice>
+    <mc:Fallback>
+      <p:transition spd="slow">
+        <p:fade/>
+      </p:transition>
+    </mc:Fallback>
+  </mc:AlternateContent>
 </p:sldLayout>
 </file>
 
@@ -2500,6 +2572,18 @@
   <p:clrMapOvr>
     <a:masterClrMapping/>
   </p:clrMapOvr>
+  <mc:AlternateContent xmlns:mc="http://schemas.openxmlformats.org/markup-compatibility/2006">
+    <mc:Choice xmlns:p159="http://schemas.microsoft.com/office/powerpoint/2015/09/main" Requires="p159">
+      <p:transition xmlns:p14="http://schemas.microsoft.com/office/powerpoint/2010/main" spd="slow" p14:dur="2000">
+        <p159:morph option="byObject"/>
+      </p:transition>
+    </mc:Choice>
+    <mc:Fallback>
+      <p:transition spd="slow">
+        <p:fade/>
+      </p:transition>
+    </mc:Fallback>
+  </mc:AlternateContent>
 </p:sldLayout>
 </file>
 
@@ -2675,6 +2759,18 @@
   <p:clrMapOvr>
     <a:masterClrMapping/>
   </p:clrMapOvr>
+  <mc:AlternateContent xmlns:mc="http://schemas.openxmlformats.org/markup-compatibility/2006">
+    <mc:Choice xmlns:p159="http://schemas.microsoft.com/office/powerpoint/2015/09/main" Requires="p159">
+      <p:transition xmlns:p14="http://schemas.microsoft.com/office/powerpoint/2010/main" spd="slow" p14:dur="2000">
+        <p159:morph option="byObject"/>
+      </p:transition>
+    </mc:Choice>
+    <mc:Fallback>
+      <p:transition spd="slow">
+        <p:fade/>
+      </p:transition>
+    </mc:Fallback>
+  </mc:AlternateContent>
 </p:sldLayout>
 </file>
 
@@ -2855,6 +2951,18 @@
   <p:clrMapOvr>
     <a:masterClrMapping/>
   </p:clrMapOvr>
+  <mc:AlternateContent xmlns:mc="http://schemas.openxmlformats.org/markup-compatibility/2006">
+    <mc:Choice xmlns:p159="http://schemas.microsoft.com/office/powerpoint/2015/09/main" Requires="p159">
+      <p:transition xmlns:p14="http://schemas.microsoft.com/office/powerpoint/2010/main" spd="slow" p14:dur="2000">
+        <p159:morph option="byObject"/>
+      </p:transition>
+    </mc:Choice>
+    <mc:Fallback>
+      <p:transition spd="slow">
+        <p:fade/>
+      </p:transition>
+    </mc:Fallback>
+  </mc:AlternateContent>
 </p:sldLayout>
 </file>
 
@@ -3025,6 +3133,18 @@
   <p:clrMapOvr>
     <a:masterClrMapping/>
   </p:clrMapOvr>
+  <mc:AlternateContent xmlns:mc="http://schemas.openxmlformats.org/markup-compatibility/2006">
+    <mc:Choice xmlns:p159="http://schemas.microsoft.com/office/powerpoint/2015/09/main" Requires="p159">
+      <p:transition xmlns:p14="http://schemas.microsoft.com/office/powerpoint/2010/main" spd="slow" p14:dur="2000">
+        <p159:morph option="byObject"/>
+      </p:transition>
+    </mc:Choice>
+    <mc:Fallback>
+      <p:transition spd="slow">
+        <p:fade/>
+      </p:transition>
+    </mc:Fallback>
+  </mc:AlternateContent>
 </p:sldLayout>
 </file>
 
@@ -3282,6 +3402,18 @@
   <p:clrMapOvr>
     <a:masterClrMapping/>
   </p:clrMapOvr>
+  <mc:AlternateContent xmlns:mc="http://schemas.openxmlformats.org/markup-compatibility/2006">
+    <mc:Choice xmlns:p159="http://schemas.microsoft.com/office/powerpoint/2015/09/main" Requires="p159">
+      <p:transition xmlns:p14="http://schemas.microsoft.com/office/powerpoint/2010/main" spd="slow" p14:dur="2000">
+        <p159:morph option="byObject"/>
+      </p:transition>
+    </mc:Choice>
+    <mc:Fallback>
+      <p:transition spd="slow">
+        <p:fade/>
+      </p:transition>
+    </mc:Fallback>
+  </mc:AlternateContent>
 </p:sldLayout>
 </file>
 
@@ -3574,6 +3706,18 @@
   <p:clrMapOvr>
     <a:masterClrMapping/>
   </p:clrMapOvr>
+  <mc:AlternateContent xmlns:mc="http://schemas.openxmlformats.org/markup-compatibility/2006">
+    <mc:Choice xmlns:p159="http://schemas.microsoft.com/office/powerpoint/2015/09/main" Requires="p159">
+      <p:transition xmlns:p14="http://schemas.microsoft.com/office/powerpoint/2010/main" spd="slow" p14:dur="2000">
+        <p159:morph option="byObject"/>
+      </p:transition>
+    </mc:Choice>
+    <mc:Fallback>
+      <p:transition spd="slow">
+        <p:fade/>
+      </p:transition>
+    </mc:Fallback>
+  </mc:AlternateContent>
 </p:sldLayout>
 </file>
 
@@ -4004,6 +4148,18 @@
   <p:clrMapOvr>
     <a:masterClrMapping/>
   </p:clrMapOvr>
+  <mc:AlternateContent xmlns:mc="http://schemas.openxmlformats.org/markup-compatibility/2006">
+    <mc:Choice xmlns:p159="http://schemas.microsoft.com/office/powerpoint/2015/09/main" Requires="p159">
+      <p:transition xmlns:p14="http://schemas.microsoft.com/office/powerpoint/2010/main" spd="slow" p14:dur="2000">
+        <p159:morph option="byObject"/>
+      </p:transition>
+    </mc:Choice>
+    <mc:Fallback>
+      <p:transition spd="slow">
+        <p:fade/>
+      </p:transition>
+    </mc:Fallback>
+  </mc:AlternateContent>
 </p:sldLayout>
 </file>
 
@@ -4122,6 +4278,18 @@
   <p:clrMapOvr>
     <a:masterClrMapping/>
   </p:clrMapOvr>
+  <mc:AlternateContent xmlns:mc="http://schemas.openxmlformats.org/markup-compatibility/2006">
+    <mc:Choice xmlns:p159="http://schemas.microsoft.com/office/powerpoint/2015/09/main" Requires="p159">
+      <p:transition xmlns:p14="http://schemas.microsoft.com/office/powerpoint/2010/main" spd="slow" p14:dur="2000">
+        <p159:morph option="byObject"/>
+      </p:transition>
+    </mc:Choice>
+    <mc:Fallback>
+      <p:transition spd="slow">
+        <p:fade/>
+      </p:transition>
+    </mc:Fallback>
+  </mc:AlternateContent>
 </p:sldLayout>
 </file>
 
@@ -4217,6 +4385,18 @@
   <p:clrMapOvr>
     <a:masterClrMapping/>
   </p:clrMapOvr>
+  <mc:AlternateContent xmlns:mc="http://schemas.openxmlformats.org/markup-compatibility/2006">
+    <mc:Choice xmlns:p159="http://schemas.microsoft.com/office/powerpoint/2015/09/main" Requires="p159">
+      <p:transition xmlns:p14="http://schemas.microsoft.com/office/powerpoint/2010/main" spd="slow" p14:dur="2000">
+        <p159:morph option="byObject"/>
+      </p:transition>
+    </mc:Choice>
+    <mc:Fallback>
+      <p:transition spd="slow">
+        <p:fade/>
+      </p:transition>
+    </mc:Fallback>
+  </mc:AlternateContent>
 </p:sldLayout>
 </file>
 
@@ -4500,6 +4680,18 @@
   <p:clrMapOvr>
     <a:masterClrMapping/>
   </p:clrMapOvr>
+  <mc:AlternateContent xmlns:mc="http://schemas.openxmlformats.org/markup-compatibility/2006">
+    <mc:Choice xmlns:p159="http://schemas.microsoft.com/office/powerpoint/2015/09/main" Requires="p159">
+      <p:transition xmlns:p14="http://schemas.microsoft.com/office/powerpoint/2010/main" spd="slow" p14:dur="2000">
+        <p159:morph option="byObject"/>
+      </p:transition>
+    </mc:Choice>
+    <mc:Fallback>
+      <p:transition spd="slow">
+        <p:fade/>
+      </p:transition>
+    </mc:Fallback>
+  </mc:AlternateContent>
 </p:sldLayout>
 </file>
 
@@ -4801,6 +4993,18 @@
   <p:clrMapOvr>
     <a:masterClrMapping/>
   </p:clrMapOvr>
+  <mc:AlternateContent xmlns:mc="http://schemas.openxmlformats.org/markup-compatibility/2006">
+    <mc:Choice xmlns:p159="http://schemas.microsoft.com/office/powerpoint/2015/09/main" Requires="p159">
+      <p:transition xmlns:p14="http://schemas.microsoft.com/office/powerpoint/2010/main" spd="slow" p14:dur="2000">
+        <p159:morph option="byObject"/>
+      </p:transition>
+    </mc:Choice>
+    <mc:Fallback>
+      <p:transition spd="slow">
+        <p:fade/>
+      </p:transition>
+    </mc:Fallback>
+  </mc:AlternateContent>
 </p:sldLayout>
 </file>
 
@@ -5091,6 +5295,18 @@
     <p:sldLayoutId id="2147483676" r:id="rId16"/>
     <p:sldLayoutId id="2147483677" r:id="rId17"/>
   </p:sldLayoutIdLst>
+  <mc:AlternateContent xmlns:mc="http://schemas.openxmlformats.org/markup-compatibility/2006">
+    <mc:Choice xmlns:p159="http://schemas.microsoft.com/office/powerpoint/2015/09/main" Requires="p159">
+      <p:transition xmlns:p14="http://schemas.microsoft.com/office/powerpoint/2010/main" spd="slow" p14:dur="2000">
+        <p159:morph option="byObject"/>
+      </p:transition>
+    </mc:Choice>
+    <mc:Fallback>
+      <p:transition spd="slow">
+        <p:fade/>
+      </p:transition>
+    </mc:Fallback>
+  </mc:AlternateContent>
   <p:txStyles>
     <p:titleStyle>
       <a:lvl1pPr algn="l" defTabSz="457200" rtl="0" eaLnBrk="1" latinLnBrk="0" hangingPunct="1">
@@ -5983,6 +6199,18 @@
   <p:clrMapOvr>
     <a:masterClrMapping/>
   </p:clrMapOvr>
+  <mc:AlternateContent xmlns:mc="http://schemas.openxmlformats.org/markup-compatibility/2006">
+    <mc:Choice xmlns:p159="http://schemas.microsoft.com/office/powerpoint/2015/09/main" Requires="p159">
+      <p:transition xmlns:p14="http://schemas.microsoft.com/office/powerpoint/2010/main" spd="slow" p14:dur="2000">
+        <p159:morph option="byObject"/>
+      </p:transition>
+    </mc:Choice>
+    <mc:Fallback>
+      <p:transition spd="slow">
+        <p:fade/>
+      </p:transition>
+    </mc:Fallback>
+  </mc:AlternateContent>
   <p:timing>
     <p:tnLst>
       <p:par>
@@ -6223,6 +6451,18 @@
   <p:clrMapOvr>
     <a:masterClrMapping/>
   </p:clrMapOvr>
+  <mc:AlternateContent xmlns:mc="http://schemas.openxmlformats.org/markup-compatibility/2006">
+    <mc:Choice xmlns:p159="http://schemas.microsoft.com/office/powerpoint/2015/09/main" Requires="p159">
+      <p:transition xmlns:p14="http://schemas.microsoft.com/office/powerpoint/2010/main" spd="slow" p14:dur="2000">
+        <p159:morph option="byObject"/>
+      </p:transition>
+    </mc:Choice>
+    <mc:Fallback>
+      <p:transition spd="slow">
+        <p:fade/>
+      </p:transition>
+    </mc:Fallback>
+  </mc:AlternateContent>
 </p:sld>
 </file>
 
@@ -6309,8 +6549,64 @@
               <a:t>Havde I forventet en joke?</a:t>
             </a:r>
           </a:p>
-        </p:txBody>
-      </p:sp>
+          <a:p>
+            <a:pPr marL="0" indent="0">
+              <a:buNone/>
+            </a:pPr>
+            <a:r>
+              <a:rPr lang="da-DK" dirty="0"/>
+              <a:t>Okay, okay, her kommer den…</a:t>
+            </a:r>
+          </a:p>
+        </p:txBody>
+      </p:sp>
+      <p:pic>
+        <p:nvPicPr>
+          <p:cNvPr id="1026" name="Picture 2" descr="Funny Programmer T Shirt Code Works Why Meme - Programmer - T-Shirt ...">
+            <a:extLst>
+              <a:ext uri="{FF2B5EF4-FFF2-40B4-BE49-F238E27FC236}">
+                <a16:creationId xmlns:a16="http://schemas.microsoft.com/office/drawing/2014/main" id="{92703FDA-8C0A-C828-0B94-AF7E2A3855C3}"/>
+              </a:ext>
+            </a:extLst>
+          </p:cNvPr>
+          <p:cNvPicPr>
+            <a:picLocks noChangeAspect="1" noChangeArrowheads="1"/>
+          </p:cNvPicPr>
+          <p:nvPr/>
+        </p:nvPicPr>
+        <p:blipFill>
+          <a:blip r:embed="rId2">
+            <a:extLst>
+              <a:ext uri="{28A0092B-C50C-407E-A947-70E740481C1C}">
+                <a14:useLocalDpi xmlns:a14="http://schemas.microsoft.com/office/drawing/2010/main" val="0"/>
+              </a:ext>
+            </a:extLst>
+          </a:blip>
+          <a:srcRect/>
+          <a:stretch>
+            <a:fillRect/>
+          </a:stretch>
+        </p:blipFill>
+        <p:spPr bwMode="auto">
+          <a:xfrm>
+            <a:off x="5819775" y="2038350"/>
+            <a:ext cx="4419600" cy="4419600"/>
+          </a:xfrm>
+          <a:prstGeom prst="rect">
+            <a:avLst/>
+          </a:prstGeom>
+          <a:noFill/>
+          <a:extLst>
+            <a:ext uri="{909E8E84-426E-40DD-AFC4-6F175D3DCCD1}">
+              <a14:hiddenFill xmlns:a14="http://schemas.microsoft.com/office/drawing/2010/main">
+                <a:solidFill>
+                  <a:srgbClr val="FFFFFF"/>
+                </a:solidFill>
+              </a14:hiddenFill>
+            </a:ext>
+          </a:extLst>
+        </p:spPr>
+      </p:pic>
     </p:spTree>
     <p:extLst>
       <p:ext uri="{BB962C8B-B14F-4D97-AF65-F5344CB8AC3E}">
@@ -6321,6 +6617,153 @@
   <p:clrMapOvr>
     <a:masterClrMapping/>
   </p:clrMapOvr>
+  <mc:AlternateContent xmlns:mc="http://schemas.openxmlformats.org/markup-compatibility/2006">
+    <mc:Choice xmlns:p159="http://schemas.microsoft.com/office/powerpoint/2015/09/main" Requires="p159">
+      <p:transition xmlns:p14="http://schemas.microsoft.com/office/powerpoint/2010/main" spd="slow" p14:dur="2000">
+        <p159:morph option="byObject"/>
+      </p:transition>
+    </mc:Choice>
+    <mc:Fallback>
+      <p:transition spd="slow">
+        <p:fade/>
+      </p:transition>
+    </mc:Fallback>
+  </mc:AlternateContent>
+  <p:timing>
+    <p:tnLst>
+      <p:par>
+        <p:cTn id="1" dur="indefinite" restart="never" nodeType="tmRoot">
+          <p:childTnLst>
+            <p:seq concurrent="1" nextAc="seek">
+              <p:cTn id="2" dur="indefinite" nodeType="mainSeq">
+                <p:childTnLst>
+                  <p:par>
+                    <p:cTn id="3" fill="hold">
+                      <p:stCondLst>
+                        <p:cond delay="indefinite"/>
+                      </p:stCondLst>
+                      <p:childTnLst>
+                        <p:par>
+                          <p:cTn id="4" fill="hold">
+                            <p:stCondLst>
+                              <p:cond delay="0"/>
+                            </p:stCondLst>
+                            <p:childTnLst>
+                              <p:par>
+                                <p:cTn id="5" presetID="10" presetClass="entr" presetSubtype="0" fill="hold" nodeType="clickEffect">
+                                  <p:stCondLst>
+                                    <p:cond delay="0"/>
+                                  </p:stCondLst>
+                                  <p:childTnLst>
+                                    <p:set>
+                                      <p:cBhvr>
+                                        <p:cTn id="6" dur="1" fill="hold">
+                                          <p:stCondLst>
+                                            <p:cond delay="0"/>
+                                          </p:stCondLst>
+                                        </p:cTn>
+                                        <p:tgtEl>
+                                          <p:spTgt spid="3">
+                                            <p:txEl>
+                                              <p:pRg st="2" end="2"/>
+                                            </p:txEl>
+                                          </p:spTgt>
+                                        </p:tgtEl>
+                                        <p:attrNameLst>
+                                          <p:attrName>style.visibility</p:attrName>
+                                        </p:attrNameLst>
+                                      </p:cBhvr>
+                                      <p:to>
+                                        <p:strVal val="visible"/>
+                                      </p:to>
+                                    </p:set>
+                                    <p:animEffect transition="in" filter="fade">
+                                      <p:cBhvr>
+                                        <p:cTn id="7" dur="500"/>
+                                        <p:tgtEl>
+                                          <p:spTgt spid="3">
+                                            <p:txEl>
+                                              <p:pRg st="2" end="2"/>
+                                            </p:txEl>
+                                          </p:spTgt>
+                                        </p:tgtEl>
+                                      </p:cBhvr>
+                                    </p:animEffect>
+                                  </p:childTnLst>
+                                </p:cTn>
+                              </p:par>
+                            </p:childTnLst>
+                          </p:cTn>
+                        </p:par>
+                        <p:par>
+                          <p:cTn id="8" fill="hold">
+                            <p:stCondLst>
+                              <p:cond delay="500"/>
+                            </p:stCondLst>
+                            <p:childTnLst>
+                              <p:par>
+                                <p:cTn id="9" presetID="10" presetClass="entr" presetSubtype="0" fill="hold" nodeType="afterEffect">
+                                  <p:stCondLst>
+                                    <p:cond delay="0"/>
+                                  </p:stCondLst>
+                                  <p:childTnLst>
+                                    <p:set>
+                                      <p:cBhvr>
+                                        <p:cTn id="10" dur="1" fill="hold">
+                                          <p:stCondLst>
+                                            <p:cond delay="0"/>
+                                          </p:stCondLst>
+                                        </p:cTn>
+                                        <p:tgtEl>
+                                          <p:spTgt spid="1026"/>
+                                        </p:tgtEl>
+                                        <p:attrNameLst>
+                                          <p:attrName>style.visibility</p:attrName>
+                                        </p:attrNameLst>
+                                      </p:cBhvr>
+                                      <p:to>
+                                        <p:strVal val="visible"/>
+                                      </p:to>
+                                    </p:set>
+                                    <p:animEffect transition="in" filter="fade">
+                                      <p:cBhvr>
+                                        <p:cTn id="11" dur="500"/>
+                                        <p:tgtEl>
+                                          <p:spTgt spid="1026"/>
+                                        </p:tgtEl>
+                                      </p:cBhvr>
+                                    </p:animEffect>
+                                  </p:childTnLst>
+                                </p:cTn>
+                              </p:par>
+                            </p:childTnLst>
+                          </p:cTn>
+                        </p:par>
+                      </p:childTnLst>
+                    </p:cTn>
+                  </p:par>
+                </p:childTnLst>
+              </p:cTn>
+              <p:prevCondLst>
+                <p:cond evt="onPrev" delay="0">
+                  <p:tgtEl>
+                    <p:sldTgt/>
+                  </p:tgtEl>
+                </p:cond>
+              </p:prevCondLst>
+              <p:nextCondLst>
+                <p:cond evt="onNext" delay="0">
+                  <p:tgtEl>
+                    <p:sldTgt/>
+                  </p:tgtEl>
+                </p:cond>
+              </p:nextCondLst>
+            </p:seq>
+          </p:childTnLst>
+        </p:cTn>
+      </p:par>
+    </p:tnLst>
+  </p:timing>
 </p:sld>
 </file>
 
@@ -6463,6 +6906,18 @@
   <p:clrMapOvr>
     <a:masterClrMapping/>
   </p:clrMapOvr>
+  <mc:AlternateContent xmlns:mc="http://schemas.openxmlformats.org/markup-compatibility/2006">
+    <mc:Choice xmlns:p159="http://schemas.microsoft.com/office/powerpoint/2015/09/main" Requires="p159">
+      <p:transition xmlns:p14="http://schemas.microsoft.com/office/powerpoint/2010/main" spd="slow" p14:dur="2000">
+        <p159:morph option="byObject"/>
+      </p:transition>
+    </mc:Choice>
+    <mc:Fallback>
+      <p:transition spd="slow">
+        <p:fade/>
+      </p:transition>
+    </mc:Fallback>
+  </mc:AlternateContent>
 </p:sld>
 </file>
 
@@ -6533,44 +6988,76 @@
           <a:bodyPr/>
           <a:lstStyle/>
           <a:p>
-            <a:r>
-              <a:rPr lang="da-DK"/>
+            <a:pPr>
+              <a:buFont typeface="Arial" panose="020B0604020202020204" pitchFamily="34" charset="0"/>
+              <a:buChar char="•"/>
+            </a:pPr>
+            <a:r>
+              <a:rPr lang="da-DK" dirty="0"/>
+              <a:t>Opsætning af container</a:t>
+            </a:r>
+          </a:p>
+          <a:p>
+            <a:pPr lvl="1">
+              <a:buFont typeface="Arial" panose="020B0604020202020204" pitchFamily="34" charset="0"/>
+              <a:buChar char="•"/>
+            </a:pPr>
+            <a:r>
+              <a:rPr lang="da-DK" dirty="0"/>
+              <a:t>Docker</a:t>
+            </a:r>
+          </a:p>
+          <a:p>
+            <a:pPr>
+              <a:buFont typeface="Arial" panose="020B0604020202020204" pitchFamily="34" charset="0"/>
+              <a:buChar char="•"/>
+            </a:pPr>
+            <a:r>
+              <a:rPr lang="da-DK" dirty="0"/>
+              <a:t>Opsætning af </a:t>
+            </a:r>
+            <a:r>
+              <a:rPr lang="da-DK" dirty="0" err="1"/>
+              <a:t>Github</a:t>
+            </a:r>
+            <a:r>
+              <a:rPr lang="da-DK" dirty="0"/>
+              <a:t> Actions</a:t>
+            </a:r>
+          </a:p>
+          <a:p>
+            <a:pPr>
+              <a:buFont typeface="Arial" panose="020B0604020202020204" pitchFamily="34" charset="0"/>
+              <a:buChar char="•"/>
+            </a:pPr>
+            <a:r>
+              <a:rPr lang="da-DK" dirty="0"/>
               <a:t>Opsætning af CI/CD pipeline.</a:t>
             </a:r>
           </a:p>
           <a:p>
-            <a:pPr lvl="1"/>
-            <a:r>
-              <a:rPr lang="da-DK"/>
-              <a:t>Hvad er CI/CD?</a:t>
-            </a:r>
-          </a:p>
-          <a:p>
-            <a:r>
-              <a:rPr lang="da-DK"/>
-              <a:t>Opsætning af Docker container.</a:t>
-            </a:r>
-          </a:p>
-          <a:p>
-            <a:pPr lvl="1"/>
-            <a:r>
-              <a:rPr lang="da-DK"/>
-              <a:t>Hvad er en container?</a:t>
-            </a:r>
-          </a:p>
-          <a:p>
-            <a:r>
-              <a:rPr lang="da-DK"/>
-              <a:t>Opsætning af Github Actions</a:t>
-            </a:r>
-          </a:p>
-          <a:p>
-            <a:pPr lvl="1"/>
-            <a:r>
-              <a:rPr lang="da-DK"/>
-              <a:t>Hvad er en Action?</a:t>
-            </a:r>
-            <a:endParaRPr lang="da-DK" dirty="0"/>
+            <a:pPr lvl="1">
+              <a:buFont typeface="Arial" panose="020B0604020202020204" pitchFamily="34" charset="0"/>
+              <a:buChar char="•"/>
+            </a:pPr>
+            <a:r>
+              <a:rPr lang="da-DK" dirty="0" err="1"/>
+              <a:t>Github</a:t>
+            </a:r>
+            <a:r>
+              <a:rPr lang="da-DK" dirty="0"/>
+              <a:t> Actions</a:t>
+            </a:r>
+          </a:p>
+          <a:p>
+            <a:pPr lvl="1">
+              <a:buFont typeface="Arial" panose="020B0604020202020204" pitchFamily="34" charset="0"/>
+              <a:buChar char="•"/>
+            </a:pPr>
+            <a:r>
+              <a:rPr lang="da-DK" dirty="0"/>
+              <a:t>Jenkins</a:t>
+            </a:r>
           </a:p>
         </p:txBody>
       </p:sp>
@@ -6584,6 +7071,18 @@
   <p:clrMapOvr>
     <a:masterClrMapping/>
   </p:clrMapOvr>
+  <mc:AlternateContent xmlns:mc="http://schemas.openxmlformats.org/markup-compatibility/2006">
+    <mc:Choice xmlns:p159="http://schemas.microsoft.com/office/powerpoint/2015/09/main" Requires="p159">
+      <p:transition xmlns:p14="http://schemas.microsoft.com/office/powerpoint/2010/main" spd="slow" p14:dur="2000">
+        <p159:morph option="byObject"/>
+      </p:transition>
+    </mc:Choice>
+    <mc:Fallback>
+      <p:transition spd="slow">
+        <p:fade/>
+      </p:transition>
+    </mc:Fallback>
+  </mc:AlternateContent>
 </p:sld>
 </file>
 
@@ -6660,49 +7159,64 @@
           <a:lstStyle/>
           <a:p>
             <a:r>
-              <a:rPr lang="da-DK"/>
+              <a:rPr lang="da-DK" dirty="0"/>
               <a:t>Container:</a:t>
             </a:r>
           </a:p>
           <a:p>
             <a:pPr lvl="1"/>
             <a:r>
-              <a:rPr lang="da-DK"/>
+              <a:rPr lang="da-DK" dirty="0"/>
               <a:t>Isoleret system.</a:t>
             </a:r>
           </a:p>
           <a:p>
             <a:pPr lvl="1"/>
             <a:r>
-              <a:rPr lang="da-DK"/>
+              <a:rPr lang="da-DK" dirty="0"/>
               <a:t>Indeholder alle nødvendige filer for at koden kan eksekveres.</a:t>
             </a:r>
           </a:p>
           <a:p>
             <a:pPr lvl="1"/>
             <a:r>
-              <a:rPr lang="da-DK"/>
+              <a:rPr lang="da-DK" dirty="0"/>
+              <a:t>Uafhængigt af hardware</a:t>
+            </a:r>
+          </a:p>
+          <a:p>
+            <a:pPr lvl="1"/>
+            <a:r>
+              <a:rPr lang="da-DK" dirty="0"/>
               <a:t>Dockerfile.</a:t>
             </a:r>
           </a:p>
           <a:p>
             <a:pPr lvl="2"/>
             <a:r>
-              <a:rPr lang="da-DK"/>
+              <a:rPr lang="da-DK" dirty="0"/>
               <a:t>Definerer sprogversion.</a:t>
             </a:r>
           </a:p>
           <a:p>
             <a:pPr lvl="2"/>
             <a:r>
-              <a:rPr lang="da-DK"/>
-              <a:t>Installerer filer.</a:t>
+              <a:rPr lang="da-DK" dirty="0"/>
+              <a:t>Installerer </a:t>
+            </a:r>
+            <a:r>
+              <a:rPr lang="da-DK" dirty="0" err="1"/>
+              <a:t>Dependencies</a:t>
+            </a:r>
+            <a:r>
+              <a:rPr lang="da-DK" dirty="0"/>
+              <a:t>.</a:t>
             </a:r>
           </a:p>
           <a:p>
             <a:pPr lvl="2"/>
             <a:r>
-              <a:rPr lang="da-DK"/>
+              <a:rPr lang="da-DK" dirty="0"/>
               <a:t>Opsætter brugere, hvis nødvendigt.</a:t>
             </a:r>
           </a:p>
@@ -6722,6 +7236,18 @@
   <p:clrMapOvr>
     <a:masterClrMapping/>
   </p:clrMapOvr>
+  <mc:AlternateContent xmlns:mc="http://schemas.openxmlformats.org/markup-compatibility/2006">
+    <mc:Choice xmlns:p159="http://schemas.microsoft.com/office/powerpoint/2015/09/main" Requires="p159">
+      <p:transition xmlns:p14="http://schemas.microsoft.com/office/powerpoint/2010/main" spd="slow" p14:dur="2000">
+        <p159:morph option="byObject"/>
+      </p:transition>
+    </mc:Choice>
+    <mc:Fallback>
+      <p:transition spd="slow">
+        <p:fade/>
+      </p:transition>
+    </mc:Fallback>
+  </mc:AlternateContent>
 </p:sld>
 </file>
 
@@ -6895,6 +7421,18 @@
   <p:clrMapOvr>
     <a:masterClrMapping/>
   </p:clrMapOvr>
+  <mc:AlternateContent xmlns:mc="http://schemas.openxmlformats.org/markup-compatibility/2006">
+    <mc:Choice xmlns:p159="http://schemas.microsoft.com/office/powerpoint/2015/09/main" Requires="p159">
+      <p:transition xmlns:p14="http://schemas.microsoft.com/office/powerpoint/2010/main" spd="slow" p14:dur="2000">
+        <p159:morph option="byObject"/>
+      </p:transition>
+    </mc:Choice>
+    <mc:Fallback>
+      <p:transition spd="slow">
+        <p:fade/>
+      </p:transition>
+    </mc:Fallback>
+  </mc:AlternateContent>
   <p:timing>
     <p:tnLst>
       <p:par>
@@ -7119,7 +7657,7 @@
         <p:spPr/>
         <p:txBody>
           <a:bodyPr>
-            <a:normAutofit fontScale="85000" lnSpcReduction="20000"/>
+            <a:normAutofit fontScale="62500" lnSpcReduction="20000"/>
           </a:bodyPr>
           <a:lstStyle/>
           <a:p>
@@ -7132,7 +7670,7 @@
             <a:pPr lvl="1"/>
             <a:r>
               <a:rPr lang="da-DK" dirty="0"/>
-              <a:t>Kode, der eksekveres ved en bestemt handling.</a:t>
+              <a:t>Kode, der eksekveres ved et bestemt event på GitHub.</a:t>
             </a:r>
           </a:p>
           <a:p>
@@ -7167,6 +7705,32 @@
             <a:r>
               <a:rPr lang="da-DK" dirty="0"/>
               <a:t>.</a:t>
+            </a:r>
+          </a:p>
+          <a:p>
+            <a:pPr lvl="1"/>
+            <a:r>
+              <a:rPr lang="da-DK" dirty="0"/>
+              <a:t>Hvorfor?</a:t>
+            </a:r>
+          </a:p>
+          <a:p>
+            <a:pPr lvl="2"/>
+            <a:r>
+              <a:rPr lang="da-DK" dirty="0"/>
+              <a:t>Køre </a:t>
+            </a:r>
+            <a:r>
+              <a:rPr lang="da-DK"/>
+              <a:t>tests på ny kode.</a:t>
+            </a:r>
+            <a:endParaRPr lang="da-DK" dirty="0"/>
+          </a:p>
+          <a:p>
+            <a:pPr lvl="2"/>
+            <a:r>
+              <a:rPr lang="da-DK" dirty="0"/>
+              <a:t>Sikre at koden virker.</a:t>
             </a:r>
           </a:p>
           <a:p>
@@ -7221,6 +7785,18 @@
   <p:clrMapOvr>
     <a:masterClrMapping/>
   </p:clrMapOvr>
+  <mc:AlternateContent xmlns:mc="http://schemas.openxmlformats.org/markup-compatibility/2006">
+    <mc:Choice xmlns:p159="http://schemas.microsoft.com/office/powerpoint/2015/09/main" Requires="p159">
+      <p:transition xmlns:p14="http://schemas.microsoft.com/office/powerpoint/2010/main" spd="slow" p14:dur="2000">
+        <p159:morph option="byObject"/>
+      </p:transition>
+    </mc:Choice>
+    <mc:Fallback>
+      <p:transition spd="slow">
+        <p:fade/>
+      </p:transition>
+    </mc:Fallback>
+  </mc:AlternateContent>
 </p:sld>
 </file>
 
@@ -7327,7 +7903,7 @@
         </p:blipFill>
         <p:spPr>
           <a:xfrm>
-            <a:off x="3731898" y="2424541"/>
+            <a:off x="4746882" y="2387965"/>
             <a:ext cx="5531845" cy="2582434"/>
           </a:xfrm>
           <a:prstGeom prst="rect">
@@ -7345,6 +7921,18 @@
   <p:clrMapOvr>
     <a:masterClrMapping/>
   </p:clrMapOvr>
+  <mc:AlternateContent xmlns:mc="http://schemas.openxmlformats.org/markup-compatibility/2006">
+    <mc:Choice xmlns:p159="http://schemas.microsoft.com/office/powerpoint/2015/09/main" Requires="p159">
+      <p:transition xmlns:p14="http://schemas.microsoft.com/office/powerpoint/2010/main" spd="slow" p14:dur="2000">
+        <p159:morph option="byObject"/>
+      </p:transition>
+    </mc:Choice>
+    <mc:Fallback>
+      <p:transition spd="slow">
+        <p:fade/>
+      </p:transition>
+    </mc:Fallback>
+  </mc:AlternateContent>
 </p:sld>
 </file>
 
@@ -7428,6 +8016,18 @@
   <p:clrMapOvr>
     <a:masterClrMapping/>
   </p:clrMapOvr>
+  <mc:AlternateContent xmlns:mc="http://schemas.openxmlformats.org/markup-compatibility/2006">
+    <mc:Choice xmlns:p159="http://schemas.microsoft.com/office/powerpoint/2015/09/main" Requires="p159">
+      <p:transition xmlns:p14="http://schemas.microsoft.com/office/powerpoint/2010/main" spd="slow" p14:dur="2000">
+        <p159:morph option="byObject"/>
+      </p:transition>
+    </mc:Choice>
+    <mc:Fallback>
+      <p:transition spd="slow">
+        <p:fade/>
+      </p:transition>
+    </mc:Fallback>
+  </mc:AlternateContent>
 </p:sld>
 </file>
 
@@ -7531,6 +8131,36 @@
           </a:p>
         </p:txBody>
       </p:sp>
+      <p:pic>
+        <p:nvPicPr>
+          <p:cNvPr id="5" name="Billede 4">
+            <a:extLst>
+              <a:ext uri="{FF2B5EF4-FFF2-40B4-BE49-F238E27FC236}">
+                <a16:creationId xmlns:a16="http://schemas.microsoft.com/office/drawing/2014/main" id="{42A25A4D-C6EC-E4A8-7F39-46C2B45B5940}"/>
+              </a:ext>
+            </a:extLst>
+          </p:cNvPr>
+          <p:cNvPicPr>
+            <a:picLocks noChangeAspect="1"/>
+          </p:cNvPicPr>
+          <p:nvPr/>
+        </p:nvPicPr>
+        <p:blipFill>
+          <a:blip r:embed="rId2"/>
+          <a:stretch>
+            <a:fillRect/>
+          </a:stretch>
+        </p:blipFill>
+        <p:spPr>
+          <a:xfrm>
+            <a:off x="4423698" y="1562100"/>
+            <a:ext cx="6899383" cy="4420025"/>
+          </a:xfrm>
+          <a:prstGeom prst="rect">
+            <a:avLst/>
+          </a:prstGeom>
+        </p:spPr>
+      </p:pic>
     </p:spTree>
     <p:extLst>
       <p:ext uri="{BB962C8B-B14F-4D97-AF65-F5344CB8AC3E}">
@@ -7541,6 +8171,18 @@
   <p:clrMapOvr>
     <a:masterClrMapping/>
   </p:clrMapOvr>
+  <mc:AlternateContent xmlns:mc="http://schemas.openxmlformats.org/markup-compatibility/2006">
+    <mc:Choice xmlns:p159="http://schemas.microsoft.com/office/powerpoint/2015/09/main" Requires="p159">
+      <p:transition xmlns:p14="http://schemas.microsoft.com/office/powerpoint/2010/main" spd="slow" p14:dur="2000">
+        <p159:morph option="byObject"/>
+      </p:transition>
+    </mc:Choice>
+    <mc:Fallback>
+      <p:transition spd="slow">
+        <p:fade/>
+      </p:transition>
+    </mc:Fallback>
+  </mc:AlternateContent>
 </p:sld>
 </file>
 

--- a/Docker.pptx
+++ b/Docker.pptx
@@ -6237,7 +6237,7 @@
                               <p:par>
                                 <p:cTn id="5" presetID="10" presetClass="entr" presetSubtype="0" fill="hold" grpId="0" nodeType="withEffect">
                                   <p:stCondLst>
-                                    <p:cond delay="500"/>
+                                    <p:cond delay="0"/>
                                   </p:stCondLst>
                                   <p:iterate type="lt">
                                     <p:tmPct val="10000"/>
@@ -6704,7 +6704,7 @@
                               <p:par>
                                 <p:cTn id="9" presetID="10" presetClass="entr" presetSubtype="0" fill="hold" nodeType="afterEffect">
                                   <p:stCondLst>
-                                    <p:cond delay="0"/>
+                                    <p:cond delay="2000"/>
                                   </p:stCondLst>
                                   <p:childTnLst>
                                     <p:set>
@@ -6987,6 +6987,20 @@
         <p:txBody>
           <a:bodyPr/>
           <a:lstStyle/>
+          <a:p>
+            <a:pPr>
+              <a:buFont typeface="Arial" panose="020B0604020202020204" pitchFamily="34" charset="0"/>
+              <a:buChar char="•"/>
+            </a:pPr>
+            <a:r>
+              <a:rPr lang="da-DK" dirty="0"/>
+              <a:t>Lagersystem </a:t>
+            </a:r>
+            <a:r>
+              <a:rPr lang="da-DK"/>
+              <a:t>fra sidste uge.</a:t>
+            </a:r>
+          </a:p>
           <a:p>
             <a:pPr>
               <a:buFont typeface="Arial" panose="020B0604020202020204" pitchFamily="34" charset="0"/>
@@ -7718,13 +7732,8 @@
             <a:pPr lvl="2"/>
             <a:r>
               <a:rPr lang="da-DK" dirty="0"/>
-              <a:t>Køre </a:t>
-            </a:r>
-            <a:r>
-              <a:rPr lang="da-DK"/>
-              <a:t>tests på ny kode.</a:t>
-            </a:r>
-            <a:endParaRPr lang="da-DK" dirty="0"/>
+              <a:t>Køre tests på ny kode.</a:t>
+            </a:r>
           </a:p>
           <a:p>
             <a:pPr lvl="2"/>
